--- a/Physique/LeconPhys/LP-Les Symétries en physiques/LP-SymétriesEnPhysique.pptx
+++ b/Physique/LeconPhys/LP-Les Symétries en physiques/LP-SymétriesEnPhysique.pptx
@@ -17,6 +17,7 @@
     <p:sldId id="268" r:id="rId11"/>
     <p:sldId id="269" r:id="rId12"/>
     <p:sldId id="266" r:id="rId13"/>
+    <p:sldId id="270" r:id="rId14"/>
   </p:sldIdLst>
   <p:sldSz cx="12192000" cy="6858000"/>
   <p:notesSz cx="6858000" cy="9144000"/>
@@ -3622,8 +3623,8 @@
           </a:prstGeom>
         </p:spPr>
       </p:pic>
-      <mc:AlternateContent xmlns:mc="http://schemas.openxmlformats.org/markup-compatibility/2006">
-        <mc:Choice xmlns:a14="http://schemas.microsoft.com/office/drawing/2010/main" Requires="a14">
+      <mc:AlternateContent xmlns:mc="http://schemas.openxmlformats.org/markup-compatibility/2006" xmlns:a14="http://schemas.microsoft.com/office/drawing/2010/main">
+        <mc:Choice Requires="a14">
           <p:sp>
             <p:nvSpPr>
               <p:cNvPr id="8" name="TextBox 7">
@@ -3688,7 +3689,7 @@
             </p:txBody>
           </p:sp>
         </mc:Choice>
-        <mc:Fallback>
+        <mc:Fallback xmlns="">
           <p:sp>
             <p:nvSpPr>
               <p:cNvPr id="8" name="TextBox 7">
@@ -3939,6 +3940,66 @@
 </p:sld>
 </file>
 
+<file path=ppt/slides/slide13.xml><?xml version="1.0" encoding="utf-8"?>
+<p:sld xmlns:a="http://schemas.openxmlformats.org/drawingml/2006/main" xmlns:r="http://schemas.openxmlformats.org/officeDocument/2006/relationships" xmlns:p="http://schemas.openxmlformats.org/presentationml/2006/main">
+  <p:cSld>
+    <p:spTree>
+      <p:nvGrpSpPr>
+        <p:cNvPr id="1" name=""/>
+        <p:cNvGrpSpPr/>
+        <p:nvPr/>
+      </p:nvGrpSpPr>
+      <p:grpSpPr>
+        <a:xfrm>
+          <a:off x="0" y="0"/>
+          <a:ext cx="0" cy="0"/>
+          <a:chOff x="0" y="0"/>
+          <a:chExt cx="0" cy="0"/>
+        </a:xfrm>
+      </p:grpSpPr>
+      <p:pic>
+        <p:nvPicPr>
+          <p:cNvPr id="2" name="Picture 1">
+            <a:extLst>
+              <a:ext uri="{FF2B5EF4-FFF2-40B4-BE49-F238E27FC236}">
+                <a16:creationId xmlns:a16="http://schemas.microsoft.com/office/drawing/2014/main" id="{3DA8F686-2D32-4058-A2BD-7F33B64D93AE}"/>
+              </a:ext>
+            </a:extLst>
+          </p:cNvPr>
+          <p:cNvPicPr>
+            <a:picLocks noChangeAspect="1"/>
+          </p:cNvPicPr>
+          <p:nvPr/>
+        </p:nvPicPr>
+        <p:blipFill>
+          <a:blip r:embed="rId2"/>
+          <a:stretch>
+            <a:fillRect/>
+          </a:stretch>
+        </p:blipFill>
+        <p:spPr>
+          <a:xfrm>
+            <a:off x="0" y="0"/>
+            <a:ext cx="12192000" cy="6858000"/>
+          </a:xfrm>
+          <a:prstGeom prst="rect">
+            <a:avLst/>
+          </a:prstGeom>
+        </p:spPr>
+      </p:pic>
+    </p:spTree>
+    <p:extLst>
+      <p:ext uri="{BB962C8B-B14F-4D97-AF65-F5344CB8AC3E}">
+        <p14:creationId xmlns:p14="http://schemas.microsoft.com/office/powerpoint/2010/main" val="427102414"/>
+      </p:ext>
+    </p:extLst>
+  </p:cSld>
+  <p:clrMapOvr>
+    <a:masterClrMapping/>
+  </p:clrMapOvr>
+</p:sld>
+</file>
+
 <file path=ppt/slides/slide2.xml><?xml version="1.0" encoding="utf-8"?>
 <p:sld xmlns:a="http://schemas.openxmlformats.org/drawingml/2006/main" xmlns:r="http://schemas.openxmlformats.org/officeDocument/2006/relationships" xmlns:p="http://schemas.openxmlformats.org/presentationml/2006/main">
   <p:cSld>
@@ -4329,8 +4390,8 @@
           </a:fontRef>
         </p:style>
       </p:cxnSp>
-      <mc:AlternateContent xmlns:mc="http://schemas.openxmlformats.org/markup-compatibility/2006">
-        <mc:Choice xmlns:a14="http://schemas.microsoft.com/office/drawing/2010/main" Requires="a14">
+      <mc:AlternateContent xmlns:mc="http://schemas.openxmlformats.org/markup-compatibility/2006" xmlns:a14="http://schemas.microsoft.com/office/drawing/2010/main">
+        <mc:Choice Requires="a14">
           <p:sp>
             <p:nvSpPr>
               <p:cNvPr id="11" name="TextBox 10">
@@ -4359,6 +4420,7 @@
               </a:bodyPr>
               <a:lstStyle/>
               <a:p>
+                <a:pPr/>
                 <a14:m>
                   <m:oMathPara xmlns:m="http://schemas.openxmlformats.org/officeDocument/2006/math">
                     <m:oMathParaPr>
@@ -4391,7 +4453,7 @@
             </p:txBody>
           </p:sp>
         </mc:Choice>
-        <mc:Fallback>
+        <mc:Fallback xmlns="">
           <p:sp>
             <p:nvSpPr>
               <p:cNvPr id="11" name="TextBox 10">
@@ -4471,8 +4533,8 @@
           </a:p>
         </p:txBody>
       </p:sp>
-      <mc:AlternateContent xmlns:mc="http://schemas.openxmlformats.org/markup-compatibility/2006">
-        <mc:Choice xmlns:a14="http://schemas.microsoft.com/office/drawing/2010/main" Requires="a14">
+      <mc:AlternateContent xmlns:mc="http://schemas.openxmlformats.org/markup-compatibility/2006" xmlns:a14="http://schemas.microsoft.com/office/drawing/2010/main">
+        <mc:Choice Requires="a14">
           <p:sp>
             <p:nvSpPr>
               <p:cNvPr id="13" name="TextBox 12">
@@ -4565,7 +4627,7 @@
             </p:txBody>
           </p:sp>
         </mc:Choice>
-        <mc:Fallback>
+        <mc:Fallback xmlns="">
           <p:sp>
             <p:nvSpPr>
               <p:cNvPr id="13" name="TextBox 12">
@@ -4718,8 +4780,8 @@
           </a:fontRef>
         </p:style>
       </p:cxnSp>
-      <mc:AlternateContent xmlns:mc="http://schemas.openxmlformats.org/markup-compatibility/2006">
-        <mc:Choice xmlns:a14="http://schemas.microsoft.com/office/drawing/2010/main" Requires="a14">
+      <mc:AlternateContent xmlns:mc="http://schemas.openxmlformats.org/markup-compatibility/2006" xmlns:a14="http://schemas.microsoft.com/office/drawing/2010/main">
+        <mc:Choice Requires="a14">
           <p:sp>
             <p:nvSpPr>
               <p:cNvPr id="7" name="TextBox 6">
@@ -4748,6 +4810,7 @@
               </a:bodyPr>
               <a:lstStyle/>
               <a:p>
+                <a:pPr/>
                 <a14:m>
                   <m:oMathPara xmlns:m="http://schemas.openxmlformats.org/officeDocument/2006/math">
                     <m:oMathParaPr>
@@ -4786,7 +4849,7 @@
             </p:txBody>
           </p:sp>
         </mc:Choice>
-        <mc:Fallback>
+        <mc:Fallback xmlns="">
           <p:sp>
             <p:nvSpPr>
               <p:cNvPr id="7" name="TextBox 6">
@@ -4831,8 +4894,8 @@
           </p:sp>
         </mc:Fallback>
       </mc:AlternateContent>
-      <mc:AlternateContent xmlns:mc="http://schemas.openxmlformats.org/markup-compatibility/2006">
-        <mc:Choice xmlns:a14="http://schemas.microsoft.com/office/drawing/2010/main" Requires="a14">
+      <mc:AlternateContent xmlns:mc="http://schemas.openxmlformats.org/markup-compatibility/2006" xmlns:a14="http://schemas.microsoft.com/office/drawing/2010/main">
+        <mc:Choice Requires="a14">
           <p:sp>
             <p:nvSpPr>
               <p:cNvPr id="10" name="TextBox 9">
@@ -4871,44 +4934,60 @@
                       <m:accPr>
                         <m:chr m:val="⃗"/>
                         <m:ctrlPr>
-                          <a:rPr lang="fr-FR" i="1"/>
+                          <a:rPr lang="fr-FR" i="1">
+                            <a:latin typeface="Cambria Math" panose="02040503050406030204" pitchFamily="18" charset="0"/>
+                          </a:rPr>
                         </m:ctrlPr>
                       </m:accPr>
                       <m:e>
                         <m:r>
-                          <a:rPr lang="fr-FR" i="1"/>
+                          <a:rPr lang="fr-FR" i="1">
+                            <a:latin typeface="Cambria Math" panose="02040503050406030204" pitchFamily="18" charset="0"/>
+                          </a:rPr>
                           <m:t>𝐸</m:t>
                         </m:r>
                       </m:e>
                     </m:acc>
                     <m:r>
-                      <a:rPr lang="fr-FR" i="1"/>
+                      <a:rPr lang="fr-FR" i="1">
+                        <a:latin typeface="Cambria Math" panose="02040503050406030204" pitchFamily="18" charset="0"/>
+                      </a:rPr>
                       <m:t>=</m:t>
                     </m:r>
                     <m:acc>
                       <m:accPr>
                         <m:chr m:val="⃗"/>
                         <m:ctrlPr>
-                          <a:rPr lang="fr-FR" i="1"/>
+                          <a:rPr lang="fr-FR" i="1">
+                            <a:latin typeface="Cambria Math" panose="02040503050406030204" pitchFamily="18" charset="0"/>
+                          </a:rPr>
                         </m:ctrlPr>
                       </m:accPr>
                       <m:e>
                         <m:r>
-                          <a:rPr lang="fr-FR" i="1"/>
+                          <a:rPr lang="fr-FR" i="1">
+                            <a:latin typeface="Cambria Math" panose="02040503050406030204" pitchFamily="18" charset="0"/>
+                          </a:rPr>
                           <m:t>𝐸</m:t>
                         </m:r>
                       </m:e>
                     </m:acc>
                     <m:r>
-                      <a:rPr lang="fr-FR" i="1"/>
+                      <a:rPr lang="fr-FR" i="1">
+                        <a:latin typeface="Cambria Math" panose="02040503050406030204" pitchFamily="18" charset="0"/>
+                      </a:rPr>
                       <m:t>(</m:t>
                     </m:r>
                     <m:r>
-                      <a:rPr lang="fr-FR" i="1"/>
+                      <a:rPr lang="fr-FR" i="1">
+                        <a:latin typeface="Cambria Math" panose="02040503050406030204" pitchFamily="18" charset="0"/>
+                      </a:rPr>
                       <m:t>𝑟</m:t>
                     </m:r>
                     <m:r>
-                      <a:rPr lang="fr-FR" i="1"/>
+                      <a:rPr lang="fr-FR" i="1">
+                        <a:latin typeface="Cambria Math" panose="02040503050406030204" pitchFamily="18" charset="0"/>
+                      </a:rPr>
                       <m:t>)</m:t>
                     </m:r>
                   </m:oMath>
@@ -4918,7 +4997,7 @@
             </p:txBody>
           </p:sp>
         </mc:Choice>
-        <mc:Fallback>
+        <mc:Fallback xmlns="">
           <p:sp>
             <p:nvSpPr>
               <p:cNvPr id="10" name="TextBox 9">
@@ -4963,8 +5042,8 @@
           </p:sp>
         </mc:Fallback>
       </mc:AlternateContent>
-      <mc:AlternateContent xmlns:mc="http://schemas.openxmlformats.org/markup-compatibility/2006">
-        <mc:Choice xmlns:a14="http://schemas.microsoft.com/office/drawing/2010/main" Requires="a14">
+      <mc:AlternateContent xmlns:mc="http://schemas.openxmlformats.org/markup-compatibility/2006" xmlns:a14="http://schemas.microsoft.com/office/drawing/2010/main">
+        <mc:Choice Requires="a14">
           <p:sp>
             <p:nvSpPr>
               <p:cNvPr id="11" name="TextBox 10">
@@ -5003,18 +5082,24 @@
                       <m:accPr>
                         <m:chr m:val="⃗"/>
                         <m:ctrlPr>
-                          <a:rPr lang="fr-FR" i="1"/>
+                          <a:rPr lang="fr-FR" i="1">
+                            <a:latin typeface="Cambria Math" panose="02040503050406030204" pitchFamily="18" charset="0"/>
+                          </a:rPr>
                         </m:ctrlPr>
                       </m:accPr>
                       <m:e>
                         <m:r>
-                          <a:rPr lang="fr-FR" i="1"/>
+                          <a:rPr lang="fr-FR" i="1">
+                            <a:latin typeface="Cambria Math" panose="02040503050406030204" pitchFamily="18" charset="0"/>
+                          </a:rPr>
                           <m:t>𝐸</m:t>
                         </m:r>
                       </m:e>
                     </m:acc>
                     <m:r>
-                      <a:rPr lang="fr-FR" i="1"/>
+                      <a:rPr lang="fr-FR" i="1">
+                        <a:latin typeface="Cambria Math" panose="02040503050406030204" pitchFamily="18" charset="0"/>
+                      </a:rPr>
                       <m:t>=</m:t>
                     </m:r>
                     <m:r>
@@ -5033,7 +5118,9 @@
                       </m:dPr>
                       <m:e>
                         <m:r>
-                          <a:rPr lang="fr-FR" i="1"/>
+                          <a:rPr lang="fr-FR" i="1">
+                            <a:latin typeface="Cambria Math" panose="02040503050406030204" pitchFamily="18" charset="0"/>
+                          </a:rPr>
                           <m:t>𝑟</m:t>
                         </m:r>
                       </m:e>
@@ -5082,7 +5169,7 @@
             </p:txBody>
           </p:sp>
         </mc:Choice>
-        <mc:Fallback>
+        <mc:Fallback xmlns="">
           <p:sp>
             <p:nvSpPr>
               <p:cNvPr id="11" name="TextBox 10">
@@ -5127,8 +5214,8 @@
           </p:sp>
         </mc:Fallback>
       </mc:AlternateContent>
-      <mc:AlternateContent xmlns:mc="http://schemas.openxmlformats.org/markup-compatibility/2006">
-        <mc:Choice xmlns:a14="http://schemas.microsoft.com/office/drawing/2010/main" Requires="a14">
+      <mc:AlternateContent xmlns:mc="http://schemas.openxmlformats.org/markup-compatibility/2006" xmlns:a14="http://schemas.microsoft.com/office/drawing/2010/main">
+        <mc:Choice Requires="a14">
           <p:sp>
             <p:nvSpPr>
               <p:cNvPr id="14" name="TextBox 13">
@@ -5173,7 +5260,9 @@
                       <m:accPr>
                         <m:chr m:val="⃗"/>
                         <m:ctrlPr>
-                          <a:rPr lang="fr-FR" i="1"/>
+                          <a:rPr lang="fr-FR" i="1">
+                            <a:latin typeface="Cambria Math" panose="02040503050406030204" pitchFamily="18" charset="0"/>
+                          </a:rPr>
                         </m:ctrlPr>
                       </m:accPr>
                       <m:e>
@@ -5186,49 +5275,67 @@
                       </m:e>
                     </m:acc>
                     <m:r>
-                      <a:rPr lang="fr-FR" i="1"/>
+                      <a:rPr lang="fr-FR" i="1">
+                        <a:latin typeface="Cambria Math" panose="02040503050406030204" pitchFamily="18" charset="0"/>
+                      </a:rPr>
                       <m:t>=</m:t>
                     </m:r>
                     <m:f>
                       <m:fPr>
                         <m:ctrlPr>
-                          <a:rPr lang="fr-FR" i="1"/>
+                          <a:rPr lang="fr-FR" i="1">
+                            <a:latin typeface="Cambria Math" panose="02040503050406030204" pitchFamily="18" charset="0"/>
+                          </a:rPr>
                         </m:ctrlPr>
                       </m:fPr>
                       <m:num>
                         <m:r>
-                          <a:rPr lang="fr-FR" i="1"/>
+                          <a:rPr lang="fr-FR" i="1">
+                            <a:latin typeface="Cambria Math" panose="02040503050406030204" pitchFamily="18" charset="0"/>
+                          </a:rPr>
                           <m:t>𝜆</m:t>
                         </m:r>
                       </m:num>
                       <m:den>
                         <m:r>
-                          <a:rPr lang="fr-FR" i="1"/>
+                          <a:rPr lang="fr-FR" i="1">
+                            <a:latin typeface="Cambria Math" panose="02040503050406030204" pitchFamily="18" charset="0"/>
+                          </a:rPr>
                           <m:t>2</m:t>
                         </m:r>
                         <m:r>
-                          <a:rPr lang="fr-FR" i="1"/>
+                          <a:rPr lang="fr-FR" i="1">
+                            <a:latin typeface="Cambria Math" panose="02040503050406030204" pitchFamily="18" charset="0"/>
+                          </a:rPr>
                           <m:t>𝜋</m:t>
                         </m:r>
                         <m:r>
-                          <a:rPr lang="fr-FR" i="1"/>
+                          <a:rPr lang="fr-FR" i="1">
+                            <a:latin typeface="Cambria Math" panose="02040503050406030204" pitchFamily="18" charset="0"/>
+                          </a:rPr>
                           <m:t>𝑟</m:t>
                         </m:r>
                         <m:sSub>
                           <m:sSubPr>
                             <m:ctrlPr>
-                              <a:rPr lang="fr-FR" i="1"/>
+                              <a:rPr lang="fr-FR" i="1">
+                                <a:latin typeface="Cambria Math" panose="02040503050406030204" pitchFamily="18" charset="0"/>
+                              </a:rPr>
                             </m:ctrlPr>
                           </m:sSubPr>
                           <m:e>
                             <m:r>
-                              <a:rPr lang="fr-FR" i="1"/>
+                              <a:rPr lang="fr-FR" i="1">
+                                <a:latin typeface="Cambria Math" panose="02040503050406030204" pitchFamily="18" charset="0"/>
+                              </a:rPr>
                               <m:t>𝜖</m:t>
                             </m:r>
                           </m:e>
                           <m:sub>
                             <m:r>
-                              <a:rPr lang="fr-FR" i="1"/>
+                              <a:rPr lang="fr-FR" i="1">
+                                <a:latin typeface="Cambria Math" panose="02040503050406030204" pitchFamily="18" charset="0"/>
+                              </a:rPr>
                               <m:t>0</m:t>
                             </m:r>
                           </m:sub>
@@ -5238,7 +5345,9 @@
                     <m:sSub>
                       <m:sSubPr>
                         <m:ctrlPr>
-                          <a:rPr lang="fr-FR" i="1"/>
+                          <a:rPr lang="fr-FR" i="1">
+                            <a:latin typeface="Cambria Math" panose="02040503050406030204" pitchFamily="18" charset="0"/>
+                          </a:rPr>
                         </m:ctrlPr>
                       </m:sSubPr>
                       <m:e>
@@ -5246,12 +5355,16 @@
                           <m:accPr>
                             <m:chr m:val="⃗"/>
                             <m:ctrlPr>
-                              <a:rPr lang="fr-FR" i="1"/>
+                              <a:rPr lang="fr-FR" i="1">
+                                <a:latin typeface="Cambria Math" panose="02040503050406030204" pitchFamily="18" charset="0"/>
+                              </a:rPr>
                             </m:ctrlPr>
                           </m:accPr>
                           <m:e>
                             <m:r>
-                              <a:rPr lang="fr-FR" i="1"/>
+                              <a:rPr lang="fr-FR" i="1">
+                                <a:latin typeface="Cambria Math" panose="02040503050406030204" pitchFamily="18" charset="0"/>
+                              </a:rPr>
                               <m:t>𝑢</m:t>
                             </m:r>
                           </m:e>
@@ -5259,7 +5372,9 @@
                       </m:e>
                       <m:sub>
                         <m:r>
-                          <a:rPr lang="fr-FR" i="1"/>
+                          <a:rPr lang="fr-FR" i="1">
+                            <a:latin typeface="Cambria Math" panose="02040503050406030204" pitchFamily="18" charset="0"/>
+                          </a:rPr>
                           <m:t>𝑟</m:t>
                         </m:r>
                       </m:sub>
@@ -5271,7 +5386,7 @@
             </p:txBody>
           </p:sp>
         </mc:Choice>
-        <mc:Fallback>
+        <mc:Fallback xmlns="">
           <p:sp>
             <p:nvSpPr>
               <p:cNvPr id="14" name="TextBox 13">
@@ -5421,8 +5536,8 @@
           </a:fontRef>
         </p:style>
       </p:cxnSp>
-      <mc:AlternateContent xmlns:mc="http://schemas.openxmlformats.org/markup-compatibility/2006">
-        <mc:Choice xmlns:a14="http://schemas.microsoft.com/office/drawing/2010/main" Requires="a14">
+      <mc:AlternateContent xmlns:mc="http://schemas.openxmlformats.org/markup-compatibility/2006" xmlns:a14="http://schemas.microsoft.com/office/drawing/2010/main">
+        <mc:Choice Requires="a14">
           <p:sp>
             <p:nvSpPr>
               <p:cNvPr id="6" name="TextBox 5">
@@ -5451,6 +5566,7 @@
               </a:bodyPr>
               <a:lstStyle/>
               <a:p>
+                <a:pPr/>
                 <a14:m>
                   <m:oMathPara xmlns:m="http://schemas.openxmlformats.org/officeDocument/2006/math">
                     <m:oMathParaPr>
@@ -5541,7 +5657,7 @@
             </p:txBody>
           </p:sp>
         </mc:Choice>
-        <mc:Fallback>
+        <mc:Fallback xmlns="">
           <p:sp>
             <p:nvSpPr>
               <p:cNvPr id="6" name="TextBox 5">
@@ -5586,8 +5702,8 @@
           </p:sp>
         </mc:Fallback>
       </mc:AlternateContent>
-      <mc:AlternateContent xmlns:mc="http://schemas.openxmlformats.org/markup-compatibility/2006">
-        <mc:Choice xmlns:a14="http://schemas.microsoft.com/office/drawing/2010/main" Requires="a14">
+      <mc:AlternateContent xmlns:mc="http://schemas.openxmlformats.org/markup-compatibility/2006" xmlns:a14="http://schemas.microsoft.com/office/drawing/2010/main">
+        <mc:Choice Requires="a14">
           <p:sp>
             <p:nvSpPr>
               <p:cNvPr id="7" name="TextBox 6">
@@ -5616,6 +5732,7 @@
               </a:bodyPr>
               <a:lstStyle/>
               <a:p>
+                <a:pPr/>
                 <a14:m>
                   <m:oMathPara xmlns:m="http://schemas.openxmlformats.org/officeDocument/2006/math">
                     <m:oMathParaPr>
@@ -5691,7 +5808,7 @@
             </p:txBody>
           </p:sp>
         </mc:Choice>
-        <mc:Fallback>
+        <mc:Fallback xmlns="">
           <p:sp>
             <p:nvSpPr>
               <p:cNvPr id="7" name="TextBox 6">
@@ -6083,8 +6200,8 @@
           </a:p>
         </p:txBody>
       </p:sp>
-      <mc:AlternateContent xmlns:mc="http://schemas.openxmlformats.org/markup-compatibility/2006">
-        <mc:Choice xmlns:a14="http://schemas.microsoft.com/office/drawing/2010/main" Requires="a14">
+      <mc:AlternateContent xmlns:mc="http://schemas.openxmlformats.org/markup-compatibility/2006" xmlns:a14="http://schemas.microsoft.com/office/drawing/2010/main">
+        <mc:Choice Requires="a14">
           <p:sp>
             <p:nvSpPr>
               <p:cNvPr id="6" name="Rectangle 5">
@@ -6112,6 +6229,7 @@
               </a:bodyPr>
               <a:lstStyle/>
               <a:p>
+                <a:pPr/>
                 <a14:m>
                   <m:oMathPara xmlns:m="http://schemas.openxmlformats.org/officeDocument/2006/math">
                     <m:oMathParaPr>
@@ -6121,7 +6239,7 @@
                       <m:eqArr>
                         <m:eqArrPr>
                           <m:ctrlPr>
-                            <a:rPr lang="fr-FR" smtClean="0">
+                            <a:rPr lang="fr-FR" i="1" smtClean="0">
                               <a:latin typeface="Cambria Math" panose="02040503050406030204" pitchFamily="18" charset="0"/>
                             </a:rPr>
                           </m:ctrlPr>
@@ -6166,13 +6284,7 @@
                                 <a:rPr lang="fr-FR" i="0">
                                   <a:latin typeface="Cambria Math" panose="02040503050406030204" pitchFamily="18" charset="0"/>
                                 </a:rPr>
-                                <m:t>=</m:t>
-                              </m:r>
-                              <m:r>
-                                <a:rPr lang="fr-FR" i="0">
-                                  <a:latin typeface="Cambria Math" panose="02040503050406030204" pitchFamily="18" charset="0"/>
-                                </a:rPr>
-                                <m:t>1</m:t>
+                                <m:t>=1</m:t>
                               </m:r>
                             </m:sub>
                             <m:sup>
@@ -6197,7 +6309,7 @@
                                     <a:rPr lang="fr-FR" i="0">
                                       <a:latin typeface="Cambria Math" panose="02040503050406030204" pitchFamily="18" charset="0"/>
                                     </a:rPr>
-                                    <m:t>∂</m:t>
+                                    <m:t>𝜕</m:t>
                                   </m:r>
                                   <m:r>
                                     <a:rPr lang="fr-FR" i="1">
@@ -6211,7 +6323,7 @@
                                     <a:rPr lang="fr-FR" i="0">
                                       <a:latin typeface="Cambria Math" panose="02040503050406030204" pitchFamily="18" charset="0"/>
                                     </a:rPr>
-                                    <m:t>∂</m:t>
+                                    <m:t>𝜕</m:t>
                                   </m:r>
                                   <m:acc>
                                     <m:accPr>
@@ -6283,7 +6395,7 @@
                                             <a:rPr lang="fr-FR" i="0">
                                               <a:latin typeface="Cambria Math" panose="02040503050406030204" pitchFamily="18" charset="0"/>
                                             </a:rPr>
-                                            <m:t>∂</m:t>
+                                            <m:t>𝜕</m:t>
                                           </m:r>
                                           <m:sSub>
                                             <m:sSubPr>
@@ -6316,7 +6428,7 @@
                                             <a:rPr lang="fr-FR" i="0">
                                               <a:latin typeface="Cambria Math" panose="02040503050406030204" pitchFamily="18" charset="0"/>
                                             </a:rPr>
-                                            <m:t>∂</m:t>
+                                            <m:t>𝜕</m:t>
                                           </m:r>
                                           <m:r>
                                             <a:rPr lang="fr-FR" i="1">
@@ -6340,13 +6452,7 @@
                                     <a:rPr lang="fr-FR" i="0">
                                       <a:latin typeface="Cambria Math" panose="02040503050406030204" pitchFamily="18" charset="0"/>
                                     </a:rPr>
-                                    <m:t>=</m:t>
-                                  </m:r>
-                                  <m:r>
-                                    <a:rPr lang="fr-FR" i="0">
-                                      <a:latin typeface="Cambria Math" panose="02040503050406030204" pitchFamily="18" charset="0"/>
-                                    </a:rPr>
-                                    <m:t>0</m:t>
+                                    <m:t>=0</m:t>
                                   </m:r>
                                 </m:sub>
                               </m:sSub>
@@ -6368,7 +6474,7 @@
             </p:txBody>
           </p:sp>
         </mc:Choice>
-        <mc:Fallback>
+        <mc:Fallback xmlns="">
           <p:sp>
             <p:nvSpPr>
               <p:cNvPr id="6" name="Rectangle 5">
@@ -6413,8 +6519,8 @@
           </p:sp>
         </mc:Fallback>
       </mc:AlternateContent>
-      <mc:AlternateContent xmlns:mc="http://schemas.openxmlformats.org/markup-compatibility/2006">
-        <mc:Choice xmlns:a14="http://schemas.microsoft.com/office/drawing/2010/main" Requires="a14">
+      <mc:AlternateContent xmlns:mc="http://schemas.openxmlformats.org/markup-compatibility/2006" xmlns:a14="http://schemas.microsoft.com/office/drawing/2010/main">
+        <mc:Choice Requires="a14">
           <p:sp>
             <p:nvSpPr>
               <p:cNvPr id="7" name="Rectangle 6">
@@ -7169,7 +7275,7 @@
             </p:txBody>
           </p:sp>
         </mc:Choice>
-        <mc:Fallback>
+        <mc:Fallback xmlns="">
           <p:sp>
             <p:nvSpPr>
               <p:cNvPr id="7" name="Rectangle 6">
@@ -7321,8 +7427,8 @@
           <a:chExt cx="0" cy="0"/>
         </a:xfrm>
       </p:grpSpPr>
-      <mc:AlternateContent xmlns:mc="http://schemas.openxmlformats.org/markup-compatibility/2006">
-        <mc:Choice xmlns:a14="http://schemas.microsoft.com/office/drawing/2010/main" Requires="a14">
+      <mc:AlternateContent xmlns:mc="http://schemas.openxmlformats.org/markup-compatibility/2006" xmlns:a14="http://schemas.microsoft.com/office/drawing/2010/main">
+        <mc:Choice Requires="a14">
           <p:sp>
             <p:nvSpPr>
               <p:cNvPr id="2" name="Rectangle 1">
@@ -7578,7 +7684,7 @@
                     <m:sSup>
                       <m:sSupPr>
                         <m:ctrlPr>
-                          <a:rPr lang="fr-FR" b="0" i="0" smtClean="0">
+                          <a:rPr lang="fr-FR" b="0" i="1" smtClean="0">
                             <a:latin typeface="Cambria Math" panose="02040503050406030204" pitchFamily="18" charset="0"/>
                             <a:ea typeface="Calibri" panose="020F0502020204030204" pitchFamily="34" charset="0"/>
                             <a:cs typeface="Times New Roman" panose="02020603050405020304" pitchFamily="18" charset="0"/>
@@ -7634,7 +7740,7 @@
                     <m:sSup>
                       <m:sSupPr>
                         <m:ctrlPr>
-                          <a:rPr lang="fr-FR" b="0" i="0" smtClean="0">
+                          <a:rPr lang="fr-FR" b="0" i="1" smtClean="0">
                             <a:latin typeface="Cambria Math" panose="02040503050406030204" pitchFamily="18" charset="0"/>
                             <a:ea typeface="Calibri" panose="020F0502020204030204" pitchFamily="34" charset="0"/>
                             <a:cs typeface="Times New Roman" panose="02020603050405020304" pitchFamily="18" charset="0"/>
@@ -8053,7 +8159,7 @@
             </p:txBody>
           </p:sp>
         </mc:Choice>
-        <mc:Fallback>
+        <mc:Fallback xmlns="">
           <p:sp>
             <p:nvSpPr>
               <p:cNvPr id="2" name="Rectangle 1">
@@ -8137,8 +8243,8 @@
           </a:p>
         </p:txBody>
       </p:sp>
-      <mc:AlternateContent xmlns:mc="http://schemas.openxmlformats.org/markup-compatibility/2006">
-        <mc:Choice xmlns:a14="http://schemas.microsoft.com/office/drawing/2010/main" Requires="a14">
+      <mc:AlternateContent xmlns:mc="http://schemas.openxmlformats.org/markup-compatibility/2006" xmlns:a14="http://schemas.microsoft.com/office/drawing/2010/main">
+        <mc:Choice Requires="a14">
           <p:sp>
             <p:nvSpPr>
               <p:cNvPr id="4" name="Rectangle 3">
@@ -8166,6 +8272,7 @@
               </a:bodyPr>
               <a:lstStyle/>
               <a:p>
+                <a:pPr/>
                 <a14:m>
                   <m:oMathPara xmlns:m="http://schemas.openxmlformats.org/officeDocument/2006/math">
                     <m:oMathParaPr>
@@ -8175,7 +8282,7 @@
                       <m:eqArr>
                         <m:eqArrPr>
                           <m:ctrlPr>
-                            <a:rPr lang="fr-FR" smtClean="0">
+                            <a:rPr lang="fr-FR" i="1" smtClean="0">
                               <a:latin typeface="Cambria Math" panose="02040503050406030204" pitchFamily="18" charset="0"/>
                             </a:rPr>
                           </m:ctrlPr>
@@ -8314,7 +8421,7 @@
                                     <a:rPr lang="fr-FR" i="0">
                                       <a:latin typeface="Cambria Math" panose="02040503050406030204" pitchFamily="18" charset="0"/>
                                     </a:rPr>
-                                    <m:t>∂</m:t>
+                                    <m:t>𝜕</m:t>
                                   </m:r>
                                   <m:r>
                                     <a:rPr lang="fr-FR" i="1">
@@ -8328,7 +8435,7 @@
                                     <a:rPr lang="fr-FR" i="0">
                                       <a:latin typeface="Cambria Math" panose="02040503050406030204" pitchFamily="18" charset="0"/>
                                     </a:rPr>
-                                    <m:t>∂</m:t>
+                                    <m:t>𝜕</m:t>
                                   </m:r>
                                   <m:acc>
                                     <m:accPr>
@@ -8400,7 +8507,7 @@
                                             <a:rPr lang="fr-FR" i="0">
                                               <a:latin typeface="Cambria Math" panose="02040503050406030204" pitchFamily="18" charset="0"/>
                                             </a:rPr>
-                                            <m:t>∂</m:t>
+                                            <m:t>𝜕</m:t>
                                           </m:r>
                                           <m:sSub>
                                             <m:sSubPr>
@@ -8433,7 +8540,7 @@
                                             <a:rPr lang="fr-FR" i="0">
                                               <a:latin typeface="Cambria Math" panose="02040503050406030204" pitchFamily="18" charset="0"/>
                                             </a:rPr>
-                                            <m:t>∂</m:t>
+                                            <m:t>𝜕</m:t>
                                           </m:r>
                                           <m:r>
                                             <a:rPr lang="fr-FR" i="1">
@@ -8479,7 +8586,7 @@
             </p:txBody>
           </p:sp>
         </mc:Choice>
-        <mc:Fallback>
+        <mc:Fallback xmlns="">
           <p:sp>
             <p:nvSpPr>
               <p:cNvPr id="4" name="Rectangle 3">

--- a/Physique/LeconPhys/LP-Les Symétries en physiques/LP-SymétriesEnPhysique.pptx
+++ b/Physique/LeconPhys/LP-Les Symétries en physiques/LP-SymétriesEnPhysique.pptx
@@ -5,7 +5,18 @@
     <p:sldMasterId id="2147483648" r:id="rId1"/>
   </p:sldMasterIdLst>
   <p:sldIdLst>
-    <p:sldId id="256" r:id="rId2"/>
+    <p:sldId id="257" r:id="rId2"/>
+    <p:sldId id="258" r:id="rId3"/>
+    <p:sldId id="259" r:id="rId4"/>
+    <p:sldId id="260" r:id="rId5"/>
+    <p:sldId id="261" r:id="rId6"/>
+    <p:sldId id="262" r:id="rId7"/>
+    <p:sldId id="263" r:id="rId8"/>
+    <p:sldId id="265" r:id="rId9"/>
+    <p:sldId id="267" r:id="rId10"/>
+    <p:sldId id="268" r:id="rId11"/>
+    <p:sldId id="269" r:id="rId12"/>
+    <p:sldId id="266" r:id="rId13"/>
   </p:sldIdLst>
   <p:sldSz cx="12192000" cy="6858000"/>
   <p:notesSz cx="6858000" cy="9144000"/>
@@ -104,6 +115,11 @@
       </a:defRPr>
     </a:lvl9pPr>
   </p:defaultTextStyle>
+  <p:extLst>
+    <p:ext uri="{EFAFB233-063F-42B5-8137-9DF3F51BA10A}">
+      <p15:sldGuideLst xmlns:p15="http://schemas.microsoft.com/office/powerpoint/2012/main"/>
+    </p:ext>
+  </p:extLst>
 </p:presentation>
 </file>
 
@@ -256,7 +272,7 @@
           <a:p>
             <a:fld id="{B5D5FD09-5270-41D8-B63B-A46156996634}" type="datetimeFigureOut">
               <a:rPr lang="fr-FR" smtClean="0"/>
-              <a:t>24/05/2020</a:t>
+              <a:t>27/05/2020</a:t>
             </a:fld>
             <a:endParaRPr lang="fr-FR"/>
           </a:p>
@@ -456,7 +472,7 @@
           <a:p>
             <a:fld id="{B5D5FD09-5270-41D8-B63B-A46156996634}" type="datetimeFigureOut">
               <a:rPr lang="fr-FR" smtClean="0"/>
-              <a:t>24/05/2020</a:t>
+              <a:t>27/05/2020</a:t>
             </a:fld>
             <a:endParaRPr lang="fr-FR"/>
           </a:p>
@@ -666,7 +682,7 @@
           <a:p>
             <a:fld id="{B5D5FD09-5270-41D8-B63B-A46156996634}" type="datetimeFigureOut">
               <a:rPr lang="fr-FR" smtClean="0"/>
-              <a:t>24/05/2020</a:t>
+              <a:t>27/05/2020</a:t>
             </a:fld>
             <a:endParaRPr lang="fr-FR"/>
           </a:p>
@@ -866,7 +882,7 @@
           <a:p>
             <a:fld id="{B5D5FD09-5270-41D8-B63B-A46156996634}" type="datetimeFigureOut">
               <a:rPr lang="fr-FR" smtClean="0"/>
-              <a:t>24/05/2020</a:t>
+              <a:t>27/05/2020</a:t>
             </a:fld>
             <a:endParaRPr lang="fr-FR"/>
           </a:p>
@@ -1142,7 +1158,7 @@
           <a:p>
             <a:fld id="{B5D5FD09-5270-41D8-B63B-A46156996634}" type="datetimeFigureOut">
               <a:rPr lang="fr-FR" smtClean="0"/>
-              <a:t>24/05/2020</a:t>
+              <a:t>27/05/2020</a:t>
             </a:fld>
             <a:endParaRPr lang="fr-FR"/>
           </a:p>
@@ -1410,7 +1426,7 @@
           <a:p>
             <a:fld id="{B5D5FD09-5270-41D8-B63B-A46156996634}" type="datetimeFigureOut">
               <a:rPr lang="fr-FR" smtClean="0"/>
-              <a:t>24/05/2020</a:t>
+              <a:t>27/05/2020</a:t>
             </a:fld>
             <a:endParaRPr lang="fr-FR"/>
           </a:p>
@@ -1825,7 +1841,7 @@
           <a:p>
             <a:fld id="{B5D5FD09-5270-41D8-B63B-A46156996634}" type="datetimeFigureOut">
               <a:rPr lang="fr-FR" smtClean="0"/>
-              <a:t>24/05/2020</a:t>
+              <a:t>27/05/2020</a:t>
             </a:fld>
             <a:endParaRPr lang="fr-FR"/>
           </a:p>
@@ -1967,7 +1983,7 @@
           <a:p>
             <a:fld id="{B5D5FD09-5270-41D8-B63B-A46156996634}" type="datetimeFigureOut">
               <a:rPr lang="fr-FR" smtClean="0"/>
-              <a:t>24/05/2020</a:t>
+              <a:t>27/05/2020</a:t>
             </a:fld>
             <a:endParaRPr lang="fr-FR"/>
           </a:p>
@@ -2080,7 +2096,7 @@
           <a:p>
             <a:fld id="{B5D5FD09-5270-41D8-B63B-A46156996634}" type="datetimeFigureOut">
               <a:rPr lang="fr-FR" smtClean="0"/>
-              <a:t>24/05/2020</a:t>
+              <a:t>27/05/2020</a:t>
             </a:fld>
             <a:endParaRPr lang="fr-FR"/>
           </a:p>
@@ -2393,7 +2409,7 @@
           <a:p>
             <a:fld id="{B5D5FD09-5270-41D8-B63B-A46156996634}" type="datetimeFigureOut">
               <a:rPr lang="fr-FR" smtClean="0"/>
-              <a:t>24/05/2020</a:t>
+              <a:t>27/05/2020</a:t>
             </a:fld>
             <a:endParaRPr lang="fr-FR"/>
           </a:p>
@@ -2682,7 +2698,7 @@
           <a:p>
             <a:fld id="{B5D5FD09-5270-41D8-B63B-A46156996634}" type="datetimeFigureOut">
               <a:rPr lang="fr-FR" smtClean="0"/>
-              <a:t>24/05/2020</a:t>
+              <a:t>27/05/2020</a:t>
             </a:fld>
             <a:endParaRPr lang="fr-FR"/>
           </a:p>
@@ -2925,7 +2941,7 @@
           <a:p>
             <a:fld id="{B5D5FD09-5270-41D8-B63B-A46156996634}" type="datetimeFigureOut">
               <a:rPr lang="fr-FR" smtClean="0"/>
-              <a:t>24/05/2020</a:t>
+              <a:t>27/05/2020</a:t>
             </a:fld>
             <a:endParaRPr lang="fr-FR"/>
           </a:p>
@@ -3342,14 +3358,2739 @@
           <a:chExt cx="0" cy="0"/>
         </a:xfrm>
       </p:grpSpPr>
+      <p:pic>
+        <p:nvPicPr>
+          <p:cNvPr id="3" name="Picture 2" descr="A insect on the ground&#10;&#10;Description automatically generated">
+            <a:extLst>
+              <a:ext uri="{FF2B5EF4-FFF2-40B4-BE49-F238E27FC236}">
+                <a16:creationId xmlns:a16="http://schemas.microsoft.com/office/drawing/2014/main" id="{32274FDA-6655-482F-A44A-8C10625E053F}"/>
+              </a:ext>
+            </a:extLst>
+          </p:cNvPr>
+          <p:cNvPicPr>
+            <a:picLocks noChangeAspect="1"/>
+          </p:cNvPicPr>
+          <p:nvPr/>
+        </p:nvPicPr>
+        <p:blipFill>
+          <a:blip r:embed="rId2">
+            <a:extLst>
+              <a:ext uri="{28A0092B-C50C-407E-A947-70E740481C1C}">
+                <a14:useLocalDpi xmlns:a14="http://schemas.microsoft.com/office/drawing/2010/main" val="0"/>
+              </a:ext>
+            </a:extLst>
+          </a:blip>
+          <a:stretch>
+            <a:fillRect/>
+          </a:stretch>
+        </p:blipFill>
+        <p:spPr>
+          <a:xfrm>
+            <a:off x="1830785" y="1467053"/>
+            <a:ext cx="3876174" cy="2584116"/>
+          </a:xfrm>
+          <a:prstGeom prst="rect">
+            <a:avLst/>
+          </a:prstGeom>
+        </p:spPr>
+      </p:pic>
+      <p:pic>
+        <p:nvPicPr>
+          <p:cNvPr id="6" name="Graphic 5">
+            <a:extLst>
+              <a:ext uri="{FF2B5EF4-FFF2-40B4-BE49-F238E27FC236}">
+                <a16:creationId xmlns:a16="http://schemas.microsoft.com/office/drawing/2014/main" id="{55A62DE2-AA91-4FAC-91AE-5B6F2BBB8F69}"/>
+              </a:ext>
+            </a:extLst>
+          </p:cNvPr>
+          <p:cNvPicPr>
+            <a:picLocks noChangeAspect="1"/>
+          </p:cNvPicPr>
+          <p:nvPr/>
+        </p:nvPicPr>
+        <p:blipFill>
+          <a:blip r:embed="rId3">
+            <a:extLst>
+              <a:ext uri="{28A0092B-C50C-407E-A947-70E740481C1C}">
+                <a14:useLocalDpi xmlns:a14="http://schemas.microsoft.com/office/drawing/2010/main" val="0"/>
+              </a:ext>
+              <a:ext uri="{96DAC541-7B7A-43D3-8B79-37D633B846F1}">
+                <asvg:svgBlip xmlns:asvg="http://schemas.microsoft.com/office/drawing/2016/SVG/main" r:embed="rId4"/>
+              </a:ext>
+            </a:extLst>
+          </a:blip>
+          <a:stretch>
+            <a:fillRect/>
+          </a:stretch>
+        </p:blipFill>
+        <p:spPr>
+          <a:xfrm>
+            <a:off x="9104700" y="1711361"/>
+            <a:ext cx="2095500" cy="2095500"/>
+          </a:xfrm>
+          <a:prstGeom prst="rect">
+            <a:avLst/>
+          </a:prstGeom>
+        </p:spPr>
+      </p:pic>
+    </p:spTree>
+    <p:extLst>
+      <p:ext uri="{BB962C8B-B14F-4D97-AF65-F5344CB8AC3E}">
+        <p14:creationId xmlns:p14="http://schemas.microsoft.com/office/powerpoint/2010/main" val="397807415"/>
+      </p:ext>
+    </p:extLst>
+  </p:cSld>
+  <p:clrMapOvr>
+    <a:masterClrMapping/>
+  </p:clrMapOvr>
+</p:sld>
+</file>
+
+<file path=ppt/slides/slide10.xml><?xml version="1.0" encoding="utf-8"?>
+<p:sld xmlns:a="http://schemas.openxmlformats.org/drawingml/2006/main" xmlns:r="http://schemas.openxmlformats.org/officeDocument/2006/relationships" xmlns:p="http://schemas.openxmlformats.org/presentationml/2006/main">
+  <p:cSld>
+    <p:spTree>
+      <p:nvGrpSpPr>
+        <p:cNvPr id="1" name=""/>
+        <p:cNvGrpSpPr/>
+        <p:nvPr/>
+      </p:nvGrpSpPr>
+      <p:grpSpPr>
+        <a:xfrm>
+          <a:off x="0" y="0"/>
+          <a:ext cx="0" cy="0"/>
+          <a:chOff x="0" y="0"/>
+          <a:chExt cx="0" cy="0"/>
+        </a:xfrm>
+      </p:grpSpPr>
+      <p:sp>
+        <p:nvSpPr>
+          <p:cNvPr id="3" name="TextBox 2">
+            <a:extLst>
+              <a:ext uri="{FF2B5EF4-FFF2-40B4-BE49-F238E27FC236}">
+                <a16:creationId xmlns:a16="http://schemas.microsoft.com/office/drawing/2014/main" id="{2F2BAB3A-899E-4F77-A58E-4696D6086F6D}"/>
+              </a:ext>
+            </a:extLst>
+          </p:cNvPr>
+          <p:cNvSpPr txBox="1"/>
+          <p:nvPr/>
+        </p:nvSpPr>
+        <p:spPr>
+          <a:xfrm>
+            <a:off x="152400" y="325120"/>
+            <a:ext cx="3870960" cy="369332"/>
+          </a:xfrm>
+          <a:prstGeom prst="rect">
+            <a:avLst/>
+          </a:prstGeom>
+          <a:noFill/>
+        </p:spPr>
+        <p:txBody>
+          <a:bodyPr wrap="square" rtlCol="0">
+            <a:spAutoFit/>
+          </a:bodyPr>
+          <a:lstStyle/>
+          <a:p>
+            <a:r>
+              <a:rPr lang="fr-FR" b="1" dirty="0"/>
+              <a:t>Symétrie par translation dans le temps </a:t>
+            </a:r>
+          </a:p>
+        </p:txBody>
+      </p:sp>
+      <p:pic>
+        <p:nvPicPr>
+          <p:cNvPr id="4" name="Picture 3">
+            <a:extLst>
+              <a:ext uri="{FF2B5EF4-FFF2-40B4-BE49-F238E27FC236}">
+                <a16:creationId xmlns:a16="http://schemas.microsoft.com/office/drawing/2014/main" id="{16B61523-B6F2-434B-BE2B-AD1FA5604216}"/>
+              </a:ext>
+            </a:extLst>
+          </p:cNvPr>
+          <p:cNvPicPr>
+            <a:picLocks noChangeAspect="1"/>
+          </p:cNvPicPr>
+          <p:nvPr/>
+        </p:nvPicPr>
+        <p:blipFill rotWithShape="1">
+          <a:blip r:embed="rId2"/>
+          <a:srcRect b="30815"/>
+          <a:stretch/>
+        </p:blipFill>
+        <p:spPr>
+          <a:xfrm>
+            <a:off x="381799" y="1193800"/>
+            <a:ext cx="4804081" cy="4744720"/>
+          </a:xfrm>
+          <a:prstGeom prst="rect">
+            <a:avLst/>
+          </a:prstGeom>
+        </p:spPr>
+      </p:pic>
+      <p:pic>
+        <p:nvPicPr>
+          <p:cNvPr id="5" name="Picture 4">
+            <a:extLst>
+              <a:ext uri="{FF2B5EF4-FFF2-40B4-BE49-F238E27FC236}">
+                <a16:creationId xmlns:a16="http://schemas.microsoft.com/office/drawing/2014/main" id="{86329714-731A-4782-B8DE-9C81E7C2D2BB}"/>
+              </a:ext>
+            </a:extLst>
+          </p:cNvPr>
+          <p:cNvPicPr>
+            <a:picLocks noChangeAspect="1"/>
+          </p:cNvPicPr>
+          <p:nvPr/>
+        </p:nvPicPr>
+        <p:blipFill rotWithShape="1">
+          <a:blip r:embed="rId2"/>
+          <a:srcRect t="82074"/>
+          <a:stretch/>
+        </p:blipFill>
+        <p:spPr>
+          <a:xfrm>
+            <a:off x="5965519" y="1214120"/>
+            <a:ext cx="4804081" cy="1229360"/>
+          </a:xfrm>
+          <a:prstGeom prst="rect">
+            <a:avLst/>
+          </a:prstGeom>
+        </p:spPr>
+      </p:pic>
+      <p:sp>
+        <p:nvSpPr>
+          <p:cNvPr id="6" name="TextBox 5">
+            <a:extLst>
+              <a:ext uri="{FF2B5EF4-FFF2-40B4-BE49-F238E27FC236}">
+                <a16:creationId xmlns:a16="http://schemas.microsoft.com/office/drawing/2014/main" id="{B74DD791-6DAC-4889-A204-127105D5CE34}"/>
+              </a:ext>
+            </a:extLst>
+          </p:cNvPr>
+          <p:cNvSpPr txBox="1"/>
+          <p:nvPr/>
+        </p:nvSpPr>
+        <p:spPr>
+          <a:xfrm>
+            <a:off x="3586480" y="4622800"/>
+            <a:ext cx="1158240" cy="457200"/>
+          </a:xfrm>
+          <a:prstGeom prst="rect">
+            <a:avLst/>
+          </a:prstGeom>
+          <a:solidFill>
+            <a:schemeClr val="bg1">
+              <a:lumMod val="65000"/>
+            </a:schemeClr>
+          </a:solidFill>
+        </p:spPr>
+        <p:txBody>
+          <a:bodyPr wrap="square" rtlCol="0">
+            <a:spAutoFit/>
+          </a:bodyPr>
+          <a:lstStyle/>
+          <a:p>
+            <a:endParaRPr lang="fr-FR" dirty="0"/>
+          </a:p>
+        </p:txBody>
+      </p:sp>
+      <p:pic>
+        <p:nvPicPr>
+          <p:cNvPr id="7" name="Picture 6">
+            <a:extLst>
+              <a:ext uri="{FF2B5EF4-FFF2-40B4-BE49-F238E27FC236}">
+                <a16:creationId xmlns:a16="http://schemas.microsoft.com/office/drawing/2014/main" id="{53BC9B68-996A-4700-B25A-7527250AF45A}"/>
+              </a:ext>
+            </a:extLst>
+          </p:cNvPr>
+          <p:cNvPicPr>
+            <a:picLocks noChangeAspect="1"/>
+          </p:cNvPicPr>
+          <p:nvPr/>
+        </p:nvPicPr>
+        <p:blipFill>
+          <a:blip r:embed="rId3"/>
+          <a:stretch>
+            <a:fillRect/>
+          </a:stretch>
+        </p:blipFill>
+        <p:spPr>
+          <a:xfrm>
+            <a:off x="5965519" y="2580640"/>
+            <a:ext cx="2639889" cy="1229360"/>
+          </a:xfrm>
+          <a:prstGeom prst="rect">
+            <a:avLst/>
+          </a:prstGeom>
+        </p:spPr>
+      </p:pic>
       <mc:AlternateContent xmlns:mc="http://schemas.openxmlformats.org/markup-compatibility/2006">
         <mc:Choice xmlns:a14="http://schemas.microsoft.com/office/drawing/2010/main" Requires="a14">
           <p:sp>
             <p:nvSpPr>
-              <p:cNvPr id="5" name="Rectangle 4">
+              <p:cNvPr id="8" name="TextBox 7">
                 <a:extLst>
                   <a:ext uri="{FF2B5EF4-FFF2-40B4-BE49-F238E27FC236}">
-                    <a16:creationId xmlns:a16="http://schemas.microsoft.com/office/drawing/2014/main" id="{10BA0093-168B-480F-B64D-7401AB544600}"/>
+                    <a16:creationId xmlns:a16="http://schemas.microsoft.com/office/drawing/2014/main" id="{B89AC1FC-3F7B-4533-8F6E-AAA18BB03DFC}"/>
+                  </a:ext>
+                </a:extLst>
+              </p:cNvPr>
+              <p:cNvSpPr txBox="1"/>
+              <p:nvPr/>
+            </p:nvSpPr>
+            <p:spPr>
+              <a:xfrm>
+                <a:off x="5965519" y="3942080"/>
+                <a:ext cx="5962321" cy="646331"/>
+              </a:xfrm>
+              <a:prstGeom prst="rect">
+                <a:avLst/>
+              </a:prstGeom>
+              <a:noFill/>
+            </p:spPr>
+            <p:txBody>
+              <a:bodyPr wrap="square" rtlCol="0">
+                <a:spAutoFit/>
+              </a:bodyPr>
+              <a:lstStyle/>
+              <a:p>
+                <a:r>
+                  <a:rPr lang="fr-FR" dirty="0"/>
+                  <a:t>Pour les systèmes soumis à des forces conservatives:</a:t>
+                </a:r>
+              </a:p>
+              <a:p>
+                <a14:m>
+                  <m:oMath xmlns:m="http://schemas.openxmlformats.org/officeDocument/2006/math">
+                    <m:r>
+                      <a:rPr lang="fr-FR" b="0" i="1" smtClean="0">
+                        <a:latin typeface="Cambria Math" panose="02040503050406030204" pitchFamily="18" charset="0"/>
+                      </a:rPr>
+                      <m:t>𝐻</m:t>
+                    </m:r>
+                    <m:r>
+                      <a:rPr lang="fr-FR" b="0" i="1" smtClean="0">
+                        <a:latin typeface="Cambria Math" panose="02040503050406030204" pitchFamily="18" charset="0"/>
+                      </a:rPr>
+                      <m:t>=</m:t>
+                    </m:r>
+                    <m:r>
+                      <a:rPr lang="fr-FR" b="0" i="1" smtClean="0">
+                        <a:latin typeface="Cambria Math" panose="02040503050406030204" pitchFamily="18" charset="0"/>
+                      </a:rPr>
+                      <m:t>𝐸</m:t>
+                    </m:r>
+                  </m:oMath>
+                </a14:m>
+                <a:r>
+                  <a:rPr lang="fr-FR" dirty="0"/>
+                  <a:t> </a:t>
+                </a:r>
+              </a:p>
+            </p:txBody>
+          </p:sp>
+        </mc:Choice>
+        <mc:Fallback>
+          <p:sp>
+            <p:nvSpPr>
+              <p:cNvPr id="8" name="TextBox 7">
+                <a:extLst>
+                  <a:ext uri="{FF2B5EF4-FFF2-40B4-BE49-F238E27FC236}">
+                    <a16:creationId xmlns:a16="http://schemas.microsoft.com/office/drawing/2014/main" id="{B89AC1FC-3F7B-4533-8F6E-AAA18BB03DFC}"/>
+                  </a:ext>
+                </a:extLst>
+              </p:cNvPr>
+              <p:cNvSpPr txBox="1">
+                <a:spLocks noRot="1" noChangeAspect="1" noMove="1" noResize="1" noEditPoints="1" noAdjustHandles="1" noChangeArrowheads="1" noChangeShapeType="1" noTextEdit="1"/>
+              </p:cNvSpPr>
+              <p:nvPr/>
+            </p:nvSpPr>
+            <p:spPr>
+              <a:xfrm>
+                <a:off x="5965519" y="3942080"/>
+                <a:ext cx="5962321" cy="646331"/>
+              </a:xfrm>
+              <a:prstGeom prst="rect">
+                <a:avLst/>
+              </a:prstGeom>
+              <a:blipFill>
+                <a:blip r:embed="rId4"/>
+                <a:stretch>
+                  <a:fillRect l="-920" t="-5660"/>
+                </a:stretch>
+              </a:blipFill>
+            </p:spPr>
+            <p:txBody>
+              <a:bodyPr/>
+              <a:lstStyle/>
+              <a:p>
+                <a:r>
+                  <a:rPr lang="fr-FR">
+                    <a:noFill/>
+                  </a:rPr>
+                  <a:t> </a:t>
+                </a:r>
+              </a:p>
+            </p:txBody>
+          </p:sp>
+        </mc:Fallback>
+      </mc:AlternateContent>
+    </p:spTree>
+    <p:extLst>
+      <p:ext uri="{BB962C8B-B14F-4D97-AF65-F5344CB8AC3E}">
+        <p14:creationId xmlns:p14="http://schemas.microsoft.com/office/powerpoint/2010/main" val="2387490109"/>
+      </p:ext>
+    </p:extLst>
+  </p:cSld>
+  <p:clrMapOvr>
+    <a:masterClrMapping/>
+  </p:clrMapOvr>
+</p:sld>
+</file>
+
+<file path=ppt/slides/slide11.xml><?xml version="1.0" encoding="utf-8"?>
+<p:sld xmlns:a="http://schemas.openxmlformats.org/drawingml/2006/main" xmlns:r="http://schemas.openxmlformats.org/officeDocument/2006/relationships" xmlns:p="http://schemas.openxmlformats.org/presentationml/2006/main">
+  <p:cSld>
+    <p:spTree>
+      <p:nvGrpSpPr>
+        <p:cNvPr id="1" name=""/>
+        <p:cNvGrpSpPr/>
+        <p:nvPr/>
+      </p:nvGrpSpPr>
+      <p:grpSpPr>
+        <a:xfrm>
+          <a:off x="0" y="0"/>
+          <a:ext cx="0" cy="0"/>
+          <a:chOff x="0" y="0"/>
+          <a:chExt cx="0" cy="0"/>
+        </a:xfrm>
+      </p:grpSpPr>
+      <p:pic>
+        <p:nvPicPr>
+          <p:cNvPr id="2" name="Picture 1">
+            <a:extLst>
+              <a:ext uri="{FF2B5EF4-FFF2-40B4-BE49-F238E27FC236}">
+                <a16:creationId xmlns:a16="http://schemas.microsoft.com/office/drawing/2014/main" id="{807192C8-968B-46DF-8AF1-46098DA53CFC}"/>
+              </a:ext>
+            </a:extLst>
+          </p:cNvPr>
+          <p:cNvPicPr>
+            <a:picLocks noChangeAspect="1"/>
+          </p:cNvPicPr>
+          <p:nvPr/>
+        </p:nvPicPr>
+        <p:blipFill>
+          <a:blip r:embed="rId2"/>
+          <a:stretch>
+            <a:fillRect/>
+          </a:stretch>
+        </p:blipFill>
+        <p:spPr>
+          <a:xfrm>
+            <a:off x="0" y="1505314"/>
+            <a:ext cx="12192000" cy="1165132"/>
+          </a:xfrm>
+          <a:prstGeom prst="rect">
+            <a:avLst/>
+          </a:prstGeom>
+        </p:spPr>
+      </p:pic>
+    </p:spTree>
+    <p:extLst>
+      <p:ext uri="{BB962C8B-B14F-4D97-AF65-F5344CB8AC3E}">
+        <p14:creationId xmlns:p14="http://schemas.microsoft.com/office/powerpoint/2010/main" val="3585634376"/>
+      </p:ext>
+    </p:extLst>
+  </p:cSld>
+  <p:clrMapOvr>
+    <a:masterClrMapping/>
+  </p:clrMapOvr>
+</p:sld>
+</file>
+
+<file path=ppt/slides/slide12.xml><?xml version="1.0" encoding="utf-8"?>
+<p:sld xmlns:a="http://schemas.openxmlformats.org/drawingml/2006/main" xmlns:r="http://schemas.openxmlformats.org/officeDocument/2006/relationships" xmlns:p="http://schemas.openxmlformats.org/presentationml/2006/main">
+  <p:cSld>
+    <p:spTree>
+      <p:nvGrpSpPr>
+        <p:cNvPr id="1" name=""/>
+        <p:cNvGrpSpPr/>
+        <p:nvPr/>
+      </p:nvGrpSpPr>
+      <p:grpSpPr>
+        <a:xfrm>
+          <a:off x="0" y="0"/>
+          <a:ext cx="0" cy="0"/>
+          <a:chOff x="0" y="0"/>
+          <a:chExt cx="0" cy="0"/>
+        </a:xfrm>
+      </p:grpSpPr>
+      <p:pic>
+        <p:nvPicPr>
+          <p:cNvPr id="2" name="Picture 1">
+            <a:extLst>
+              <a:ext uri="{FF2B5EF4-FFF2-40B4-BE49-F238E27FC236}">
+                <a16:creationId xmlns:a16="http://schemas.microsoft.com/office/drawing/2014/main" id="{3C2C7DAD-46E9-4A4A-B61B-9ACF430A0943}"/>
+              </a:ext>
+            </a:extLst>
+          </p:cNvPr>
+          <p:cNvPicPr>
+            <a:picLocks noChangeAspect="1"/>
+          </p:cNvPicPr>
+          <p:nvPr/>
+        </p:nvPicPr>
+        <p:blipFill>
+          <a:blip r:embed="rId2"/>
+          <a:stretch>
+            <a:fillRect/>
+          </a:stretch>
+        </p:blipFill>
+        <p:spPr>
+          <a:xfrm>
+            <a:off x="139383" y="985520"/>
+            <a:ext cx="5529898" cy="3653386"/>
+          </a:xfrm>
+          <a:prstGeom prst="rect">
+            <a:avLst/>
+          </a:prstGeom>
+        </p:spPr>
+      </p:pic>
+      <p:pic>
+        <p:nvPicPr>
+          <p:cNvPr id="3" name="Picture 2">
+            <a:extLst>
+              <a:ext uri="{FF2B5EF4-FFF2-40B4-BE49-F238E27FC236}">
+                <a16:creationId xmlns:a16="http://schemas.microsoft.com/office/drawing/2014/main" id="{4AB7E532-7F14-45A1-874C-57CC430561E0}"/>
+              </a:ext>
+            </a:extLst>
+          </p:cNvPr>
+          <p:cNvPicPr>
+            <a:picLocks noChangeAspect="1"/>
+          </p:cNvPicPr>
+          <p:nvPr/>
+        </p:nvPicPr>
+        <p:blipFill>
+          <a:blip r:embed="rId3"/>
+          <a:stretch>
+            <a:fillRect/>
+          </a:stretch>
+        </p:blipFill>
+        <p:spPr>
+          <a:xfrm>
+            <a:off x="6110922" y="1037978"/>
+            <a:ext cx="5941695" cy="3384864"/>
+          </a:xfrm>
+          <a:prstGeom prst="rect">
+            <a:avLst/>
+          </a:prstGeom>
+        </p:spPr>
+      </p:pic>
+      <p:sp>
+        <p:nvSpPr>
+          <p:cNvPr id="4" name="TextBox 3">
+            <a:extLst>
+              <a:ext uri="{FF2B5EF4-FFF2-40B4-BE49-F238E27FC236}">
+                <a16:creationId xmlns:a16="http://schemas.microsoft.com/office/drawing/2014/main" id="{57E937A7-BCA3-404E-BD23-183025CCEAB1}"/>
+              </a:ext>
+            </a:extLst>
+          </p:cNvPr>
+          <p:cNvSpPr txBox="1"/>
+          <p:nvPr/>
+        </p:nvSpPr>
+        <p:spPr>
+          <a:xfrm>
+            <a:off x="139383" y="229429"/>
+            <a:ext cx="10708640" cy="369332"/>
+          </a:xfrm>
+          <a:prstGeom prst="rect">
+            <a:avLst/>
+          </a:prstGeom>
+          <a:noFill/>
+        </p:spPr>
+        <p:txBody>
+          <a:bodyPr wrap="square" rtlCol="0">
+            <a:spAutoFit/>
+          </a:bodyPr>
+          <a:lstStyle/>
+          <a:p>
+            <a:r>
+              <a:rPr lang="fr-FR" dirty="0"/>
+              <a:t>Démonstration du théorème de </a:t>
+            </a:r>
+            <a:r>
+              <a:rPr lang="fr-FR" dirty="0" err="1"/>
+              <a:t>Nœther</a:t>
+            </a:r>
+            <a:r>
+              <a:rPr lang="fr-FR" dirty="0"/>
+              <a:t>:</a:t>
+            </a:r>
+          </a:p>
+        </p:txBody>
+      </p:sp>
+    </p:spTree>
+    <p:extLst>
+      <p:ext uri="{BB962C8B-B14F-4D97-AF65-F5344CB8AC3E}">
+        <p14:creationId xmlns:p14="http://schemas.microsoft.com/office/powerpoint/2010/main" val="4187793028"/>
+      </p:ext>
+    </p:extLst>
+  </p:cSld>
+  <p:clrMapOvr>
+    <a:masterClrMapping/>
+  </p:clrMapOvr>
+</p:sld>
+</file>
+
+<file path=ppt/slides/slide2.xml><?xml version="1.0" encoding="utf-8"?>
+<p:sld xmlns:a="http://schemas.openxmlformats.org/drawingml/2006/main" xmlns:r="http://schemas.openxmlformats.org/officeDocument/2006/relationships" xmlns:p="http://schemas.openxmlformats.org/presentationml/2006/main">
+  <p:cSld>
+    <p:spTree>
+      <p:nvGrpSpPr>
+        <p:cNvPr id="1" name=""/>
+        <p:cNvGrpSpPr/>
+        <p:nvPr/>
+      </p:nvGrpSpPr>
+      <p:grpSpPr>
+        <a:xfrm>
+          <a:off x="0" y="0"/>
+          <a:ext cx="0" cy="0"/>
+          <a:chOff x="0" y="0"/>
+          <a:chExt cx="0" cy="0"/>
+        </a:xfrm>
+      </p:grpSpPr>
+      <p:sp>
+        <p:nvSpPr>
+          <p:cNvPr id="2" name="TextBox 1">
+            <a:extLst>
+              <a:ext uri="{FF2B5EF4-FFF2-40B4-BE49-F238E27FC236}">
+                <a16:creationId xmlns:a16="http://schemas.microsoft.com/office/drawing/2014/main" id="{D633D98E-4E35-4F75-B649-5F753A65D15E}"/>
+              </a:ext>
+            </a:extLst>
+          </p:cNvPr>
+          <p:cNvSpPr txBox="1"/>
+          <p:nvPr/>
+        </p:nvSpPr>
+        <p:spPr>
+          <a:xfrm>
+            <a:off x="717630" y="590309"/>
+            <a:ext cx="10857054" cy="1246495"/>
+          </a:xfrm>
+          <a:prstGeom prst="rect">
+            <a:avLst/>
+          </a:prstGeom>
+        </p:spPr>
+        <p:style>
+          <a:lnRef idx="2">
+            <a:schemeClr val="dk1"/>
+          </a:lnRef>
+          <a:fillRef idx="1">
+            <a:schemeClr val="lt1"/>
+          </a:fillRef>
+          <a:effectRef idx="0">
+            <a:schemeClr val="dk1"/>
+          </a:effectRef>
+          <a:fontRef idx="minor">
+            <a:schemeClr val="dk1"/>
+          </a:fontRef>
+        </p:style>
+        <p:txBody>
+          <a:bodyPr wrap="square" rtlCol="0">
+            <a:spAutoFit/>
+          </a:bodyPr>
+          <a:lstStyle/>
+          <a:p>
+            <a:r>
+              <a:rPr lang="fr-FR" sz="2500" b="1" dirty="0"/>
+              <a:t>Principe de Curie </a:t>
+            </a:r>
+            <a:r>
+              <a:rPr lang="fr-FR" sz="2500" dirty="0"/>
+              <a:t>: </a:t>
+            </a:r>
+          </a:p>
+          <a:p>
+            <a:r>
+              <a:rPr lang="fr-FR" sz="2500" dirty="0"/>
+              <a:t>Lorsque certaines </a:t>
+            </a:r>
+            <a:r>
+              <a:rPr lang="fr-FR" sz="2500" b="1" dirty="0"/>
+              <a:t>causes</a:t>
+            </a:r>
+            <a:r>
+              <a:rPr lang="fr-FR" sz="2500" dirty="0"/>
+              <a:t> produisent certains </a:t>
+            </a:r>
+            <a:r>
+              <a:rPr lang="fr-FR" sz="2500" b="1" dirty="0"/>
+              <a:t>effets</a:t>
+            </a:r>
+            <a:r>
+              <a:rPr lang="fr-FR" sz="2500" dirty="0"/>
+              <a:t>, les éléments de symétrie des causes doivent se retrouver dans les effets produits.</a:t>
+            </a:r>
+          </a:p>
+        </p:txBody>
+      </p:sp>
+      <p:sp>
+        <p:nvSpPr>
+          <p:cNvPr id="3" name="TextBox 2">
+            <a:extLst>
+              <a:ext uri="{FF2B5EF4-FFF2-40B4-BE49-F238E27FC236}">
+                <a16:creationId xmlns:a16="http://schemas.microsoft.com/office/drawing/2014/main" id="{1E160BED-C5DE-4A81-BBC2-04FAE930EA70}"/>
+              </a:ext>
+            </a:extLst>
+          </p:cNvPr>
+          <p:cNvSpPr txBox="1"/>
+          <p:nvPr/>
+        </p:nvSpPr>
+        <p:spPr>
+          <a:xfrm>
+            <a:off x="717630" y="2025570"/>
+            <a:ext cx="10857054" cy="369332"/>
+          </a:xfrm>
+          <a:prstGeom prst="rect">
+            <a:avLst/>
+          </a:prstGeom>
+          <a:noFill/>
+        </p:spPr>
+        <p:txBody>
+          <a:bodyPr wrap="square" rtlCol="0">
+            <a:spAutoFit/>
+          </a:bodyPr>
+          <a:lstStyle/>
+          <a:p>
+            <a:r>
+              <a:rPr lang="fr-FR" b="1"/>
+              <a:t>Autre formulation </a:t>
+            </a:r>
+            <a:r>
+              <a:rPr lang="fr-FR"/>
+              <a:t>: L’effet a au moins les symétries des causes</a:t>
+            </a:r>
+            <a:endParaRPr lang="fr-FR" dirty="0"/>
+          </a:p>
+        </p:txBody>
+      </p:sp>
+      <p:sp>
+        <p:nvSpPr>
+          <p:cNvPr id="4" name="Rectangle 3">
+            <a:extLst>
+              <a:ext uri="{FF2B5EF4-FFF2-40B4-BE49-F238E27FC236}">
+                <a16:creationId xmlns:a16="http://schemas.microsoft.com/office/drawing/2014/main" id="{FF640B86-4D61-4318-9AA1-913EB54BBA27}"/>
+              </a:ext>
+            </a:extLst>
+          </p:cNvPr>
+          <p:cNvSpPr/>
+          <p:nvPr/>
+        </p:nvSpPr>
+        <p:spPr>
+          <a:xfrm>
+            <a:off x="717629" y="2505670"/>
+            <a:ext cx="10857053" cy="646331"/>
+          </a:xfrm>
+          <a:prstGeom prst="rect">
+            <a:avLst/>
+          </a:prstGeom>
+        </p:spPr>
+        <p:txBody>
+          <a:bodyPr wrap="square">
+            <a:spAutoFit/>
+          </a:bodyPr>
+          <a:lstStyle/>
+          <a:p>
+            <a:r>
+              <a:rPr lang="fr-FR" b="1" dirty="0">
+                <a:latin typeface="Calibri" panose="020F0502020204030204" pitchFamily="34" charset="0"/>
+                <a:ea typeface="Calibri" panose="020F0502020204030204" pitchFamily="34" charset="0"/>
+                <a:cs typeface="Times New Roman" panose="02020603050405020304" pitchFamily="18" charset="0"/>
+              </a:rPr>
+              <a:t>Contraposée</a:t>
+            </a:r>
+            <a:r>
+              <a:rPr lang="fr-FR" dirty="0">
+                <a:latin typeface="Calibri" panose="020F0502020204030204" pitchFamily="34" charset="0"/>
+                <a:ea typeface="Calibri" panose="020F0502020204030204" pitchFamily="34" charset="0"/>
+                <a:cs typeface="Times New Roman" panose="02020603050405020304" pitchFamily="18" charset="0"/>
+              </a:rPr>
+              <a:t> : Lorsque certains </a:t>
+            </a:r>
+            <a:r>
+              <a:rPr lang="fr-FR" b="1" dirty="0">
+                <a:latin typeface="Calibri" panose="020F0502020204030204" pitchFamily="34" charset="0"/>
+                <a:ea typeface="Calibri" panose="020F0502020204030204" pitchFamily="34" charset="0"/>
+                <a:cs typeface="Times New Roman" panose="02020603050405020304" pitchFamily="18" charset="0"/>
+              </a:rPr>
+              <a:t>effets</a:t>
+            </a:r>
+            <a:r>
+              <a:rPr lang="fr-FR" dirty="0">
+                <a:latin typeface="Calibri" panose="020F0502020204030204" pitchFamily="34" charset="0"/>
+                <a:ea typeface="Calibri" panose="020F0502020204030204" pitchFamily="34" charset="0"/>
+                <a:cs typeface="Times New Roman" panose="02020603050405020304" pitchFamily="18" charset="0"/>
+              </a:rPr>
+              <a:t> révèlent une certaine </a:t>
+            </a:r>
+            <a:r>
+              <a:rPr lang="fr-FR" b="1" dirty="0">
+                <a:latin typeface="Calibri" panose="020F0502020204030204" pitchFamily="34" charset="0"/>
+                <a:ea typeface="Calibri" panose="020F0502020204030204" pitchFamily="34" charset="0"/>
+                <a:cs typeface="Times New Roman" panose="02020603050405020304" pitchFamily="18" charset="0"/>
+              </a:rPr>
+              <a:t>dissymétrie</a:t>
+            </a:r>
+            <a:r>
+              <a:rPr lang="fr-FR" dirty="0">
+                <a:latin typeface="Calibri" panose="020F0502020204030204" pitchFamily="34" charset="0"/>
+                <a:ea typeface="Calibri" panose="020F0502020204030204" pitchFamily="34" charset="0"/>
+                <a:cs typeface="Times New Roman" panose="02020603050405020304" pitchFamily="18" charset="0"/>
+              </a:rPr>
+              <a:t>, cette </a:t>
+            </a:r>
+            <a:r>
+              <a:rPr lang="fr-FR" b="1" dirty="0">
+                <a:latin typeface="Calibri" panose="020F0502020204030204" pitchFamily="34" charset="0"/>
+                <a:ea typeface="Calibri" panose="020F0502020204030204" pitchFamily="34" charset="0"/>
+                <a:cs typeface="Times New Roman" panose="02020603050405020304" pitchFamily="18" charset="0"/>
+              </a:rPr>
+              <a:t>dissymétrie</a:t>
+            </a:r>
+            <a:r>
+              <a:rPr lang="fr-FR" dirty="0">
+                <a:latin typeface="Calibri" panose="020F0502020204030204" pitchFamily="34" charset="0"/>
+                <a:ea typeface="Calibri" panose="020F0502020204030204" pitchFamily="34" charset="0"/>
+                <a:cs typeface="Times New Roman" panose="02020603050405020304" pitchFamily="18" charset="0"/>
+              </a:rPr>
+              <a:t> doit se retrouver dans les </a:t>
+            </a:r>
+            <a:r>
+              <a:rPr lang="fr-FR" b="1" dirty="0">
+                <a:latin typeface="Calibri" panose="020F0502020204030204" pitchFamily="34" charset="0"/>
+                <a:ea typeface="Calibri" panose="020F0502020204030204" pitchFamily="34" charset="0"/>
+                <a:cs typeface="Times New Roman" panose="02020603050405020304" pitchFamily="18" charset="0"/>
+              </a:rPr>
+              <a:t>causes</a:t>
+            </a:r>
+            <a:r>
+              <a:rPr lang="fr-FR" dirty="0">
+                <a:latin typeface="Calibri" panose="020F0502020204030204" pitchFamily="34" charset="0"/>
+                <a:ea typeface="Calibri" panose="020F0502020204030204" pitchFamily="34" charset="0"/>
+                <a:cs typeface="Times New Roman" panose="02020603050405020304" pitchFamily="18" charset="0"/>
+              </a:rPr>
+              <a:t> qui lui ont donné naissance</a:t>
+            </a:r>
+            <a:endParaRPr lang="fr-FR" dirty="0"/>
+          </a:p>
+        </p:txBody>
+      </p:sp>
+      <p:sp>
+        <p:nvSpPr>
+          <p:cNvPr id="5" name="Rectangle 4">
+            <a:extLst>
+              <a:ext uri="{FF2B5EF4-FFF2-40B4-BE49-F238E27FC236}">
+                <a16:creationId xmlns:a16="http://schemas.microsoft.com/office/drawing/2014/main" id="{E952D487-0530-46A7-808C-8B62328850D7}"/>
+              </a:ext>
+            </a:extLst>
+          </p:cNvPr>
+          <p:cNvSpPr/>
+          <p:nvPr/>
+        </p:nvSpPr>
+        <p:spPr>
+          <a:xfrm>
+            <a:off x="717628" y="3244334"/>
+            <a:ext cx="10857053" cy="369332"/>
+          </a:xfrm>
+          <a:prstGeom prst="rect">
+            <a:avLst/>
+          </a:prstGeom>
+        </p:spPr>
+        <p:txBody>
+          <a:bodyPr wrap="square">
+            <a:spAutoFit/>
+          </a:bodyPr>
+          <a:lstStyle/>
+          <a:p>
+            <a:r>
+              <a:rPr lang="fr-FR" b="1" dirty="0">
+                <a:latin typeface="Calibri" panose="020F0502020204030204" pitchFamily="34" charset="0"/>
+                <a:ea typeface="Calibri" panose="020F0502020204030204" pitchFamily="34" charset="0"/>
+                <a:cs typeface="Times New Roman" panose="02020603050405020304" pitchFamily="18" charset="0"/>
+              </a:rPr>
+              <a:t>Réciproque est fausse ! </a:t>
+            </a:r>
+            <a:r>
+              <a:rPr lang="fr-FR" dirty="0">
+                <a:latin typeface="Calibri" panose="020F0502020204030204" pitchFamily="34" charset="0"/>
+                <a:ea typeface="Calibri" panose="020F0502020204030204" pitchFamily="34" charset="0"/>
+                <a:cs typeface="Times New Roman" panose="02020603050405020304" pitchFamily="18" charset="0"/>
+              </a:rPr>
+              <a:t>Ce n’est pas parce que les effets ont certaines symétries que les causes l’auront aussi.</a:t>
+            </a:r>
+            <a:endParaRPr lang="fr-FR" dirty="0"/>
+          </a:p>
+        </p:txBody>
+      </p:sp>
+      <p:pic>
+        <p:nvPicPr>
+          <p:cNvPr id="6" name="Picture 5">
+            <a:extLst>
+              <a:ext uri="{FF2B5EF4-FFF2-40B4-BE49-F238E27FC236}">
+                <a16:creationId xmlns:a16="http://schemas.microsoft.com/office/drawing/2014/main" id="{2169A4C9-528B-40F5-9647-11DBC38DCBB6}"/>
+              </a:ext>
+            </a:extLst>
+          </p:cNvPr>
+          <p:cNvPicPr>
+            <a:picLocks noChangeAspect="1"/>
+          </p:cNvPicPr>
+          <p:nvPr/>
+        </p:nvPicPr>
+        <p:blipFill>
+          <a:blip r:embed="rId2"/>
+          <a:stretch>
+            <a:fillRect/>
+          </a:stretch>
+        </p:blipFill>
+        <p:spPr>
+          <a:xfrm>
+            <a:off x="1547037" y="4001433"/>
+            <a:ext cx="2590800" cy="2476500"/>
+          </a:xfrm>
+          <a:prstGeom prst="rect">
+            <a:avLst/>
+          </a:prstGeom>
+        </p:spPr>
+      </p:pic>
+      <p:pic>
+        <p:nvPicPr>
+          <p:cNvPr id="7" name="Picture 6">
+            <a:extLst>
+              <a:ext uri="{FF2B5EF4-FFF2-40B4-BE49-F238E27FC236}">
+                <a16:creationId xmlns:a16="http://schemas.microsoft.com/office/drawing/2014/main" id="{BD070DD7-361A-4F42-8010-757D108982EB}"/>
+              </a:ext>
+            </a:extLst>
+          </p:cNvPr>
+          <p:cNvPicPr>
+            <a:picLocks noChangeAspect="1"/>
+          </p:cNvPicPr>
+          <p:nvPr/>
+        </p:nvPicPr>
+        <p:blipFill>
+          <a:blip r:embed="rId3"/>
+          <a:stretch>
+            <a:fillRect/>
+          </a:stretch>
+        </p:blipFill>
+        <p:spPr>
+          <a:xfrm>
+            <a:off x="8421827" y="3872221"/>
+            <a:ext cx="1933575" cy="647700"/>
+          </a:xfrm>
+          <a:prstGeom prst="rect">
+            <a:avLst/>
+          </a:prstGeom>
+        </p:spPr>
+      </p:pic>
+      <p:cxnSp>
+        <p:nvCxnSpPr>
+          <p:cNvPr id="9" name="Straight Arrow Connector 8">
+            <a:extLst>
+              <a:ext uri="{FF2B5EF4-FFF2-40B4-BE49-F238E27FC236}">
+                <a16:creationId xmlns:a16="http://schemas.microsoft.com/office/drawing/2014/main" id="{0E1D8982-E3EE-43A9-BF4F-B2D28F8D5D13}"/>
+              </a:ext>
+            </a:extLst>
+          </p:cNvPr>
+          <p:cNvCxnSpPr>
+            <a:cxnSpLocks/>
+          </p:cNvCxnSpPr>
+          <p:nvPr/>
+        </p:nvCxnSpPr>
+        <p:spPr>
+          <a:xfrm flipV="1">
+            <a:off x="3704734" y="4110087"/>
+            <a:ext cx="1178351" cy="707010"/>
+          </a:xfrm>
+          <a:prstGeom prst="straightConnector1">
+            <a:avLst/>
+          </a:prstGeom>
+          <a:ln>
+            <a:tailEnd type="triangle"/>
+          </a:ln>
+        </p:spPr>
+        <p:style>
+          <a:lnRef idx="1">
+            <a:schemeClr val="accent1"/>
+          </a:lnRef>
+          <a:fillRef idx="0">
+            <a:schemeClr val="accent1"/>
+          </a:fillRef>
+          <a:effectRef idx="0">
+            <a:schemeClr val="accent1"/>
+          </a:effectRef>
+          <a:fontRef idx="minor">
+            <a:schemeClr val="tx1"/>
+          </a:fontRef>
+        </p:style>
+      </p:cxnSp>
+      <mc:AlternateContent xmlns:mc="http://schemas.openxmlformats.org/markup-compatibility/2006">
+        <mc:Choice xmlns:a14="http://schemas.microsoft.com/office/drawing/2010/main" Requires="a14">
+          <p:sp>
+            <p:nvSpPr>
+              <p:cNvPr id="11" name="TextBox 10">
+                <a:extLst>
+                  <a:ext uri="{FF2B5EF4-FFF2-40B4-BE49-F238E27FC236}">
+                    <a16:creationId xmlns:a16="http://schemas.microsoft.com/office/drawing/2014/main" id="{6B6C8312-7CD6-4602-9B33-C16BBBB16F64}"/>
+                  </a:ext>
+                </a:extLst>
+              </p:cNvPr>
+              <p:cNvSpPr txBox="1"/>
+              <p:nvPr/>
+            </p:nvSpPr>
+            <p:spPr>
+              <a:xfrm>
+                <a:off x="3808428" y="4059974"/>
+                <a:ext cx="791852" cy="403124"/>
+              </a:xfrm>
+              <a:prstGeom prst="rect">
+                <a:avLst/>
+              </a:prstGeom>
+              <a:noFill/>
+            </p:spPr>
+            <p:txBody>
+              <a:bodyPr wrap="square" rtlCol="0">
+                <a:spAutoFit/>
+              </a:bodyPr>
+              <a:lstStyle/>
+              <a:p>
+                <a14:m>
+                  <m:oMathPara xmlns:m="http://schemas.openxmlformats.org/officeDocument/2006/math">
+                    <m:oMathParaPr>
+                      <m:jc m:val="centerGroup"/>
+                    </m:oMathParaPr>
+                    <m:oMath xmlns:m="http://schemas.openxmlformats.org/officeDocument/2006/math">
+                      <m:acc>
+                        <m:accPr>
+                          <m:chr m:val="⃗"/>
+                          <m:ctrlPr>
+                            <a:rPr lang="fr-FR" b="0" i="1" smtClean="0">
+                              <a:latin typeface="Cambria Math" panose="02040503050406030204" pitchFamily="18" charset="0"/>
+                            </a:rPr>
+                          </m:ctrlPr>
+                        </m:accPr>
+                        <m:e>
+                          <m:r>
+                            <a:rPr lang="fr-FR" b="0" i="1" smtClean="0">
+                              <a:latin typeface="Cambria Math" panose="02040503050406030204" pitchFamily="18" charset="0"/>
+                            </a:rPr>
+                            <m:t>𝐸</m:t>
+                          </m:r>
+                        </m:e>
+                      </m:acc>
+                    </m:oMath>
+                  </m:oMathPara>
+                </a14:m>
+                <a:endParaRPr lang="fr-FR" dirty="0"/>
+              </a:p>
+            </p:txBody>
+          </p:sp>
+        </mc:Choice>
+        <mc:Fallback>
+          <p:sp>
+            <p:nvSpPr>
+              <p:cNvPr id="11" name="TextBox 10">
+                <a:extLst>
+                  <a:ext uri="{FF2B5EF4-FFF2-40B4-BE49-F238E27FC236}">
+                    <a16:creationId xmlns:a16="http://schemas.microsoft.com/office/drawing/2014/main" id="{6B6C8312-7CD6-4602-9B33-C16BBBB16F64}"/>
+                  </a:ext>
+                </a:extLst>
+              </p:cNvPr>
+              <p:cNvSpPr txBox="1">
+                <a:spLocks noRot="1" noChangeAspect="1" noMove="1" noResize="1" noEditPoints="1" noAdjustHandles="1" noChangeArrowheads="1" noChangeShapeType="1" noTextEdit="1"/>
+              </p:cNvSpPr>
+              <p:nvPr/>
+            </p:nvSpPr>
+            <p:spPr>
+              <a:xfrm>
+                <a:off x="3808428" y="4059974"/>
+                <a:ext cx="791852" cy="403124"/>
+              </a:xfrm>
+              <a:prstGeom prst="rect">
+                <a:avLst/>
+              </a:prstGeom>
+              <a:blipFill>
+                <a:blip r:embed="rId4"/>
+                <a:stretch>
+                  <a:fillRect/>
+                </a:stretch>
+              </a:blipFill>
+            </p:spPr>
+            <p:txBody>
+              <a:bodyPr/>
+              <a:lstStyle/>
+              <a:p>
+                <a:r>
+                  <a:rPr lang="fr-FR">
+                    <a:noFill/>
+                  </a:rPr>
+                  <a:t> </a:t>
+                </a:r>
+              </a:p>
+            </p:txBody>
+          </p:sp>
+        </mc:Fallback>
+      </mc:AlternateContent>
+      <p:sp>
+        <p:nvSpPr>
+          <p:cNvPr id="12" name="TextBox 11">
+            <a:extLst>
+              <a:ext uri="{FF2B5EF4-FFF2-40B4-BE49-F238E27FC236}">
+                <a16:creationId xmlns:a16="http://schemas.microsoft.com/office/drawing/2014/main" id="{01B2525D-568B-4599-95EC-F2C48EB730A5}"/>
+              </a:ext>
+            </a:extLst>
+          </p:cNvPr>
+          <p:cNvSpPr txBox="1"/>
+          <p:nvPr/>
+        </p:nvSpPr>
+        <p:spPr>
+          <a:xfrm>
+            <a:off x="7025089" y="4150589"/>
+            <a:ext cx="1510920" cy="369332"/>
+          </a:xfrm>
+          <a:prstGeom prst="rect">
+            <a:avLst/>
+          </a:prstGeom>
+          <a:noFill/>
+        </p:spPr>
+        <p:txBody>
+          <a:bodyPr wrap="square" rtlCol="0">
+            <a:spAutoFit/>
+          </a:bodyPr>
+          <a:lstStyle/>
+          <a:p>
+            <a:r>
+              <a:rPr lang="fr-FR" dirty="0"/>
+              <a:t>Cas général : </a:t>
+            </a:r>
+          </a:p>
+        </p:txBody>
+      </p:sp>
+      <mc:AlternateContent xmlns:mc="http://schemas.openxmlformats.org/markup-compatibility/2006">
+        <mc:Choice xmlns:a14="http://schemas.microsoft.com/office/drawing/2010/main" Requires="a14">
+          <p:sp>
+            <p:nvSpPr>
+              <p:cNvPr id="13" name="TextBox 12">
+                <a:extLst>
+                  <a:ext uri="{FF2B5EF4-FFF2-40B4-BE49-F238E27FC236}">
+                    <a16:creationId xmlns:a16="http://schemas.microsoft.com/office/drawing/2014/main" id="{A5A31E7A-5F31-4745-AB20-22067ED015E1}"/>
+                  </a:ext>
+                </a:extLst>
+              </p:cNvPr>
+              <p:cNvSpPr txBox="1"/>
+              <p:nvPr/>
+            </p:nvSpPr>
+            <p:spPr>
+              <a:xfrm>
+                <a:off x="7025088" y="5239683"/>
+                <a:ext cx="4549593" cy="610103"/>
+              </a:xfrm>
+              <a:prstGeom prst="rect">
+                <a:avLst/>
+              </a:prstGeom>
+              <a:noFill/>
+            </p:spPr>
+            <p:txBody>
+              <a:bodyPr wrap="square" rtlCol="0">
+                <a:spAutoFit/>
+              </a:bodyPr>
+              <a:lstStyle/>
+              <a:p>
+                <a:r>
+                  <a:rPr lang="fr-FR" dirty="0"/>
+                  <a:t>Dans le cas du méthane : </a:t>
+                </a:r>
+                <a14:m>
+                  <m:oMath xmlns:m="http://schemas.openxmlformats.org/officeDocument/2006/math">
+                    <m:acc>
+                      <m:accPr>
+                        <m:chr m:val="⃗"/>
+                        <m:ctrlPr>
+                          <a:rPr lang="fr-FR" sz="3000" b="0" i="1" smtClean="0">
+                            <a:latin typeface="Cambria Math" panose="02040503050406030204" pitchFamily="18" charset="0"/>
+                          </a:rPr>
+                        </m:ctrlPr>
+                      </m:accPr>
+                      <m:e>
+                        <m:r>
+                          <a:rPr lang="fr-FR" sz="3000" b="0" i="1" smtClean="0">
+                            <a:latin typeface="Cambria Math" panose="02040503050406030204" pitchFamily="18" charset="0"/>
+                          </a:rPr>
+                          <m:t>𝑝</m:t>
+                        </m:r>
+                      </m:e>
+                    </m:acc>
+                    <m:r>
+                      <a:rPr lang="fr-FR" sz="3000" b="0" i="1" dirty="0" smtClean="0">
+                        <a:latin typeface="Cambria Math" panose="02040503050406030204" pitchFamily="18" charset="0"/>
+                      </a:rPr>
+                      <m:t>=</m:t>
+                    </m:r>
+                    <m:r>
+                      <a:rPr lang="fr-FR" sz="3000" b="0" i="1" dirty="0" smtClean="0">
+                        <a:latin typeface="Cambria Math" panose="02040503050406030204" pitchFamily="18" charset="0"/>
+                      </a:rPr>
+                      <m:t>𝛼</m:t>
+                    </m:r>
+                    <m:acc>
+                      <m:accPr>
+                        <m:chr m:val="⃗"/>
+                        <m:ctrlPr>
+                          <a:rPr lang="fr-FR" sz="3000" b="0" i="1" dirty="0" smtClean="0">
+                            <a:latin typeface="Cambria Math" panose="02040503050406030204" pitchFamily="18" charset="0"/>
+                          </a:rPr>
+                        </m:ctrlPr>
+                      </m:accPr>
+                      <m:e>
+                        <m:r>
+                          <a:rPr lang="fr-FR" sz="3000" b="0" i="1" dirty="0" smtClean="0">
+                            <a:latin typeface="Cambria Math" panose="02040503050406030204" pitchFamily="18" charset="0"/>
+                          </a:rPr>
+                          <m:t>𝐸</m:t>
+                        </m:r>
+                      </m:e>
+                    </m:acc>
+                  </m:oMath>
+                </a14:m>
+                <a:r>
+                  <a:rPr lang="fr-FR" sz="3000" dirty="0"/>
+                  <a:t> </a:t>
+                </a:r>
+              </a:p>
+            </p:txBody>
+          </p:sp>
+        </mc:Choice>
+        <mc:Fallback>
+          <p:sp>
+            <p:nvSpPr>
+              <p:cNvPr id="13" name="TextBox 12">
+                <a:extLst>
+                  <a:ext uri="{FF2B5EF4-FFF2-40B4-BE49-F238E27FC236}">
+                    <a16:creationId xmlns:a16="http://schemas.microsoft.com/office/drawing/2014/main" id="{A5A31E7A-5F31-4745-AB20-22067ED015E1}"/>
+                  </a:ext>
+                </a:extLst>
+              </p:cNvPr>
+              <p:cNvSpPr txBox="1">
+                <a:spLocks noRot="1" noChangeAspect="1" noMove="1" noResize="1" noEditPoints="1" noAdjustHandles="1" noChangeArrowheads="1" noChangeShapeType="1" noTextEdit="1"/>
+              </p:cNvSpPr>
+              <p:nvPr/>
+            </p:nvSpPr>
+            <p:spPr>
+              <a:xfrm>
+                <a:off x="7025088" y="5239683"/>
+                <a:ext cx="4549593" cy="610103"/>
+              </a:xfrm>
+              <a:prstGeom prst="rect">
+                <a:avLst/>
+              </a:prstGeom>
+              <a:blipFill>
+                <a:blip r:embed="rId5"/>
+                <a:stretch>
+                  <a:fillRect l="-1071" b="-9000"/>
+                </a:stretch>
+              </a:blipFill>
+            </p:spPr>
+            <p:txBody>
+              <a:bodyPr/>
+              <a:lstStyle/>
+              <a:p>
+                <a:r>
+                  <a:rPr lang="fr-FR">
+                    <a:noFill/>
+                  </a:rPr>
+                  <a:t> </a:t>
+                </a:r>
+              </a:p>
+            </p:txBody>
+          </p:sp>
+        </mc:Fallback>
+      </mc:AlternateContent>
+      <p:sp>
+        <p:nvSpPr>
+          <p:cNvPr id="14" name="TextBox 13">
+            <a:extLst>
+              <a:ext uri="{FF2B5EF4-FFF2-40B4-BE49-F238E27FC236}">
+                <a16:creationId xmlns:a16="http://schemas.microsoft.com/office/drawing/2014/main" id="{F9ACE0A3-4D9E-476E-917B-5925F0FA4662}"/>
+              </a:ext>
+            </a:extLst>
+          </p:cNvPr>
+          <p:cNvSpPr txBox="1"/>
+          <p:nvPr/>
+        </p:nvSpPr>
+        <p:spPr>
+          <a:xfrm>
+            <a:off x="7025088" y="5780336"/>
+            <a:ext cx="4298623" cy="646331"/>
+          </a:xfrm>
+          <a:prstGeom prst="rect">
+            <a:avLst/>
+          </a:prstGeom>
+          <a:noFill/>
+        </p:spPr>
+        <p:txBody>
+          <a:bodyPr wrap="square" rtlCol="0">
+            <a:spAutoFit/>
+          </a:bodyPr>
+          <a:lstStyle/>
+          <a:p>
+            <a:r>
+              <a:rPr lang="fr-FR" dirty="0"/>
+              <a:t>Isotropie de la polarisabilité alors que la molécule de méthane n’est pas isotrope</a:t>
+            </a:r>
+          </a:p>
+        </p:txBody>
+      </p:sp>
+    </p:spTree>
+    <p:extLst>
+      <p:ext uri="{BB962C8B-B14F-4D97-AF65-F5344CB8AC3E}">
+        <p14:creationId xmlns:p14="http://schemas.microsoft.com/office/powerpoint/2010/main" val="2841510983"/>
+      </p:ext>
+    </p:extLst>
+  </p:cSld>
+  <p:clrMapOvr>
+    <a:masterClrMapping/>
+  </p:clrMapOvr>
+</p:sld>
+</file>
+
+<file path=ppt/slides/slide3.xml><?xml version="1.0" encoding="utf-8"?>
+<p:sld xmlns:a="http://schemas.openxmlformats.org/drawingml/2006/main" xmlns:r="http://schemas.openxmlformats.org/officeDocument/2006/relationships" xmlns:p="http://schemas.openxmlformats.org/presentationml/2006/main">
+  <p:cSld>
+    <p:spTree>
+      <p:nvGrpSpPr>
+        <p:cNvPr id="1" name=""/>
+        <p:cNvGrpSpPr/>
+        <p:nvPr/>
+      </p:nvGrpSpPr>
+      <p:grpSpPr>
+        <a:xfrm>
+          <a:off x="0" y="0"/>
+          <a:ext cx="0" cy="0"/>
+          <a:chOff x="0" y="0"/>
+          <a:chExt cx="0" cy="0"/>
+        </a:xfrm>
+      </p:grpSpPr>
+      <p:cxnSp>
+        <p:nvCxnSpPr>
+          <p:cNvPr id="3" name="Straight Connector 2">
+            <a:extLst>
+              <a:ext uri="{FF2B5EF4-FFF2-40B4-BE49-F238E27FC236}">
+                <a16:creationId xmlns:a16="http://schemas.microsoft.com/office/drawing/2014/main" id="{307A5D57-C831-4F55-9C56-284F35A742DD}"/>
+              </a:ext>
+            </a:extLst>
+          </p:cNvPr>
+          <p:cNvCxnSpPr>
+            <a:cxnSpLocks/>
+          </p:cNvCxnSpPr>
+          <p:nvPr/>
+        </p:nvCxnSpPr>
+        <p:spPr>
+          <a:xfrm>
+            <a:off x="1847653" y="0"/>
+            <a:ext cx="0" cy="6858000"/>
+          </a:xfrm>
+          <a:prstGeom prst="line">
+            <a:avLst/>
+          </a:prstGeom>
+          <a:ln w="31750">
+            <a:solidFill>
+              <a:schemeClr val="tx1"/>
+            </a:solidFill>
+          </a:ln>
+        </p:spPr>
+        <p:style>
+          <a:lnRef idx="1">
+            <a:schemeClr val="accent1"/>
+          </a:lnRef>
+          <a:fillRef idx="0">
+            <a:schemeClr val="accent1"/>
+          </a:fillRef>
+          <a:effectRef idx="0">
+            <a:schemeClr val="accent1"/>
+          </a:effectRef>
+          <a:fontRef idx="minor">
+            <a:schemeClr val="tx1"/>
+          </a:fontRef>
+        </p:style>
+      </p:cxnSp>
+      <mc:AlternateContent xmlns:mc="http://schemas.openxmlformats.org/markup-compatibility/2006">
+        <mc:Choice xmlns:a14="http://schemas.microsoft.com/office/drawing/2010/main" Requires="a14">
+          <p:sp>
+            <p:nvSpPr>
+              <p:cNvPr id="7" name="TextBox 6">
+                <a:extLst>
+                  <a:ext uri="{FF2B5EF4-FFF2-40B4-BE49-F238E27FC236}">
+                    <a16:creationId xmlns:a16="http://schemas.microsoft.com/office/drawing/2014/main" id="{65F977F1-BE1E-4E3B-BD63-2B2861B46BB5}"/>
+                  </a:ext>
+                </a:extLst>
+              </p:cNvPr>
+              <p:cNvSpPr txBox="1"/>
+              <p:nvPr/>
+            </p:nvSpPr>
+            <p:spPr>
+              <a:xfrm>
+                <a:off x="2630077" y="296101"/>
+                <a:ext cx="1329180" cy="369332"/>
+              </a:xfrm>
+              <a:prstGeom prst="rect">
+                <a:avLst/>
+              </a:prstGeom>
+              <a:noFill/>
+            </p:spPr>
+            <p:txBody>
+              <a:bodyPr wrap="square" rtlCol="0">
+                <a:spAutoFit/>
+              </a:bodyPr>
+              <a:lstStyle/>
+              <a:p>
+                <a14:m>
+                  <m:oMathPara xmlns:m="http://schemas.openxmlformats.org/officeDocument/2006/math">
+                    <m:oMathParaPr>
+                      <m:jc m:val="centerGroup"/>
+                    </m:oMathParaPr>
+                    <m:oMath xmlns:m="http://schemas.openxmlformats.org/officeDocument/2006/math">
+                      <m:r>
+                        <a:rPr lang="fr-FR" b="0" i="1" smtClean="0">
+                          <a:latin typeface="Cambria Math" panose="02040503050406030204" pitchFamily="18" charset="0"/>
+                        </a:rPr>
+                        <m:t>𝑑𝑞</m:t>
+                      </m:r>
+                      <m:r>
+                        <a:rPr lang="fr-FR" b="0" i="1" smtClean="0">
+                          <a:latin typeface="Cambria Math" panose="02040503050406030204" pitchFamily="18" charset="0"/>
+                        </a:rPr>
+                        <m:t>=</m:t>
+                      </m:r>
+                      <m:r>
+                        <a:rPr lang="fr-FR" b="0" i="1" smtClean="0">
+                          <a:latin typeface="Cambria Math" panose="02040503050406030204" pitchFamily="18" charset="0"/>
+                        </a:rPr>
+                        <m:t>𝜆</m:t>
+                      </m:r>
+                      <m:r>
+                        <a:rPr lang="fr-FR" b="0" i="1" smtClean="0">
+                          <a:latin typeface="Cambria Math" panose="02040503050406030204" pitchFamily="18" charset="0"/>
+                        </a:rPr>
+                        <m:t>𝑑𝑧</m:t>
+                      </m:r>
+                    </m:oMath>
+                  </m:oMathPara>
+                </a14:m>
+                <a:endParaRPr lang="fr-FR" dirty="0"/>
+              </a:p>
+            </p:txBody>
+          </p:sp>
+        </mc:Choice>
+        <mc:Fallback>
+          <p:sp>
+            <p:nvSpPr>
+              <p:cNvPr id="7" name="TextBox 6">
+                <a:extLst>
+                  <a:ext uri="{FF2B5EF4-FFF2-40B4-BE49-F238E27FC236}">
+                    <a16:creationId xmlns:a16="http://schemas.microsoft.com/office/drawing/2014/main" id="{65F977F1-BE1E-4E3B-BD63-2B2861B46BB5}"/>
+                  </a:ext>
+                </a:extLst>
+              </p:cNvPr>
+              <p:cNvSpPr txBox="1">
+                <a:spLocks noRot="1" noChangeAspect="1" noMove="1" noResize="1" noEditPoints="1" noAdjustHandles="1" noChangeArrowheads="1" noChangeShapeType="1" noTextEdit="1"/>
+              </p:cNvSpPr>
+              <p:nvPr/>
+            </p:nvSpPr>
+            <p:spPr>
+              <a:xfrm>
+                <a:off x="2630077" y="296101"/>
+                <a:ext cx="1329180" cy="369332"/>
+              </a:xfrm>
+              <a:prstGeom prst="rect">
+                <a:avLst/>
+              </a:prstGeom>
+              <a:blipFill>
+                <a:blip r:embed="rId2"/>
+                <a:stretch>
+                  <a:fillRect b="-13333"/>
+                </a:stretch>
+              </a:blipFill>
+            </p:spPr>
+            <p:txBody>
+              <a:bodyPr/>
+              <a:lstStyle/>
+              <a:p>
+                <a:r>
+                  <a:rPr lang="fr-FR">
+                    <a:noFill/>
+                  </a:rPr>
+                  <a:t> </a:t>
+                </a:r>
+              </a:p>
+            </p:txBody>
+          </p:sp>
+        </mc:Fallback>
+      </mc:AlternateContent>
+      <mc:AlternateContent xmlns:mc="http://schemas.openxmlformats.org/markup-compatibility/2006">
+        <mc:Choice xmlns:a14="http://schemas.microsoft.com/office/drawing/2010/main" Requires="a14">
+          <p:sp>
+            <p:nvSpPr>
+              <p:cNvPr id="10" name="TextBox 9">
+                <a:extLst>
+                  <a:ext uri="{FF2B5EF4-FFF2-40B4-BE49-F238E27FC236}">
+                    <a16:creationId xmlns:a16="http://schemas.microsoft.com/office/drawing/2014/main" id="{5FCC248D-BA0D-4437-9B4E-E4FEFD09265F}"/>
+                  </a:ext>
+                </a:extLst>
+              </p:cNvPr>
+              <p:cNvSpPr txBox="1"/>
+              <p:nvPr/>
+            </p:nvSpPr>
+            <p:spPr>
+              <a:xfrm>
+                <a:off x="2733773" y="867265"/>
+                <a:ext cx="2318991" cy="402931"/>
+              </a:xfrm>
+              <a:prstGeom prst="rect">
+                <a:avLst/>
+              </a:prstGeom>
+              <a:noFill/>
+            </p:spPr>
+            <p:txBody>
+              <a:bodyPr wrap="square" rtlCol="0">
+                <a:spAutoFit/>
+              </a:bodyPr>
+              <a:lstStyle/>
+              <a:p>
+                <a:r>
+                  <a:rPr lang="fr-FR" dirty="0"/>
+                  <a:t>Invariances : </a:t>
+                </a:r>
+                <a14:m>
+                  <m:oMath xmlns:m="http://schemas.openxmlformats.org/officeDocument/2006/math">
+                    <m:acc>
+                      <m:accPr>
+                        <m:chr m:val="⃗"/>
+                        <m:ctrlPr>
+                          <a:rPr lang="fr-FR" i="1"/>
+                        </m:ctrlPr>
+                      </m:accPr>
+                      <m:e>
+                        <m:r>
+                          <a:rPr lang="fr-FR" i="1"/>
+                          <m:t>𝐸</m:t>
+                        </m:r>
+                      </m:e>
+                    </m:acc>
+                    <m:r>
+                      <a:rPr lang="fr-FR" i="1"/>
+                      <m:t>=</m:t>
+                    </m:r>
+                    <m:acc>
+                      <m:accPr>
+                        <m:chr m:val="⃗"/>
+                        <m:ctrlPr>
+                          <a:rPr lang="fr-FR" i="1"/>
+                        </m:ctrlPr>
+                      </m:accPr>
+                      <m:e>
+                        <m:r>
+                          <a:rPr lang="fr-FR" i="1"/>
+                          <m:t>𝐸</m:t>
+                        </m:r>
+                      </m:e>
+                    </m:acc>
+                    <m:r>
+                      <a:rPr lang="fr-FR" i="1"/>
+                      <m:t>(</m:t>
+                    </m:r>
+                    <m:r>
+                      <a:rPr lang="fr-FR" i="1"/>
+                      <m:t>𝑟</m:t>
+                    </m:r>
+                    <m:r>
+                      <a:rPr lang="fr-FR" i="1"/>
+                      <m:t>)</m:t>
+                    </m:r>
+                  </m:oMath>
+                </a14:m>
+                <a:endParaRPr lang="fr-FR" dirty="0"/>
+              </a:p>
+            </p:txBody>
+          </p:sp>
+        </mc:Choice>
+        <mc:Fallback>
+          <p:sp>
+            <p:nvSpPr>
+              <p:cNvPr id="10" name="TextBox 9">
+                <a:extLst>
+                  <a:ext uri="{FF2B5EF4-FFF2-40B4-BE49-F238E27FC236}">
+                    <a16:creationId xmlns:a16="http://schemas.microsoft.com/office/drawing/2014/main" id="{5FCC248D-BA0D-4437-9B4E-E4FEFD09265F}"/>
+                  </a:ext>
+                </a:extLst>
+              </p:cNvPr>
+              <p:cNvSpPr txBox="1">
+                <a:spLocks noRot="1" noChangeAspect="1" noMove="1" noResize="1" noEditPoints="1" noAdjustHandles="1" noChangeArrowheads="1" noChangeShapeType="1" noTextEdit="1"/>
+              </p:cNvSpPr>
+              <p:nvPr/>
+            </p:nvSpPr>
+            <p:spPr>
+              <a:xfrm>
+                <a:off x="2733773" y="867265"/>
+                <a:ext cx="2318991" cy="402931"/>
+              </a:xfrm>
+              <a:prstGeom prst="rect">
+                <a:avLst/>
+              </a:prstGeom>
+              <a:blipFill>
+                <a:blip r:embed="rId3"/>
+                <a:stretch>
+                  <a:fillRect l="-2100" b="-24242"/>
+                </a:stretch>
+              </a:blipFill>
+            </p:spPr>
+            <p:txBody>
+              <a:bodyPr/>
+              <a:lstStyle/>
+              <a:p>
+                <a:r>
+                  <a:rPr lang="fr-FR">
+                    <a:noFill/>
+                  </a:rPr>
+                  <a:t> </a:t>
+                </a:r>
+              </a:p>
+            </p:txBody>
+          </p:sp>
+        </mc:Fallback>
+      </mc:AlternateContent>
+      <mc:AlternateContent xmlns:mc="http://schemas.openxmlformats.org/markup-compatibility/2006">
+        <mc:Choice xmlns:a14="http://schemas.microsoft.com/office/drawing/2010/main" Requires="a14">
+          <p:sp>
+            <p:nvSpPr>
+              <p:cNvPr id="11" name="TextBox 10">
+                <a:extLst>
+                  <a:ext uri="{FF2B5EF4-FFF2-40B4-BE49-F238E27FC236}">
+                    <a16:creationId xmlns:a16="http://schemas.microsoft.com/office/drawing/2014/main" id="{3E066EDC-DA7B-40BC-AE12-062E949FDDD7}"/>
+                  </a:ext>
+                </a:extLst>
+              </p:cNvPr>
+              <p:cNvSpPr txBox="1"/>
+              <p:nvPr/>
+            </p:nvSpPr>
+            <p:spPr>
+              <a:xfrm>
+                <a:off x="2733773" y="1368457"/>
+                <a:ext cx="2469822" cy="402931"/>
+              </a:xfrm>
+              <a:prstGeom prst="rect">
+                <a:avLst/>
+              </a:prstGeom>
+              <a:noFill/>
+            </p:spPr>
+            <p:txBody>
+              <a:bodyPr wrap="square" rtlCol="0">
+                <a:spAutoFit/>
+              </a:bodyPr>
+              <a:lstStyle/>
+              <a:p>
+                <a:r>
+                  <a:rPr lang="fr-FR" dirty="0"/>
+                  <a:t>Réflexion : </a:t>
+                </a:r>
+                <a14:m>
+                  <m:oMath xmlns:m="http://schemas.openxmlformats.org/officeDocument/2006/math">
+                    <m:acc>
+                      <m:accPr>
+                        <m:chr m:val="⃗"/>
+                        <m:ctrlPr>
+                          <a:rPr lang="fr-FR" i="1"/>
+                        </m:ctrlPr>
+                      </m:accPr>
+                      <m:e>
+                        <m:r>
+                          <a:rPr lang="fr-FR" i="1"/>
+                          <m:t>𝐸</m:t>
+                        </m:r>
+                      </m:e>
+                    </m:acc>
+                    <m:r>
+                      <a:rPr lang="fr-FR" i="1"/>
+                      <m:t>=</m:t>
+                    </m:r>
+                    <m:r>
+                      <a:rPr lang="fr-FR" b="0" i="1" smtClean="0">
+                        <a:latin typeface="Cambria Math" panose="02040503050406030204" pitchFamily="18" charset="0"/>
+                      </a:rPr>
+                      <m:t>𝐸</m:t>
+                    </m:r>
+                    <m:d>
+                      <m:dPr>
+                        <m:ctrlPr>
+                          <a:rPr lang="fr-FR" b="0" i="1">
+                            <a:latin typeface="Cambria Math" panose="02040503050406030204" pitchFamily="18" charset="0"/>
+                          </a:rPr>
+                        </m:ctrlPr>
+                      </m:dPr>
+                      <m:e>
+                        <m:r>
+                          <a:rPr lang="fr-FR" i="1"/>
+                          <m:t>𝑟</m:t>
+                        </m:r>
+                      </m:e>
+                    </m:d>
+                    <m:sSub>
+                      <m:sSubPr>
+                        <m:ctrlPr>
+                          <a:rPr lang="fr-FR" b="0" i="1" dirty="0" smtClean="0">
+                            <a:latin typeface="Cambria Math" panose="02040503050406030204" pitchFamily="18" charset="0"/>
+                          </a:rPr>
+                        </m:ctrlPr>
+                      </m:sSubPr>
+                      <m:e>
+                        <m:acc>
+                          <m:accPr>
+                            <m:chr m:val="⃗"/>
+                            <m:ctrlPr>
+                              <a:rPr lang="fr-FR" b="0" i="1" smtClean="0">
+                                <a:latin typeface="Cambria Math" panose="02040503050406030204" pitchFamily="18" charset="0"/>
+                              </a:rPr>
+                            </m:ctrlPr>
+                          </m:accPr>
+                          <m:e>
+                            <m:r>
+                              <a:rPr lang="fr-FR" b="0" i="1" smtClean="0">
+                                <a:latin typeface="Cambria Math" panose="02040503050406030204" pitchFamily="18" charset="0"/>
+                              </a:rPr>
+                              <m:t>𝑢</m:t>
+                            </m:r>
+                          </m:e>
+                        </m:acc>
+                      </m:e>
+                      <m:sub>
+                        <m:r>
+                          <a:rPr lang="fr-FR" b="0" i="1" dirty="0" smtClean="0">
+                            <a:latin typeface="Cambria Math" panose="02040503050406030204" pitchFamily="18" charset="0"/>
+                          </a:rPr>
+                          <m:t>𝑟</m:t>
+                        </m:r>
+                      </m:sub>
+                    </m:sSub>
+                  </m:oMath>
+                </a14:m>
+                <a:endParaRPr lang="fr-FR" dirty="0"/>
+              </a:p>
+            </p:txBody>
+          </p:sp>
+        </mc:Choice>
+        <mc:Fallback>
+          <p:sp>
+            <p:nvSpPr>
+              <p:cNvPr id="11" name="TextBox 10">
+                <a:extLst>
+                  <a:ext uri="{FF2B5EF4-FFF2-40B4-BE49-F238E27FC236}">
+                    <a16:creationId xmlns:a16="http://schemas.microsoft.com/office/drawing/2014/main" id="{3E066EDC-DA7B-40BC-AE12-062E949FDDD7}"/>
+                  </a:ext>
+                </a:extLst>
+              </p:cNvPr>
+              <p:cNvSpPr txBox="1">
+                <a:spLocks noRot="1" noChangeAspect="1" noMove="1" noResize="1" noEditPoints="1" noAdjustHandles="1" noChangeArrowheads="1" noChangeShapeType="1" noTextEdit="1"/>
+              </p:cNvSpPr>
+              <p:nvPr/>
+            </p:nvSpPr>
+            <p:spPr>
+              <a:xfrm>
+                <a:off x="2733773" y="1368457"/>
+                <a:ext cx="2469822" cy="402931"/>
+              </a:xfrm>
+              <a:prstGeom prst="rect">
+                <a:avLst/>
+              </a:prstGeom>
+              <a:blipFill>
+                <a:blip r:embed="rId4"/>
+                <a:stretch>
+                  <a:fillRect l="-1970" b="-22388"/>
+                </a:stretch>
+              </a:blipFill>
+            </p:spPr>
+            <p:txBody>
+              <a:bodyPr/>
+              <a:lstStyle/>
+              <a:p>
+                <a:r>
+                  <a:rPr lang="fr-FR">
+                    <a:noFill/>
+                  </a:rPr>
+                  <a:t> </a:t>
+                </a:r>
+              </a:p>
+            </p:txBody>
+          </p:sp>
+        </mc:Fallback>
+      </mc:AlternateContent>
+      <mc:AlternateContent xmlns:mc="http://schemas.openxmlformats.org/markup-compatibility/2006">
+        <mc:Choice xmlns:a14="http://schemas.microsoft.com/office/drawing/2010/main" Requires="a14">
+          <p:sp>
+            <p:nvSpPr>
+              <p:cNvPr id="14" name="TextBox 13">
+                <a:extLst>
+                  <a:ext uri="{FF2B5EF4-FFF2-40B4-BE49-F238E27FC236}">
+                    <a16:creationId xmlns:a16="http://schemas.microsoft.com/office/drawing/2014/main" id="{04F119EA-2ABF-4B57-8E18-6BAD4D53E1DE}"/>
+                  </a:ext>
+                </a:extLst>
+              </p:cNvPr>
+              <p:cNvSpPr txBox="1"/>
+              <p:nvPr/>
+            </p:nvSpPr>
+            <p:spPr>
+              <a:xfrm>
+                <a:off x="2733773" y="2114746"/>
+                <a:ext cx="3582186" cy="530530"/>
+              </a:xfrm>
+              <a:prstGeom prst="rect">
+                <a:avLst/>
+              </a:prstGeom>
+              <a:noFill/>
+            </p:spPr>
+            <p:txBody>
+              <a:bodyPr wrap="square" rtlCol="0">
+                <a:spAutoFit/>
+              </a:bodyPr>
+              <a:lstStyle/>
+              <a:p>
+                <a:r>
+                  <a:rPr lang="fr-FR" dirty="0"/>
+                  <a:t>Théorème de Gauss :</a:t>
+                </a:r>
+                <a14:m>
+                  <m:oMath xmlns:m="http://schemas.openxmlformats.org/officeDocument/2006/math">
+                    <m:r>
+                      <a:rPr lang="fr-FR" b="0" i="0" smtClean="0">
+                        <a:latin typeface="Cambria Math" panose="02040503050406030204" pitchFamily="18" charset="0"/>
+                      </a:rPr>
+                      <m:t> </m:t>
+                    </m:r>
+                    <m:acc>
+                      <m:accPr>
+                        <m:chr m:val="⃗"/>
+                        <m:ctrlPr>
+                          <a:rPr lang="fr-FR" i="1"/>
+                        </m:ctrlPr>
+                      </m:accPr>
+                      <m:e>
+                        <m:r>
+                          <a:rPr lang="fr-FR" b="0" i="1" smtClean="0">
+                            <a:latin typeface="Cambria Math" panose="02040503050406030204" pitchFamily="18" charset="0"/>
+                          </a:rPr>
+                          <m:t>𝐸</m:t>
+                        </m:r>
+                      </m:e>
+                    </m:acc>
+                    <m:r>
+                      <a:rPr lang="fr-FR" i="1"/>
+                      <m:t>=</m:t>
+                    </m:r>
+                    <m:f>
+                      <m:fPr>
+                        <m:ctrlPr>
+                          <a:rPr lang="fr-FR" i="1"/>
+                        </m:ctrlPr>
+                      </m:fPr>
+                      <m:num>
+                        <m:r>
+                          <a:rPr lang="fr-FR" i="1"/>
+                          <m:t>𝜆</m:t>
+                        </m:r>
+                      </m:num>
+                      <m:den>
+                        <m:r>
+                          <a:rPr lang="fr-FR" i="1"/>
+                          <m:t>2</m:t>
+                        </m:r>
+                        <m:r>
+                          <a:rPr lang="fr-FR" i="1"/>
+                          <m:t>𝜋</m:t>
+                        </m:r>
+                        <m:r>
+                          <a:rPr lang="fr-FR" i="1"/>
+                          <m:t>𝑟</m:t>
+                        </m:r>
+                        <m:sSub>
+                          <m:sSubPr>
+                            <m:ctrlPr>
+                              <a:rPr lang="fr-FR" i="1"/>
+                            </m:ctrlPr>
+                          </m:sSubPr>
+                          <m:e>
+                            <m:r>
+                              <a:rPr lang="fr-FR" i="1"/>
+                              <m:t>𝜖</m:t>
+                            </m:r>
+                          </m:e>
+                          <m:sub>
+                            <m:r>
+                              <a:rPr lang="fr-FR" i="1"/>
+                              <m:t>0</m:t>
+                            </m:r>
+                          </m:sub>
+                        </m:sSub>
+                      </m:den>
+                    </m:f>
+                    <m:sSub>
+                      <m:sSubPr>
+                        <m:ctrlPr>
+                          <a:rPr lang="fr-FR" i="1"/>
+                        </m:ctrlPr>
+                      </m:sSubPr>
+                      <m:e>
+                        <m:acc>
+                          <m:accPr>
+                            <m:chr m:val="⃗"/>
+                            <m:ctrlPr>
+                              <a:rPr lang="fr-FR" i="1"/>
+                            </m:ctrlPr>
+                          </m:accPr>
+                          <m:e>
+                            <m:r>
+                              <a:rPr lang="fr-FR" i="1"/>
+                              <m:t>𝑢</m:t>
+                            </m:r>
+                          </m:e>
+                        </m:acc>
+                      </m:e>
+                      <m:sub>
+                        <m:r>
+                          <a:rPr lang="fr-FR" i="1"/>
+                          <m:t>𝑟</m:t>
+                        </m:r>
+                      </m:sub>
+                    </m:sSub>
+                  </m:oMath>
+                </a14:m>
+                <a:endParaRPr lang="fr-FR" dirty="0"/>
+              </a:p>
+            </p:txBody>
+          </p:sp>
+        </mc:Choice>
+        <mc:Fallback>
+          <p:sp>
+            <p:nvSpPr>
+              <p:cNvPr id="14" name="TextBox 13">
+                <a:extLst>
+                  <a:ext uri="{FF2B5EF4-FFF2-40B4-BE49-F238E27FC236}">
+                    <a16:creationId xmlns:a16="http://schemas.microsoft.com/office/drawing/2014/main" id="{04F119EA-2ABF-4B57-8E18-6BAD4D53E1DE}"/>
+                  </a:ext>
+                </a:extLst>
+              </p:cNvPr>
+              <p:cNvSpPr txBox="1">
+                <a:spLocks noRot="1" noChangeAspect="1" noMove="1" noResize="1" noEditPoints="1" noAdjustHandles="1" noChangeArrowheads="1" noChangeShapeType="1" noTextEdit="1"/>
+              </p:cNvSpPr>
+              <p:nvPr/>
+            </p:nvSpPr>
+            <p:spPr>
+              <a:xfrm>
+                <a:off x="2733773" y="2114746"/>
+                <a:ext cx="3582186" cy="530530"/>
+              </a:xfrm>
+              <a:prstGeom prst="rect">
+                <a:avLst/>
+              </a:prstGeom>
+              <a:blipFill>
+                <a:blip r:embed="rId5"/>
+                <a:stretch>
+                  <a:fillRect l="-1361" b="-1149"/>
+                </a:stretch>
+              </a:blipFill>
+            </p:spPr>
+            <p:txBody>
+              <a:bodyPr/>
+              <a:lstStyle/>
+              <a:p>
+                <a:r>
+                  <a:rPr lang="fr-FR">
+                    <a:noFill/>
+                  </a:rPr>
+                  <a:t> </a:t>
+                </a:r>
+              </a:p>
+            </p:txBody>
+          </p:sp>
+        </mc:Fallback>
+      </mc:AlternateContent>
+    </p:spTree>
+    <p:extLst>
+      <p:ext uri="{BB962C8B-B14F-4D97-AF65-F5344CB8AC3E}">
+        <p14:creationId xmlns:p14="http://schemas.microsoft.com/office/powerpoint/2010/main" val="2645111221"/>
+      </p:ext>
+    </p:extLst>
+  </p:cSld>
+  <p:clrMapOvr>
+    <a:masterClrMapping/>
+  </p:clrMapOvr>
+</p:sld>
+</file>
+
+<file path=ppt/slides/slide4.xml><?xml version="1.0" encoding="utf-8"?>
+<p:sld xmlns:a="http://schemas.openxmlformats.org/drawingml/2006/main" xmlns:r="http://schemas.openxmlformats.org/officeDocument/2006/relationships" xmlns:p="http://schemas.openxmlformats.org/presentationml/2006/main">
+  <p:cSld>
+    <p:spTree>
+      <p:nvGrpSpPr>
+        <p:cNvPr id="1" name=""/>
+        <p:cNvGrpSpPr/>
+        <p:nvPr/>
+      </p:nvGrpSpPr>
+      <p:grpSpPr>
+        <a:xfrm>
+          <a:off x="0" y="0"/>
+          <a:ext cx="0" cy="0"/>
+          <a:chOff x="0" y="0"/>
+          <a:chExt cx="0" cy="0"/>
+        </a:xfrm>
+      </p:grpSpPr>
+      <p:pic>
+        <p:nvPicPr>
+          <p:cNvPr id="3" name="Picture 2" descr="A picture containing object, clock, meter&#10;&#10;Description automatically generated">
+            <a:extLst>
+              <a:ext uri="{FF2B5EF4-FFF2-40B4-BE49-F238E27FC236}">
+                <a16:creationId xmlns:a16="http://schemas.microsoft.com/office/drawing/2014/main" id="{54F9F93B-45B7-42AA-9ACE-6009D664AC08}"/>
+              </a:ext>
+            </a:extLst>
+          </p:cNvPr>
+          <p:cNvPicPr>
+            <a:picLocks noChangeAspect="1"/>
+          </p:cNvPicPr>
+          <p:nvPr/>
+        </p:nvPicPr>
+        <p:blipFill>
+          <a:blip r:embed="rId2">
+            <a:extLst>
+              <a:ext uri="{28A0092B-C50C-407E-A947-70E740481C1C}">
+                <a14:useLocalDpi xmlns:a14="http://schemas.microsoft.com/office/drawing/2010/main" val="0"/>
+              </a:ext>
+            </a:extLst>
+          </a:blip>
+          <a:stretch>
+            <a:fillRect/>
+          </a:stretch>
+        </p:blipFill>
+        <p:spPr>
+          <a:xfrm>
+            <a:off x="875613" y="1407392"/>
+            <a:ext cx="10572750" cy="3571875"/>
+          </a:xfrm>
+          <a:prstGeom prst="rect">
+            <a:avLst/>
+          </a:prstGeom>
+        </p:spPr>
+      </p:pic>
+      <p:cxnSp>
+        <p:nvCxnSpPr>
+          <p:cNvPr id="5" name="Straight Arrow Connector 4">
+            <a:extLst>
+              <a:ext uri="{FF2B5EF4-FFF2-40B4-BE49-F238E27FC236}">
+                <a16:creationId xmlns:a16="http://schemas.microsoft.com/office/drawing/2014/main" id="{C92A58E1-F51C-497C-9E1B-D9A620DD18EB}"/>
+              </a:ext>
+            </a:extLst>
+          </p:cNvPr>
+          <p:cNvCxnSpPr/>
+          <p:nvPr/>
+        </p:nvCxnSpPr>
+        <p:spPr>
+          <a:xfrm>
+            <a:off x="5524107" y="3836709"/>
+            <a:ext cx="1866507" cy="0"/>
+          </a:xfrm>
+          <a:prstGeom prst="straightConnector1">
+            <a:avLst/>
+          </a:prstGeom>
+          <a:ln w="28575">
+            <a:tailEnd type="triangle"/>
+          </a:ln>
+        </p:spPr>
+        <p:style>
+          <a:lnRef idx="1">
+            <a:schemeClr val="accent1"/>
+          </a:lnRef>
+          <a:fillRef idx="0">
+            <a:schemeClr val="accent1"/>
+          </a:fillRef>
+          <a:effectRef idx="0">
+            <a:schemeClr val="accent1"/>
+          </a:effectRef>
+          <a:fontRef idx="minor">
+            <a:schemeClr val="tx1"/>
+          </a:fontRef>
+        </p:style>
+      </p:cxnSp>
+      <mc:AlternateContent xmlns:mc="http://schemas.openxmlformats.org/markup-compatibility/2006">
+        <mc:Choice xmlns:a14="http://schemas.microsoft.com/office/drawing/2010/main" Requires="a14">
+          <p:sp>
+            <p:nvSpPr>
+              <p:cNvPr id="6" name="TextBox 5">
+                <a:extLst>
+                  <a:ext uri="{FF2B5EF4-FFF2-40B4-BE49-F238E27FC236}">
+                    <a16:creationId xmlns:a16="http://schemas.microsoft.com/office/drawing/2014/main" id="{3F2133E7-7A56-46F3-B54C-37933129E05B}"/>
+                  </a:ext>
+                </a:extLst>
+              </p:cNvPr>
+              <p:cNvSpPr txBox="1"/>
+              <p:nvPr/>
+            </p:nvSpPr>
+            <p:spPr>
+              <a:xfrm>
+                <a:off x="7340338" y="3506771"/>
+                <a:ext cx="1734532" cy="523798"/>
+              </a:xfrm>
+              <a:prstGeom prst="rect">
+                <a:avLst/>
+              </a:prstGeom>
+              <a:noFill/>
+            </p:spPr>
+            <p:txBody>
+              <a:bodyPr wrap="square" rtlCol="0">
+                <a:spAutoFit/>
+              </a:bodyPr>
+              <a:lstStyle/>
+              <a:p>
+                <a14:m>
+                  <m:oMathPara xmlns:m="http://schemas.openxmlformats.org/officeDocument/2006/math">
+                    <m:oMathParaPr>
+                      <m:jc m:val="centerGroup"/>
+                    </m:oMathParaPr>
+                    <m:oMath xmlns:m="http://schemas.openxmlformats.org/officeDocument/2006/math">
+                      <m:acc>
+                        <m:accPr>
+                          <m:chr m:val="⃗"/>
+                          <m:ctrlPr>
+                            <a:rPr lang="fr-FR" sz="2500" b="0" i="1" smtClean="0">
+                              <a:solidFill>
+                                <a:srgbClr val="0070C0"/>
+                              </a:solidFill>
+                              <a:latin typeface="Cambria Math" panose="02040503050406030204" pitchFamily="18" charset="0"/>
+                            </a:rPr>
+                          </m:ctrlPr>
+                        </m:accPr>
+                        <m:e>
+                          <m:r>
+                            <a:rPr lang="fr-FR" sz="2500" b="0" i="1" smtClean="0">
+                              <a:solidFill>
+                                <a:srgbClr val="0070C0"/>
+                              </a:solidFill>
+                              <a:latin typeface="Cambria Math" panose="02040503050406030204" pitchFamily="18" charset="0"/>
+                            </a:rPr>
+                            <m:t>𝐵</m:t>
+                          </m:r>
+                        </m:e>
+                      </m:acc>
+                      <m:r>
+                        <a:rPr lang="fr-FR" sz="2500" b="0" i="1" smtClean="0">
+                          <a:solidFill>
+                            <a:srgbClr val="0070C0"/>
+                          </a:solidFill>
+                          <a:latin typeface="Cambria Math" panose="02040503050406030204" pitchFamily="18" charset="0"/>
+                        </a:rPr>
+                        <m:t>=</m:t>
+                      </m:r>
+                      <m:sSub>
+                        <m:sSubPr>
+                          <m:ctrlPr>
+                            <a:rPr lang="fr-FR" sz="2500" b="0" i="1" smtClean="0">
+                              <a:solidFill>
+                                <a:srgbClr val="0070C0"/>
+                              </a:solidFill>
+                              <a:latin typeface="Cambria Math" panose="02040503050406030204" pitchFamily="18" charset="0"/>
+                            </a:rPr>
+                          </m:ctrlPr>
+                        </m:sSubPr>
+                        <m:e>
+                          <m:r>
+                            <a:rPr lang="fr-FR" sz="2500" b="0" i="1" smtClean="0">
+                              <a:solidFill>
+                                <a:srgbClr val="0070C0"/>
+                              </a:solidFill>
+                              <a:latin typeface="Cambria Math" panose="02040503050406030204" pitchFamily="18" charset="0"/>
+                            </a:rPr>
+                            <m:t>𝜇</m:t>
+                          </m:r>
+                        </m:e>
+                        <m:sub>
+                          <m:r>
+                            <a:rPr lang="fr-FR" sz="2500" b="0" i="1" smtClean="0">
+                              <a:solidFill>
+                                <a:srgbClr val="0070C0"/>
+                              </a:solidFill>
+                              <a:latin typeface="Cambria Math" panose="02040503050406030204" pitchFamily="18" charset="0"/>
+                            </a:rPr>
+                            <m:t>0</m:t>
+                          </m:r>
+                        </m:sub>
+                      </m:sSub>
+                      <m:r>
+                        <a:rPr lang="fr-FR" sz="2500" b="0" i="1" smtClean="0">
+                          <a:solidFill>
+                            <a:srgbClr val="0070C0"/>
+                          </a:solidFill>
+                          <a:latin typeface="Cambria Math" panose="02040503050406030204" pitchFamily="18" charset="0"/>
+                        </a:rPr>
+                        <m:t>𝑛𝐼</m:t>
+                      </m:r>
+                    </m:oMath>
+                  </m:oMathPara>
+                </a14:m>
+                <a:endParaRPr lang="fr-FR" sz="2500" dirty="0"/>
+              </a:p>
+            </p:txBody>
+          </p:sp>
+        </mc:Choice>
+        <mc:Fallback>
+          <p:sp>
+            <p:nvSpPr>
+              <p:cNvPr id="6" name="TextBox 5">
+                <a:extLst>
+                  <a:ext uri="{FF2B5EF4-FFF2-40B4-BE49-F238E27FC236}">
+                    <a16:creationId xmlns:a16="http://schemas.microsoft.com/office/drawing/2014/main" id="{3F2133E7-7A56-46F3-B54C-37933129E05B}"/>
+                  </a:ext>
+                </a:extLst>
+              </p:cNvPr>
+              <p:cNvSpPr txBox="1">
+                <a:spLocks noRot="1" noChangeAspect="1" noMove="1" noResize="1" noEditPoints="1" noAdjustHandles="1" noChangeArrowheads="1" noChangeShapeType="1" noTextEdit="1"/>
+              </p:cNvSpPr>
+              <p:nvPr/>
+            </p:nvSpPr>
+            <p:spPr>
+              <a:xfrm>
+                <a:off x="7340338" y="3506771"/>
+                <a:ext cx="1734532" cy="523798"/>
+              </a:xfrm>
+              <a:prstGeom prst="rect">
+                <a:avLst/>
+              </a:prstGeom>
+              <a:blipFill>
+                <a:blip r:embed="rId3"/>
+                <a:stretch>
+                  <a:fillRect/>
+                </a:stretch>
+              </a:blipFill>
+            </p:spPr>
+            <p:txBody>
+              <a:bodyPr/>
+              <a:lstStyle/>
+              <a:p>
+                <a:r>
+                  <a:rPr lang="fr-FR">
+                    <a:noFill/>
+                  </a:rPr>
+                  <a:t> </a:t>
+                </a:r>
+              </a:p>
+            </p:txBody>
+          </p:sp>
+        </mc:Fallback>
+      </mc:AlternateContent>
+      <mc:AlternateContent xmlns:mc="http://schemas.openxmlformats.org/markup-compatibility/2006">
+        <mc:Choice xmlns:a14="http://schemas.microsoft.com/office/drawing/2010/main" Requires="a14">
+          <p:sp>
+            <p:nvSpPr>
+              <p:cNvPr id="7" name="TextBox 6">
+                <a:extLst>
+                  <a:ext uri="{FF2B5EF4-FFF2-40B4-BE49-F238E27FC236}">
+                    <a16:creationId xmlns:a16="http://schemas.microsoft.com/office/drawing/2014/main" id="{9DCD648C-DBAB-476A-9BC0-6C64C5F5C498}"/>
+                  </a:ext>
+                </a:extLst>
+              </p:cNvPr>
+              <p:cNvSpPr txBox="1"/>
+              <p:nvPr/>
+            </p:nvSpPr>
+            <p:spPr>
+              <a:xfrm>
+                <a:off x="6161988" y="4979267"/>
+                <a:ext cx="1178350" cy="526298"/>
+              </a:xfrm>
+              <a:prstGeom prst="rect">
+                <a:avLst/>
+              </a:prstGeom>
+              <a:noFill/>
+            </p:spPr>
+            <p:txBody>
+              <a:bodyPr wrap="square" rtlCol="0">
+                <a:spAutoFit/>
+              </a:bodyPr>
+              <a:lstStyle/>
+              <a:p>
+                <a14:m>
+                  <m:oMathPara xmlns:m="http://schemas.openxmlformats.org/officeDocument/2006/math">
+                    <m:oMathParaPr>
+                      <m:jc m:val="centerGroup"/>
+                    </m:oMathParaPr>
+                    <m:oMath xmlns:m="http://schemas.openxmlformats.org/officeDocument/2006/math">
+                      <m:acc>
+                        <m:accPr>
+                          <m:chr m:val="⃗"/>
+                          <m:ctrlPr>
+                            <a:rPr lang="fr-FR" sz="2500" b="0" i="1" smtClean="0">
+                              <a:solidFill>
+                                <a:srgbClr val="0070C0"/>
+                              </a:solidFill>
+                              <a:latin typeface="Cambria Math" panose="02040503050406030204" pitchFamily="18" charset="0"/>
+                            </a:rPr>
+                          </m:ctrlPr>
+                        </m:accPr>
+                        <m:e>
+                          <m:r>
+                            <a:rPr lang="fr-FR" sz="2500" b="0" i="1" smtClean="0">
+                              <a:solidFill>
+                                <a:srgbClr val="0070C0"/>
+                              </a:solidFill>
+                              <a:latin typeface="Cambria Math" panose="02040503050406030204" pitchFamily="18" charset="0"/>
+                            </a:rPr>
+                            <m:t>𝐵</m:t>
+                          </m:r>
+                        </m:e>
+                      </m:acc>
+                      <m:r>
+                        <a:rPr lang="fr-FR" sz="2500" b="0" i="1" smtClean="0">
+                          <a:solidFill>
+                            <a:srgbClr val="0070C0"/>
+                          </a:solidFill>
+                          <a:latin typeface="Cambria Math" panose="02040503050406030204" pitchFamily="18" charset="0"/>
+                        </a:rPr>
+                        <m:t>=</m:t>
+                      </m:r>
+                      <m:acc>
+                        <m:accPr>
+                          <m:chr m:val="⃗"/>
+                          <m:ctrlPr>
+                            <a:rPr lang="fr-FR" sz="2500" b="0" i="1" smtClean="0">
+                              <a:solidFill>
+                                <a:srgbClr val="0070C0"/>
+                              </a:solidFill>
+                              <a:latin typeface="Cambria Math" panose="02040503050406030204" pitchFamily="18" charset="0"/>
+                            </a:rPr>
+                          </m:ctrlPr>
+                        </m:accPr>
+                        <m:e>
+                          <m:r>
+                            <a:rPr lang="fr-FR" sz="2500" b="0" i="1" smtClean="0">
+                              <a:solidFill>
+                                <a:srgbClr val="0070C0"/>
+                              </a:solidFill>
+                              <a:latin typeface="Cambria Math" panose="02040503050406030204" pitchFamily="18" charset="0"/>
+                            </a:rPr>
+                            <m:t>0</m:t>
+                          </m:r>
+                        </m:e>
+                      </m:acc>
+                    </m:oMath>
+                  </m:oMathPara>
+                </a14:m>
+                <a:endParaRPr lang="fr-FR" sz="2500" dirty="0">
+                  <a:solidFill>
+                    <a:srgbClr val="0070C0"/>
+                  </a:solidFill>
+                </a:endParaRPr>
+              </a:p>
+            </p:txBody>
+          </p:sp>
+        </mc:Choice>
+        <mc:Fallback>
+          <p:sp>
+            <p:nvSpPr>
+              <p:cNvPr id="7" name="TextBox 6">
+                <a:extLst>
+                  <a:ext uri="{FF2B5EF4-FFF2-40B4-BE49-F238E27FC236}">
+                    <a16:creationId xmlns:a16="http://schemas.microsoft.com/office/drawing/2014/main" id="{9DCD648C-DBAB-476A-9BC0-6C64C5F5C498}"/>
+                  </a:ext>
+                </a:extLst>
+              </p:cNvPr>
+              <p:cNvSpPr txBox="1">
+                <a:spLocks noRot="1" noChangeAspect="1" noMove="1" noResize="1" noEditPoints="1" noAdjustHandles="1" noChangeArrowheads="1" noChangeShapeType="1" noTextEdit="1"/>
+              </p:cNvSpPr>
+              <p:nvPr/>
+            </p:nvSpPr>
+            <p:spPr>
+              <a:xfrm>
+                <a:off x="6161988" y="4979267"/>
+                <a:ext cx="1178350" cy="526298"/>
+              </a:xfrm>
+              <a:prstGeom prst="rect">
+                <a:avLst/>
+              </a:prstGeom>
+              <a:blipFill>
+                <a:blip r:embed="rId4"/>
+                <a:stretch>
+                  <a:fillRect/>
+                </a:stretch>
+              </a:blipFill>
+            </p:spPr>
+            <p:txBody>
+              <a:bodyPr/>
+              <a:lstStyle/>
+              <a:p>
+                <a:r>
+                  <a:rPr lang="fr-FR">
+                    <a:noFill/>
+                  </a:rPr>
+                  <a:t> </a:t>
+                </a:r>
+              </a:p>
+            </p:txBody>
+          </p:sp>
+        </mc:Fallback>
+      </mc:AlternateContent>
+    </p:spTree>
+    <p:extLst>
+      <p:ext uri="{BB962C8B-B14F-4D97-AF65-F5344CB8AC3E}">
+        <p14:creationId xmlns:p14="http://schemas.microsoft.com/office/powerpoint/2010/main" val="1735962687"/>
+      </p:ext>
+    </p:extLst>
+  </p:cSld>
+  <p:clrMapOvr>
+    <a:masterClrMapping/>
+  </p:clrMapOvr>
+</p:sld>
+</file>
+
+<file path=ppt/slides/slide5.xml><?xml version="1.0" encoding="utf-8"?>
+<p:sld xmlns:a="http://schemas.openxmlformats.org/drawingml/2006/main" xmlns:r="http://schemas.openxmlformats.org/officeDocument/2006/relationships" xmlns:p="http://schemas.openxmlformats.org/presentationml/2006/main">
+  <p:cSld>
+    <p:spTree>
+      <p:nvGrpSpPr>
+        <p:cNvPr id="1" name=""/>
+        <p:cNvGrpSpPr/>
+        <p:nvPr/>
+      </p:nvGrpSpPr>
+      <p:grpSpPr>
+        <a:xfrm>
+          <a:off x="0" y="0"/>
+          <a:ext cx="0" cy="0"/>
+          <a:chOff x="0" y="0"/>
+          <a:chExt cx="0" cy="0"/>
+        </a:xfrm>
+      </p:grpSpPr>
+      <p:pic>
+        <p:nvPicPr>
+          <p:cNvPr id="2" name="Picture 1">
+            <a:extLst>
+              <a:ext uri="{FF2B5EF4-FFF2-40B4-BE49-F238E27FC236}">
+                <a16:creationId xmlns:a16="http://schemas.microsoft.com/office/drawing/2014/main" id="{BDF36908-0A4D-4643-B06B-61609C6E7095}"/>
+              </a:ext>
+            </a:extLst>
+          </p:cNvPr>
+          <p:cNvPicPr/>
+          <p:nvPr/>
+        </p:nvPicPr>
+        <p:blipFill>
+          <a:blip r:embed="rId2"/>
+          <a:stretch>
+            <a:fillRect/>
+          </a:stretch>
+        </p:blipFill>
+        <p:spPr>
+          <a:xfrm>
+            <a:off x="2924322" y="1800005"/>
+            <a:ext cx="6343356" cy="2629756"/>
+          </a:xfrm>
+          <a:prstGeom prst="rect">
+            <a:avLst/>
+          </a:prstGeom>
+        </p:spPr>
+      </p:pic>
+    </p:spTree>
+    <p:extLst>
+      <p:ext uri="{BB962C8B-B14F-4D97-AF65-F5344CB8AC3E}">
+        <p14:creationId xmlns:p14="http://schemas.microsoft.com/office/powerpoint/2010/main" val="3923035702"/>
+      </p:ext>
+    </p:extLst>
+  </p:cSld>
+  <p:clrMapOvr>
+    <a:masterClrMapping/>
+  </p:clrMapOvr>
+</p:sld>
+</file>
+
+<file path=ppt/slides/slide6.xml><?xml version="1.0" encoding="utf-8"?>
+<p:sld xmlns:a="http://schemas.openxmlformats.org/drawingml/2006/main" xmlns:r="http://schemas.openxmlformats.org/officeDocument/2006/relationships" xmlns:p="http://schemas.openxmlformats.org/presentationml/2006/main">
+  <p:cSld>
+    <p:spTree>
+      <p:nvGrpSpPr>
+        <p:cNvPr id="1" name=""/>
+        <p:cNvGrpSpPr/>
+        <p:nvPr/>
+      </p:nvGrpSpPr>
+      <p:grpSpPr>
+        <a:xfrm>
+          <a:off x="0" y="0"/>
+          <a:ext cx="0" cy="0"/>
+          <a:chOff x="0" y="0"/>
+          <a:chExt cx="0" cy="0"/>
+        </a:xfrm>
+      </p:grpSpPr>
+      <p:pic>
+        <p:nvPicPr>
+          <p:cNvPr id="2" name="Picture 1">
+            <a:extLst>
+              <a:ext uri="{FF2B5EF4-FFF2-40B4-BE49-F238E27FC236}">
+                <a16:creationId xmlns:a16="http://schemas.microsoft.com/office/drawing/2014/main" id="{AED2B3C2-74E7-49D0-A053-643CC631ACEA}"/>
+              </a:ext>
+            </a:extLst>
+          </p:cNvPr>
+          <p:cNvPicPr/>
+          <p:nvPr/>
+        </p:nvPicPr>
+        <p:blipFill>
+          <a:blip r:embed="rId2"/>
+          <a:stretch>
+            <a:fillRect/>
+          </a:stretch>
+        </p:blipFill>
+        <p:spPr>
+          <a:xfrm>
+            <a:off x="2976880" y="1117600"/>
+            <a:ext cx="6045200" cy="4318000"/>
+          </a:xfrm>
+          <a:prstGeom prst="rect">
+            <a:avLst/>
+          </a:prstGeom>
+        </p:spPr>
+      </p:pic>
+    </p:spTree>
+    <p:extLst>
+      <p:ext uri="{BB962C8B-B14F-4D97-AF65-F5344CB8AC3E}">
+        <p14:creationId xmlns:p14="http://schemas.microsoft.com/office/powerpoint/2010/main" val="1367046350"/>
+      </p:ext>
+    </p:extLst>
+  </p:cSld>
+  <p:clrMapOvr>
+    <a:masterClrMapping/>
+  </p:clrMapOvr>
+</p:sld>
+</file>
+
+<file path=ppt/slides/slide7.xml><?xml version="1.0" encoding="utf-8"?>
+<p:sld xmlns:a="http://schemas.openxmlformats.org/drawingml/2006/main" xmlns:r="http://schemas.openxmlformats.org/officeDocument/2006/relationships" xmlns:p="http://schemas.openxmlformats.org/presentationml/2006/main">
+  <p:cSld>
+    <p:spTree>
+      <p:nvGrpSpPr>
+        <p:cNvPr id="1" name=""/>
+        <p:cNvGrpSpPr/>
+        <p:nvPr/>
+      </p:nvGrpSpPr>
+      <p:grpSpPr>
+        <a:xfrm>
+          <a:off x="0" y="0"/>
+          <a:ext cx="0" cy="0"/>
+          <a:chOff x="0" y="0"/>
+          <a:chExt cx="0" cy="0"/>
+        </a:xfrm>
+      </p:grpSpPr>
+      <p:pic>
+        <p:nvPicPr>
+          <p:cNvPr id="2" name="Picture 1">
+            <a:extLst>
+              <a:ext uri="{FF2B5EF4-FFF2-40B4-BE49-F238E27FC236}">
+                <a16:creationId xmlns:a16="http://schemas.microsoft.com/office/drawing/2014/main" id="{12BBA07D-C06D-413A-8A64-B39279ECDF6F}"/>
+              </a:ext>
+            </a:extLst>
+          </p:cNvPr>
+          <p:cNvPicPr/>
+          <p:nvPr/>
+        </p:nvPicPr>
+        <p:blipFill>
+          <a:blip r:embed="rId2"/>
+          <a:stretch>
+            <a:fillRect/>
+          </a:stretch>
+        </p:blipFill>
+        <p:spPr>
+          <a:xfrm>
+            <a:off x="1744027" y="557530"/>
+            <a:ext cx="9005253" cy="4420870"/>
+          </a:xfrm>
+          <a:prstGeom prst="rect">
+            <a:avLst/>
+          </a:prstGeom>
+        </p:spPr>
+      </p:pic>
+    </p:spTree>
+    <p:extLst>
+      <p:ext uri="{BB962C8B-B14F-4D97-AF65-F5344CB8AC3E}">
+        <p14:creationId xmlns:p14="http://schemas.microsoft.com/office/powerpoint/2010/main" val="267061704"/>
+      </p:ext>
+    </p:extLst>
+  </p:cSld>
+  <p:clrMapOvr>
+    <a:masterClrMapping/>
+  </p:clrMapOvr>
+</p:sld>
+</file>
+
+<file path=ppt/slides/slide8.xml><?xml version="1.0" encoding="utf-8"?>
+<p:sld xmlns:a="http://schemas.openxmlformats.org/drawingml/2006/main" xmlns:r="http://schemas.openxmlformats.org/officeDocument/2006/relationships" xmlns:p="http://schemas.openxmlformats.org/presentationml/2006/main">
+  <p:cSld>
+    <p:spTree>
+      <p:nvGrpSpPr>
+        <p:cNvPr id="1" name=""/>
+        <p:cNvGrpSpPr/>
+        <p:nvPr/>
+      </p:nvGrpSpPr>
+      <p:grpSpPr>
+        <a:xfrm>
+          <a:off x="0" y="0"/>
+          <a:ext cx="0" cy="0"/>
+          <a:chOff x="0" y="0"/>
+          <a:chExt cx="0" cy="0"/>
+        </a:xfrm>
+      </p:grpSpPr>
+      <p:pic>
+        <p:nvPicPr>
+          <p:cNvPr id="3" name="Picture 2" descr="Two people posing for a photo&#10;&#10;Description automatically generated">
+            <a:extLst>
+              <a:ext uri="{FF2B5EF4-FFF2-40B4-BE49-F238E27FC236}">
+                <a16:creationId xmlns:a16="http://schemas.microsoft.com/office/drawing/2014/main" id="{4DBF4C5C-D4A8-450C-93FB-3D486C6D9898}"/>
+              </a:ext>
+            </a:extLst>
+          </p:cNvPr>
+          <p:cNvPicPr>
+            <a:picLocks noChangeAspect="1"/>
+          </p:cNvPicPr>
+          <p:nvPr/>
+        </p:nvPicPr>
+        <p:blipFill>
+          <a:blip r:embed="rId2">
+            <a:extLst>
+              <a:ext uri="{28A0092B-C50C-407E-A947-70E740481C1C}">
+                <a14:useLocalDpi xmlns:a14="http://schemas.microsoft.com/office/drawing/2010/main" val="0"/>
+              </a:ext>
+            </a:extLst>
+          </a:blip>
+          <a:stretch>
+            <a:fillRect/>
+          </a:stretch>
+        </p:blipFill>
+        <p:spPr>
+          <a:xfrm>
+            <a:off x="0" y="0"/>
+            <a:ext cx="4995439" cy="3911600"/>
+          </a:xfrm>
+          <a:prstGeom prst="rect">
+            <a:avLst/>
+          </a:prstGeom>
+        </p:spPr>
+      </p:pic>
+      <p:sp>
+        <p:nvSpPr>
+          <p:cNvPr id="4" name="TextBox 3">
+            <a:extLst>
+              <a:ext uri="{FF2B5EF4-FFF2-40B4-BE49-F238E27FC236}">
+                <a16:creationId xmlns:a16="http://schemas.microsoft.com/office/drawing/2014/main" id="{F459184B-CCF2-4B46-B65D-BA0A5FFEFC86}"/>
+              </a:ext>
+            </a:extLst>
+          </p:cNvPr>
+          <p:cNvSpPr txBox="1"/>
+          <p:nvPr/>
+        </p:nvSpPr>
+        <p:spPr>
+          <a:xfrm>
+            <a:off x="1209040" y="3911600"/>
+            <a:ext cx="2783840" cy="369332"/>
+          </a:xfrm>
+          <a:prstGeom prst="rect">
+            <a:avLst/>
+          </a:prstGeom>
+          <a:noFill/>
+        </p:spPr>
+        <p:txBody>
+          <a:bodyPr wrap="square" rtlCol="0">
+            <a:spAutoFit/>
+          </a:bodyPr>
+          <a:lstStyle/>
+          <a:p>
+            <a:r>
+              <a:rPr lang="fr-FR" dirty="0"/>
+              <a:t>Emmy </a:t>
+            </a:r>
+            <a:r>
+              <a:rPr lang="fr-FR" dirty="0" err="1"/>
+              <a:t>Nœther</a:t>
+            </a:r>
+            <a:r>
+              <a:rPr lang="fr-FR" dirty="0"/>
+              <a:t> (1882-1935) </a:t>
+            </a:r>
+          </a:p>
+        </p:txBody>
+      </p:sp>
+      <p:sp>
+        <p:nvSpPr>
+          <p:cNvPr id="5" name="TextBox 4">
+            <a:extLst>
+              <a:ext uri="{FF2B5EF4-FFF2-40B4-BE49-F238E27FC236}">
+                <a16:creationId xmlns:a16="http://schemas.microsoft.com/office/drawing/2014/main" id="{F31796C8-63B7-4A03-9F30-714F2AF24432}"/>
+              </a:ext>
+            </a:extLst>
+          </p:cNvPr>
+          <p:cNvSpPr txBox="1"/>
+          <p:nvPr/>
+        </p:nvSpPr>
+        <p:spPr>
+          <a:xfrm>
+            <a:off x="5384800" y="873760"/>
+            <a:ext cx="6339840" cy="646331"/>
+          </a:xfrm>
+          <a:prstGeom prst="rect">
+            <a:avLst/>
+          </a:prstGeom>
+        </p:spPr>
+        <p:style>
+          <a:lnRef idx="2">
+            <a:schemeClr val="dk1"/>
+          </a:lnRef>
+          <a:fillRef idx="1">
+            <a:schemeClr val="lt1"/>
+          </a:fillRef>
+          <a:effectRef idx="0">
+            <a:schemeClr val="dk1"/>
+          </a:effectRef>
+          <a:fontRef idx="minor">
+            <a:schemeClr val="dk1"/>
+          </a:fontRef>
+        </p:style>
+        <p:txBody>
+          <a:bodyPr wrap="square" rtlCol="0">
+            <a:spAutoFit/>
+          </a:bodyPr>
+          <a:lstStyle/>
+          <a:p>
+            <a:r>
+              <a:rPr lang="fr-FR" dirty="0"/>
+              <a:t>Théorème de </a:t>
+            </a:r>
+            <a:r>
+              <a:rPr lang="fr-FR" dirty="0" err="1"/>
+              <a:t>Nœther</a:t>
+            </a:r>
+            <a:r>
+              <a:rPr lang="fr-FR" dirty="0"/>
+              <a:t> (1918) : A toute </a:t>
+            </a:r>
+            <a:r>
+              <a:rPr lang="fr-FR" i="1" dirty="0"/>
+              <a:t>symétrie du lagrangien</a:t>
+            </a:r>
+            <a:r>
+              <a:rPr lang="fr-FR" dirty="0"/>
+              <a:t> correspond une quantité qui est conservée. </a:t>
+            </a:r>
+          </a:p>
+        </p:txBody>
+      </p:sp>
+      <mc:AlternateContent xmlns:mc="http://schemas.openxmlformats.org/markup-compatibility/2006">
+        <mc:Choice xmlns:a14="http://schemas.microsoft.com/office/drawing/2010/main" Requires="a14">
+          <p:sp>
+            <p:nvSpPr>
+              <p:cNvPr id="6" name="Rectangle 5">
+                <a:extLst>
+                  <a:ext uri="{FF2B5EF4-FFF2-40B4-BE49-F238E27FC236}">
+                    <a16:creationId xmlns:a16="http://schemas.microsoft.com/office/drawing/2014/main" id="{42D4255A-9967-4110-8EEF-44969968212B}"/>
                   </a:ext>
                 </a:extLst>
               </p:cNvPr>
@@ -3358,7 +6099,337 @@
             </p:nvSpPr>
             <p:spPr>
               <a:xfrm>
-                <a:off x="3048000" y="1896777"/>
+                <a:off x="7685147" y="2547691"/>
+                <a:ext cx="2320314" cy="848566"/>
+              </a:xfrm>
+              <a:prstGeom prst="rect">
+                <a:avLst/>
+              </a:prstGeom>
+            </p:spPr>
+            <p:txBody>
+              <a:bodyPr wrap="none">
+                <a:spAutoFit/>
+              </a:bodyPr>
+              <a:lstStyle/>
+              <a:p>
+                <a14:m>
+                  <m:oMathPara xmlns:m="http://schemas.openxmlformats.org/officeDocument/2006/math">
+                    <m:oMathParaPr>
+                      <m:jc m:val="centerGroup"/>
+                    </m:oMathParaPr>
+                    <m:oMath xmlns:m="http://schemas.openxmlformats.org/officeDocument/2006/math">
+                      <m:eqArr>
+                        <m:eqArrPr>
+                          <m:ctrlPr>
+                            <a:rPr lang="fr-FR" smtClean="0">
+                              <a:latin typeface="Cambria Math" panose="02040503050406030204" pitchFamily="18" charset="0"/>
+                            </a:rPr>
+                          </m:ctrlPr>
+                        </m:eqArrPr>
+                        <m:e>
+                          <m:r>
+                            <a:rPr lang="fr-FR">
+                              <a:latin typeface="Cambria Math" panose="02040503050406030204" pitchFamily="18" charset="0"/>
+                            </a:rPr>
+                            <m:t>&amp;</m:t>
+                          </m:r>
+                          <m:r>
+                            <a:rPr lang="fr-FR" i="1">
+                              <a:latin typeface="Cambria Math" panose="02040503050406030204" pitchFamily="18" charset="0"/>
+                            </a:rPr>
+                            <m:t>𝐼</m:t>
+                          </m:r>
+                          <m:r>
+                            <a:rPr lang="fr-FR" i="0">
+                              <a:latin typeface="Cambria Math" panose="02040503050406030204" pitchFamily="18" charset="0"/>
+                            </a:rPr>
+                            <m:t>= </m:t>
+                          </m:r>
+                          <m:nary>
+                            <m:naryPr>
+                              <m:chr m:val="∑"/>
+                              <m:limLoc m:val="undOvr"/>
+                              <m:ctrlPr>
+                                <a:rPr lang="fr-FR" i="1">
+                                  <a:latin typeface="Cambria Math" panose="02040503050406030204" pitchFamily="18" charset="0"/>
+                                </a:rPr>
+                              </m:ctrlPr>
+                            </m:naryPr>
+                            <m:sub>
+                              <m:r>
+                                <a:rPr lang="fr-FR" i="1">
+                                  <a:latin typeface="Cambria Math" panose="02040503050406030204" pitchFamily="18" charset="0"/>
+                                </a:rPr>
+                                <m:t>𝑖</m:t>
+                              </m:r>
+                              <m:r>
+                                <a:rPr lang="fr-FR" i="0">
+                                  <a:latin typeface="Cambria Math" panose="02040503050406030204" pitchFamily="18" charset="0"/>
+                                </a:rPr>
+                                <m:t>=</m:t>
+                              </m:r>
+                              <m:r>
+                                <a:rPr lang="fr-FR" i="0">
+                                  <a:latin typeface="Cambria Math" panose="02040503050406030204" pitchFamily="18" charset="0"/>
+                                </a:rPr>
+                                <m:t>1</m:t>
+                              </m:r>
+                            </m:sub>
+                            <m:sup>
+                              <m:r>
+                                <a:rPr lang="fr-FR" i="1">
+                                  <a:latin typeface="Cambria Math" panose="02040503050406030204" pitchFamily="18" charset="0"/>
+                                </a:rPr>
+                                <m:t>𝑛</m:t>
+                              </m:r>
+                            </m:sup>
+                            <m:e>
+                              <m:f>
+                                <m:fPr>
+                                  <m:ctrlPr>
+                                    <a:rPr lang="fr-FR" i="1">
+                                      <a:latin typeface="Cambria Math" panose="02040503050406030204" pitchFamily="18" charset="0"/>
+                                    </a:rPr>
+                                  </m:ctrlPr>
+                                </m:fPr>
+                                <m:num>
+                                  <m:r>
+                                    <a:rPr lang="fr-FR" i="0">
+                                      <a:latin typeface="Cambria Math" panose="02040503050406030204" pitchFamily="18" charset="0"/>
+                                    </a:rPr>
+                                    <m:t>∂</m:t>
+                                  </m:r>
+                                  <m:r>
+                                    <a:rPr lang="fr-FR" i="1">
+                                      <a:latin typeface="Cambria Math" panose="02040503050406030204" pitchFamily="18" charset="0"/>
+                                    </a:rPr>
+                                    <m:t>𝐿</m:t>
+                                  </m:r>
+                                </m:num>
+                                <m:den>
+                                  <m:r>
+                                    <a:rPr lang="fr-FR" i="0">
+                                      <a:latin typeface="Cambria Math" panose="02040503050406030204" pitchFamily="18" charset="0"/>
+                                    </a:rPr>
+                                    <m:t>∂</m:t>
+                                  </m:r>
+                                  <m:acc>
+                                    <m:accPr>
+                                      <m:chr m:val="̇"/>
+                                      <m:ctrlPr>
+                                        <a:rPr lang="fr-FR" i="1">
+                                          <a:latin typeface="Cambria Math" panose="02040503050406030204" pitchFamily="18" charset="0"/>
+                                        </a:rPr>
+                                      </m:ctrlPr>
+                                    </m:accPr>
+                                    <m:e>
+                                      <m:sSub>
+                                        <m:sSubPr>
+                                          <m:ctrlPr>
+                                            <a:rPr lang="fr-FR" i="1">
+                                              <a:latin typeface="Cambria Math" panose="02040503050406030204" pitchFamily="18" charset="0"/>
+                                            </a:rPr>
+                                          </m:ctrlPr>
+                                        </m:sSubPr>
+                                        <m:e>
+                                          <m:r>
+                                            <a:rPr lang="fr-FR" i="1">
+                                              <a:latin typeface="Cambria Math" panose="02040503050406030204" pitchFamily="18" charset="0"/>
+                                            </a:rPr>
+                                            <m:t>𝑞</m:t>
+                                          </m:r>
+                                        </m:e>
+                                        <m:sub>
+                                          <m:r>
+                                            <a:rPr lang="fr-FR" i="1">
+                                              <a:latin typeface="Cambria Math" panose="02040503050406030204" pitchFamily="18" charset="0"/>
+                                            </a:rPr>
+                                            <m:t>𝑖</m:t>
+                                          </m:r>
+                                        </m:sub>
+                                      </m:sSub>
+                                    </m:e>
+                                  </m:acc>
+                                </m:den>
+                              </m:f>
+                              <m:sSub>
+                                <m:sSubPr>
+                                  <m:ctrlPr>
+                                    <a:rPr lang="fr-FR" i="1">
+                                      <a:latin typeface="Cambria Math" panose="02040503050406030204" pitchFamily="18" charset="0"/>
+                                    </a:rPr>
+                                  </m:ctrlPr>
+                                </m:sSubPr>
+                                <m:e>
+                                  <m:d>
+                                    <m:dPr>
+                                      <m:ctrlPr>
+                                        <a:rPr lang="fr-FR" i="1">
+                                          <a:latin typeface="Cambria Math" panose="02040503050406030204" pitchFamily="18" charset="0"/>
+                                        </a:rPr>
+                                      </m:ctrlPr>
+                                    </m:dPr>
+                                    <m:e>
+                                      <m:f>
+                                        <m:fPr>
+                                          <m:ctrlPr>
+                                            <a:rPr lang="fr-FR" i="1">
+                                              <a:latin typeface="Cambria Math" panose="02040503050406030204" pitchFamily="18" charset="0"/>
+                                            </a:rPr>
+                                          </m:ctrlPr>
+                                        </m:fPr>
+                                        <m:num>
+                                          <m:r>
+                                            <a:rPr lang="fr-FR" i="0">
+                                              <a:latin typeface="Cambria Math" panose="02040503050406030204" pitchFamily="18" charset="0"/>
+                                            </a:rPr>
+                                            <m:t>∂</m:t>
+                                          </m:r>
+                                          <m:sSub>
+                                            <m:sSubPr>
+                                              <m:ctrlPr>
+                                                <a:rPr lang="fr-FR" i="1">
+                                                  <a:latin typeface="Cambria Math" panose="02040503050406030204" pitchFamily="18" charset="0"/>
+                                                </a:rPr>
+                                              </m:ctrlPr>
+                                            </m:sSubPr>
+                                            <m:e>
+                                              <m:r>
+                                                <a:rPr lang="fr-FR" i="1">
+                                                  <a:latin typeface="Cambria Math" panose="02040503050406030204" pitchFamily="18" charset="0"/>
+                                                </a:rPr>
+                                                <m:t>𝑞</m:t>
+                                              </m:r>
+                                            </m:e>
+                                            <m:sub>
+                                              <m:r>
+                                                <a:rPr lang="fr-FR" i="1">
+                                                  <a:latin typeface="Cambria Math" panose="02040503050406030204" pitchFamily="18" charset="0"/>
+                                                </a:rPr>
+                                                <m:t>𝑖</m:t>
+                                              </m:r>
+                                            </m:sub>
+                                          </m:sSub>
+                                        </m:num>
+                                        <m:den>
+                                          <m:r>
+                                            <a:rPr lang="fr-FR" i="0">
+                                              <a:latin typeface="Cambria Math" panose="02040503050406030204" pitchFamily="18" charset="0"/>
+                                            </a:rPr>
+                                            <m:t>∂</m:t>
+                                          </m:r>
+                                          <m:r>
+                                            <a:rPr lang="fr-FR" i="1">
+                                              <a:latin typeface="Cambria Math" panose="02040503050406030204" pitchFamily="18" charset="0"/>
+                                            </a:rPr>
+                                            <m:t>𝛼</m:t>
+                                          </m:r>
+                                        </m:den>
+                                      </m:f>
+                                    </m:e>
+                                  </m:d>
+                                </m:e>
+                                <m:sub>
+                                  <m:r>
+                                    <a:rPr lang="fr-FR" i="1">
+                                      <a:latin typeface="Cambria Math" panose="02040503050406030204" pitchFamily="18" charset="0"/>
+                                    </a:rPr>
+                                    <m:t>𝛼</m:t>
+                                  </m:r>
+                                  <m:r>
+                                    <a:rPr lang="fr-FR" i="0">
+                                      <a:latin typeface="Cambria Math" panose="02040503050406030204" pitchFamily="18" charset="0"/>
+                                    </a:rPr>
+                                    <m:t>=</m:t>
+                                  </m:r>
+                                  <m:r>
+                                    <a:rPr lang="fr-FR" i="0">
+                                      <a:latin typeface="Cambria Math" panose="02040503050406030204" pitchFamily="18" charset="0"/>
+                                    </a:rPr>
+                                    <m:t>0</m:t>
+                                  </m:r>
+                                </m:sub>
+                              </m:sSub>
+                            </m:e>
+                          </m:nary>
+                          <m:r>
+                            <a:rPr lang="fr-FR" i="0">
+                              <a:latin typeface="Cambria Math" panose="02040503050406030204" pitchFamily="18" charset="0"/>
+                            </a:rPr>
+                            <m:t>#</m:t>
+                          </m:r>
+                        </m:e>
+                      </m:eqArr>
+                    </m:oMath>
+                  </m:oMathPara>
+                </a14:m>
+                <a:endParaRPr lang="fr-FR" dirty="0"/>
+              </a:p>
+            </p:txBody>
+          </p:sp>
+        </mc:Choice>
+        <mc:Fallback>
+          <p:sp>
+            <p:nvSpPr>
+              <p:cNvPr id="6" name="Rectangle 5">
+                <a:extLst>
+                  <a:ext uri="{FF2B5EF4-FFF2-40B4-BE49-F238E27FC236}">
+                    <a16:creationId xmlns:a16="http://schemas.microsoft.com/office/drawing/2014/main" id="{42D4255A-9967-4110-8EEF-44969968212B}"/>
+                  </a:ext>
+                </a:extLst>
+              </p:cNvPr>
+              <p:cNvSpPr>
+                <a:spLocks noRot="1" noChangeAspect="1" noMove="1" noResize="1" noEditPoints="1" noAdjustHandles="1" noChangeArrowheads="1" noChangeShapeType="1" noTextEdit="1"/>
+              </p:cNvSpPr>
+              <p:nvPr/>
+            </p:nvSpPr>
+            <p:spPr>
+              <a:xfrm>
+                <a:off x="7685147" y="2547691"/>
+                <a:ext cx="2320314" cy="848566"/>
+              </a:xfrm>
+              <a:prstGeom prst="rect">
+                <a:avLst/>
+              </a:prstGeom>
+              <a:blipFill>
+                <a:blip r:embed="rId3"/>
+                <a:stretch>
+                  <a:fillRect/>
+                </a:stretch>
+              </a:blipFill>
+            </p:spPr>
+            <p:txBody>
+              <a:bodyPr/>
+              <a:lstStyle/>
+              <a:p>
+                <a:r>
+                  <a:rPr lang="fr-FR">
+                    <a:noFill/>
+                  </a:rPr>
+                  <a:t> </a:t>
+                </a:r>
+              </a:p>
+            </p:txBody>
+          </p:sp>
+        </mc:Fallback>
+      </mc:AlternateContent>
+      <mc:AlternateContent xmlns:mc="http://schemas.openxmlformats.org/markup-compatibility/2006">
+        <mc:Choice xmlns:a14="http://schemas.microsoft.com/office/drawing/2010/main" Requires="a14">
+          <p:sp>
+            <p:nvSpPr>
+              <p:cNvPr id="7" name="Rectangle 6">
+                <a:extLst>
+                  <a:ext uri="{FF2B5EF4-FFF2-40B4-BE49-F238E27FC236}">
+                    <a16:creationId xmlns:a16="http://schemas.microsoft.com/office/drawing/2014/main" id="{F741836F-BEA7-43DB-86DB-B8143B255B96}"/>
+                  </a:ext>
+                </a:extLst>
+              </p:cNvPr>
+              <p:cNvSpPr/>
+              <p:nvPr/>
+            </p:nvSpPr>
+            <p:spPr>
+              <a:xfrm>
+                <a:off x="5951621" y="4431603"/>
                 <a:ext cx="6096000" cy="1403269"/>
               </a:xfrm>
               <a:prstGeom prst="rect">
@@ -4101,10 +7172,10 @@
         <mc:Fallback>
           <p:sp>
             <p:nvSpPr>
-              <p:cNvPr id="5" name="Rectangle 4">
+              <p:cNvPr id="7" name="Rectangle 6">
                 <a:extLst>
                   <a:ext uri="{FF2B5EF4-FFF2-40B4-BE49-F238E27FC236}">
-                    <a16:creationId xmlns:a16="http://schemas.microsoft.com/office/drawing/2014/main" id="{10BA0093-168B-480F-B64D-7401AB544600}"/>
+                    <a16:creationId xmlns:a16="http://schemas.microsoft.com/office/drawing/2014/main" id="{F741836F-BEA7-43DB-86DB-B8143B255B96}"/>
                   </a:ext>
                 </a:extLst>
               </p:cNvPr>
@@ -4115,8 +7186,892 @@
             </p:nvSpPr>
             <p:spPr>
               <a:xfrm>
-                <a:off x="3048000" y="1896777"/>
+                <a:off x="5951621" y="4431603"/>
                 <a:ext cx="6096000" cy="1403269"/>
+              </a:xfrm>
+              <a:prstGeom prst="rect">
+                <a:avLst/>
+              </a:prstGeom>
+              <a:blipFill>
+                <a:blip r:embed="rId4"/>
+                <a:stretch>
+                  <a:fillRect l="-600" t="-2609"/>
+                </a:stretch>
+              </a:blipFill>
+            </p:spPr>
+            <p:txBody>
+              <a:bodyPr/>
+              <a:lstStyle/>
+              <a:p>
+                <a:r>
+                  <a:rPr lang="fr-FR">
+                    <a:noFill/>
+                  </a:rPr>
+                  <a:t> </a:t>
+                </a:r>
+              </a:p>
+            </p:txBody>
+          </p:sp>
+        </mc:Fallback>
+      </mc:AlternateContent>
+      <p:sp>
+        <p:nvSpPr>
+          <p:cNvPr id="8" name="TextBox 7">
+            <a:extLst>
+              <a:ext uri="{FF2B5EF4-FFF2-40B4-BE49-F238E27FC236}">
+                <a16:creationId xmlns:a16="http://schemas.microsoft.com/office/drawing/2014/main" id="{7C0A69E2-1F2F-422F-A453-53B4EA027C17}"/>
+              </a:ext>
+            </a:extLst>
+          </p:cNvPr>
+          <p:cNvSpPr txBox="1"/>
+          <p:nvPr/>
+        </p:nvSpPr>
+        <p:spPr>
+          <a:xfrm>
+            <a:off x="5951621" y="3901512"/>
+            <a:ext cx="4053840" cy="369332"/>
+          </a:xfrm>
+          <a:prstGeom prst="rect">
+            <a:avLst/>
+          </a:prstGeom>
+          <a:noFill/>
+        </p:spPr>
+        <p:txBody>
+          <a:bodyPr wrap="square" rtlCol="0">
+            <a:spAutoFit/>
+          </a:bodyPr>
+          <a:lstStyle/>
+          <a:p>
+            <a:r>
+              <a:rPr lang="fr-FR" b="1" dirty="0"/>
+              <a:t>Exemple de Transformation continue </a:t>
+            </a:r>
+            <a:r>
+              <a:rPr lang="fr-FR" dirty="0"/>
+              <a:t>: </a:t>
+            </a:r>
+          </a:p>
+        </p:txBody>
+      </p:sp>
+      <p:sp>
+        <p:nvSpPr>
+          <p:cNvPr id="9" name="Rectangle 8">
+            <a:extLst>
+              <a:ext uri="{FF2B5EF4-FFF2-40B4-BE49-F238E27FC236}">
+                <a16:creationId xmlns:a16="http://schemas.microsoft.com/office/drawing/2014/main" id="{030E44EB-41E8-4CCD-8DD1-88CA428A1E07}"/>
+              </a:ext>
+            </a:extLst>
+          </p:cNvPr>
+          <p:cNvSpPr/>
+          <p:nvPr/>
+        </p:nvSpPr>
+        <p:spPr>
+          <a:xfrm>
+            <a:off x="5384800" y="1691153"/>
+            <a:ext cx="6339840" cy="646331"/>
+          </a:xfrm>
+          <a:prstGeom prst="rect">
+            <a:avLst/>
+          </a:prstGeom>
+        </p:spPr>
+        <p:txBody>
+          <a:bodyPr wrap="square">
+            <a:spAutoFit/>
+          </a:bodyPr>
+          <a:lstStyle/>
+          <a:p>
+            <a:r>
+              <a:rPr lang="fr-FR" b="1" dirty="0"/>
+              <a:t>Autre formulation </a:t>
+            </a:r>
+            <a:r>
+              <a:rPr lang="fr-FR" dirty="0"/>
+              <a:t>: A toute transformation infinitésimale qui laisse le lagrangien invariant est associée une grandeur conservée. </a:t>
+            </a:r>
+          </a:p>
+        </p:txBody>
+      </p:sp>
+    </p:spTree>
+    <p:extLst>
+      <p:ext uri="{BB962C8B-B14F-4D97-AF65-F5344CB8AC3E}">
+        <p14:creationId xmlns:p14="http://schemas.microsoft.com/office/powerpoint/2010/main" val="1284020439"/>
+      </p:ext>
+    </p:extLst>
+  </p:cSld>
+  <p:clrMapOvr>
+    <a:masterClrMapping/>
+  </p:clrMapOvr>
+</p:sld>
+</file>
+
+<file path=ppt/slides/slide9.xml><?xml version="1.0" encoding="utf-8"?>
+<p:sld xmlns:a="http://schemas.openxmlformats.org/drawingml/2006/main" xmlns:r="http://schemas.openxmlformats.org/officeDocument/2006/relationships" xmlns:p="http://schemas.openxmlformats.org/presentationml/2006/main">
+  <p:cSld>
+    <p:spTree>
+      <p:nvGrpSpPr>
+        <p:cNvPr id="1" name=""/>
+        <p:cNvGrpSpPr/>
+        <p:nvPr/>
+      </p:nvGrpSpPr>
+      <p:grpSpPr>
+        <a:xfrm>
+          <a:off x="0" y="0"/>
+          <a:ext cx="0" cy="0"/>
+          <a:chOff x="0" y="0"/>
+          <a:chExt cx="0" cy="0"/>
+        </a:xfrm>
+      </p:grpSpPr>
+      <mc:AlternateContent xmlns:mc="http://schemas.openxmlformats.org/markup-compatibility/2006">
+        <mc:Choice xmlns:a14="http://schemas.microsoft.com/office/drawing/2010/main" Requires="a14">
+          <p:sp>
+            <p:nvSpPr>
+              <p:cNvPr id="2" name="Rectangle 1">
+                <a:extLst>
+                  <a:ext uri="{FF2B5EF4-FFF2-40B4-BE49-F238E27FC236}">
+                    <a16:creationId xmlns:a16="http://schemas.microsoft.com/office/drawing/2014/main" id="{E0C0CCFB-BF4D-45DC-A8C4-DC9DE467DC2F}"/>
+                  </a:ext>
+                </a:extLst>
+              </p:cNvPr>
+              <p:cNvSpPr/>
+              <p:nvPr/>
+            </p:nvSpPr>
+            <p:spPr>
+              <a:xfrm>
+                <a:off x="538480" y="1181231"/>
+                <a:ext cx="11277600" cy="3620543"/>
+              </a:xfrm>
+              <a:prstGeom prst="rect">
+                <a:avLst/>
+              </a:prstGeom>
+            </p:spPr>
+            <p:txBody>
+              <a:bodyPr wrap="square">
+                <a:spAutoFit/>
+              </a:bodyPr>
+              <a:lstStyle/>
+              <a:p>
+                <a:r>
+                  <a:rPr lang="fr-FR" dirty="0">
+                    <a:latin typeface="Calibri" panose="020F0502020204030204" pitchFamily="34" charset="0"/>
+                    <a:ea typeface="Calibri" panose="020F0502020204030204" pitchFamily="34" charset="0"/>
+                    <a:cs typeface="Times New Roman" panose="02020603050405020304" pitchFamily="18" charset="0"/>
+                  </a:rPr>
+                  <a:t>Une particule libre (</a:t>
+                </a:r>
+                <a:r>
+                  <a:rPr lang="fr-FR" dirty="0" err="1">
+                    <a:latin typeface="Calibri" panose="020F0502020204030204" pitchFamily="34" charset="0"/>
+                    <a:ea typeface="Calibri" panose="020F0502020204030204" pitchFamily="34" charset="0"/>
+                    <a:cs typeface="Times New Roman" panose="02020603050405020304" pitchFamily="18" charset="0"/>
+                  </a:rPr>
+                  <a:t>ie</a:t>
+                </a:r>
+                <a:r>
+                  <a:rPr lang="fr-FR" dirty="0">
+                    <a:latin typeface="Calibri" panose="020F0502020204030204" pitchFamily="34" charset="0"/>
+                    <a:ea typeface="Calibri" panose="020F0502020204030204" pitchFamily="34" charset="0"/>
+                    <a:cs typeface="Times New Roman" panose="02020603050405020304" pitchFamily="18" charset="0"/>
+                  </a:rPr>
+                  <a:t> n’étant soumise à aucun champ extérieur).</a:t>
+                </a:r>
+              </a:p>
+              <a:p>
+                <a:endParaRPr lang="fr-FR" dirty="0">
+                  <a:latin typeface="Calibri" panose="020F0502020204030204" pitchFamily="34" charset="0"/>
+                  <a:ea typeface="Calibri" panose="020F0502020204030204" pitchFamily="34" charset="0"/>
+                  <a:cs typeface="Times New Roman" panose="02020603050405020304" pitchFamily="18" charset="0"/>
+                </a:endParaRPr>
+              </a:p>
+              <a:p>
+                <a14:m>
+                  <m:oMath xmlns:m="http://schemas.openxmlformats.org/officeDocument/2006/math">
+                    <m:r>
+                      <a:rPr lang="fr-FR" i="1">
+                        <a:latin typeface="Cambria Math" panose="02040503050406030204" pitchFamily="18" charset="0"/>
+                        <a:ea typeface="Calibri" panose="020F0502020204030204" pitchFamily="34" charset="0"/>
+                        <a:cs typeface="Times New Roman" panose="02020603050405020304" pitchFamily="18" charset="0"/>
+                      </a:rPr>
+                      <m:t>𝐿</m:t>
+                    </m:r>
+                    <m:r>
+                      <a:rPr lang="fr-FR" i="1">
+                        <a:latin typeface="Cambria Math" panose="02040503050406030204" pitchFamily="18" charset="0"/>
+                        <a:ea typeface="Calibri" panose="020F0502020204030204" pitchFamily="34" charset="0"/>
+                        <a:cs typeface="Times New Roman" panose="02020603050405020304" pitchFamily="18" charset="0"/>
+                      </a:rPr>
+                      <m:t>=</m:t>
+                    </m:r>
+                    <m:sSub>
+                      <m:sSubPr>
+                        <m:ctrlPr>
+                          <a:rPr lang="fr-FR" b="0" i="1" smtClean="0">
+                            <a:latin typeface="Cambria Math" panose="02040503050406030204" pitchFamily="18" charset="0"/>
+                            <a:ea typeface="Calibri" panose="020F0502020204030204" pitchFamily="34" charset="0"/>
+                            <a:cs typeface="Times New Roman" panose="02020603050405020304" pitchFamily="18" charset="0"/>
+                          </a:rPr>
+                        </m:ctrlPr>
+                      </m:sSubPr>
+                      <m:e>
+                        <m:r>
+                          <a:rPr lang="fr-FR" b="0" i="1" smtClean="0">
+                            <a:latin typeface="Cambria Math" panose="02040503050406030204" pitchFamily="18" charset="0"/>
+                            <a:ea typeface="Calibri" panose="020F0502020204030204" pitchFamily="34" charset="0"/>
+                            <a:cs typeface="Times New Roman" panose="02020603050405020304" pitchFamily="18" charset="0"/>
+                          </a:rPr>
+                          <m:t>𝐸</m:t>
+                        </m:r>
+                      </m:e>
+                      <m:sub>
+                        <m:r>
+                          <a:rPr lang="fr-FR" b="0" i="1" smtClean="0">
+                            <a:latin typeface="Cambria Math" panose="02040503050406030204" pitchFamily="18" charset="0"/>
+                            <a:ea typeface="Calibri" panose="020F0502020204030204" pitchFamily="34" charset="0"/>
+                            <a:cs typeface="Times New Roman" panose="02020603050405020304" pitchFamily="18" charset="0"/>
+                          </a:rPr>
+                          <m:t>𝑐</m:t>
+                        </m:r>
+                      </m:sub>
+                    </m:sSub>
+                    <m:r>
+                      <a:rPr lang="fr-FR" b="0" i="1" smtClean="0">
+                        <a:latin typeface="Cambria Math" panose="02040503050406030204" pitchFamily="18" charset="0"/>
+                        <a:ea typeface="Calibri" panose="020F0502020204030204" pitchFamily="34" charset="0"/>
+                        <a:cs typeface="Times New Roman" panose="02020603050405020304" pitchFamily="18" charset="0"/>
+                      </a:rPr>
+                      <m:t>−</m:t>
+                    </m:r>
+                    <m:sSub>
+                      <m:sSubPr>
+                        <m:ctrlPr>
+                          <a:rPr lang="fr-FR" b="0" i="1" smtClean="0">
+                            <a:latin typeface="Cambria Math" panose="02040503050406030204" pitchFamily="18" charset="0"/>
+                            <a:ea typeface="Calibri" panose="020F0502020204030204" pitchFamily="34" charset="0"/>
+                            <a:cs typeface="Times New Roman" panose="02020603050405020304" pitchFamily="18" charset="0"/>
+                          </a:rPr>
+                        </m:ctrlPr>
+                      </m:sSubPr>
+                      <m:e>
+                        <m:r>
+                          <a:rPr lang="fr-FR" b="0" i="1" smtClean="0">
+                            <a:latin typeface="Cambria Math" panose="02040503050406030204" pitchFamily="18" charset="0"/>
+                            <a:ea typeface="Calibri" panose="020F0502020204030204" pitchFamily="34" charset="0"/>
+                            <a:cs typeface="Times New Roman" panose="02020603050405020304" pitchFamily="18" charset="0"/>
+                          </a:rPr>
+                          <m:t>𝐸</m:t>
+                        </m:r>
+                      </m:e>
+                      <m:sub>
+                        <m:r>
+                          <a:rPr lang="fr-FR" b="0" i="1" smtClean="0">
+                            <a:latin typeface="Cambria Math" panose="02040503050406030204" pitchFamily="18" charset="0"/>
+                            <a:ea typeface="Calibri" panose="020F0502020204030204" pitchFamily="34" charset="0"/>
+                            <a:cs typeface="Times New Roman" panose="02020603050405020304" pitchFamily="18" charset="0"/>
+                          </a:rPr>
+                          <m:t>𝑝</m:t>
+                        </m:r>
+                      </m:sub>
+                    </m:sSub>
+                    <m:r>
+                      <a:rPr lang="fr-FR" b="0" i="1" smtClean="0">
+                        <a:latin typeface="Cambria Math" panose="02040503050406030204" pitchFamily="18" charset="0"/>
+                        <a:ea typeface="Calibri" panose="020F0502020204030204" pitchFamily="34" charset="0"/>
+                        <a:cs typeface="Times New Roman" panose="02020603050405020304" pitchFamily="18" charset="0"/>
+                      </a:rPr>
+                      <m:t>=</m:t>
+                    </m:r>
+                    <m:f>
+                      <m:fPr>
+                        <m:ctrlPr>
+                          <a:rPr lang="fr-FR" i="1">
+                            <a:effectLst/>
+                            <a:latin typeface="Cambria Math" panose="02040503050406030204" pitchFamily="18" charset="0"/>
+                          </a:rPr>
+                        </m:ctrlPr>
+                      </m:fPr>
+                      <m:num>
+                        <m:r>
+                          <a:rPr lang="fr-FR" i="1">
+                            <a:latin typeface="Cambria Math" panose="02040503050406030204" pitchFamily="18" charset="0"/>
+                            <a:ea typeface="Calibri" panose="020F0502020204030204" pitchFamily="34" charset="0"/>
+                            <a:cs typeface="Times New Roman" panose="02020603050405020304" pitchFamily="18" charset="0"/>
+                          </a:rPr>
+                          <m:t>1</m:t>
+                        </m:r>
+                      </m:num>
+                      <m:den>
+                        <m:r>
+                          <a:rPr lang="fr-FR" i="1">
+                            <a:latin typeface="Cambria Math" panose="02040503050406030204" pitchFamily="18" charset="0"/>
+                            <a:ea typeface="Calibri" panose="020F0502020204030204" pitchFamily="34" charset="0"/>
+                            <a:cs typeface="Times New Roman" panose="02020603050405020304" pitchFamily="18" charset="0"/>
+                          </a:rPr>
+                          <m:t>2</m:t>
+                        </m:r>
+                      </m:den>
+                    </m:f>
+                    <m:r>
+                      <a:rPr lang="fr-FR" i="1">
+                        <a:latin typeface="Cambria Math" panose="02040503050406030204" pitchFamily="18" charset="0"/>
+                        <a:ea typeface="Calibri" panose="020F0502020204030204" pitchFamily="34" charset="0"/>
+                        <a:cs typeface="Times New Roman" panose="02020603050405020304" pitchFamily="18" charset="0"/>
+                      </a:rPr>
+                      <m:t>𝑚</m:t>
+                    </m:r>
+                    <m:r>
+                      <a:rPr lang="fr-FR" b="0" i="1" smtClean="0">
+                        <a:latin typeface="Cambria Math" panose="02040503050406030204" pitchFamily="18" charset="0"/>
+                        <a:ea typeface="Calibri" panose="020F0502020204030204" pitchFamily="34" charset="0"/>
+                        <a:cs typeface="Times New Roman" panose="02020603050405020304" pitchFamily="18" charset="0"/>
+                      </a:rPr>
+                      <m:t>(</m:t>
+                    </m:r>
+                    <m:sSup>
+                      <m:sSupPr>
+                        <m:ctrlPr>
+                          <a:rPr lang="fr-FR" i="1">
+                            <a:effectLst/>
+                            <a:latin typeface="Cambria Math" panose="02040503050406030204" pitchFamily="18" charset="0"/>
+                          </a:rPr>
+                        </m:ctrlPr>
+                      </m:sSupPr>
+                      <m:e>
+                        <m:acc>
+                          <m:accPr>
+                            <m:chr m:val="̇"/>
+                            <m:ctrlPr>
+                              <a:rPr lang="fr-FR" b="0" i="1" smtClean="0">
+                                <a:effectLst/>
+                                <a:latin typeface="Cambria Math" panose="02040503050406030204" pitchFamily="18" charset="0"/>
+                              </a:rPr>
+                            </m:ctrlPr>
+                          </m:accPr>
+                          <m:e>
+                            <m:r>
+                              <a:rPr lang="fr-FR" b="0" i="1" smtClean="0">
+                                <a:effectLst/>
+                                <a:latin typeface="Cambria Math" panose="02040503050406030204" pitchFamily="18" charset="0"/>
+                              </a:rPr>
+                              <m:t>𝑥</m:t>
+                            </m:r>
+                          </m:e>
+                        </m:acc>
+                      </m:e>
+                      <m:sup>
+                        <m:r>
+                          <a:rPr lang="fr-FR" i="1">
+                            <a:latin typeface="Cambria Math" panose="02040503050406030204" pitchFamily="18" charset="0"/>
+                            <a:ea typeface="Calibri" panose="020F0502020204030204" pitchFamily="34" charset="0"/>
+                            <a:cs typeface="Times New Roman" panose="02020603050405020304" pitchFamily="18" charset="0"/>
+                          </a:rPr>
+                          <m:t>2</m:t>
+                        </m:r>
+                      </m:sup>
+                    </m:sSup>
+                    <m:r>
+                      <a:rPr lang="fr-FR" b="0" i="0" smtClean="0">
+                        <a:latin typeface="Cambria Math" panose="02040503050406030204" pitchFamily="18" charset="0"/>
+                        <a:ea typeface="Calibri" panose="020F0502020204030204" pitchFamily="34" charset="0"/>
+                        <a:cs typeface="Times New Roman" panose="02020603050405020304" pitchFamily="18" charset="0"/>
+                      </a:rPr>
+                      <m:t>+</m:t>
+                    </m:r>
+                    <m:sSup>
+                      <m:sSupPr>
+                        <m:ctrlPr>
+                          <a:rPr lang="fr-FR" b="0" i="0" smtClean="0">
+                            <a:latin typeface="Cambria Math" panose="02040503050406030204" pitchFamily="18" charset="0"/>
+                            <a:ea typeface="Calibri" panose="020F0502020204030204" pitchFamily="34" charset="0"/>
+                            <a:cs typeface="Times New Roman" panose="02020603050405020304" pitchFamily="18" charset="0"/>
+                          </a:rPr>
+                        </m:ctrlPr>
+                      </m:sSupPr>
+                      <m:e>
+                        <m:acc>
+                          <m:accPr>
+                            <m:chr m:val="̇"/>
+                            <m:ctrlPr>
+                              <a:rPr lang="fr-FR" b="0" i="1" smtClean="0">
+                                <a:latin typeface="Cambria Math" panose="02040503050406030204" pitchFamily="18" charset="0"/>
+                                <a:ea typeface="Calibri" panose="020F0502020204030204" pitchFamily="34" charset="0"/>
+                                <a:cs typeface="Times New Roman" panose="02020603050405020304" pitchFamily="18" charset="0"/>
+                              </a:rPr>
+                            </m:ctrlPr>
+                          </m:accPr>
+                          <m:e>
+                            <m:r>
+                              <m:rPr>
+                                <m:sty m:val="p"/>
+                              </m:rPr>
+                              <a:rPr lang="fr-FR" b="0" i="0" smtClean="0">
+                                <a:latin typeface="Cambria Math" panose="02040503050406030204" pitchFamily="18" charset="0"/>
+                                <a:ea typeface="Calibri" panose="020F0502020204030204" pitchFamily="34" charset="0"/>
+                                <a:cs typeface="Times New Roman" panose="02020603050405020304" pitchFamily="18" charset="0"/>
+                              </a:rPr>
+                              <m:t>y</m:t>
+                            </m:r>
+                          </m:e>
+                        </m:acc>
+                      </m:e>
+                      <m:sup>
+                        <m:r>
+                          <a:rPr lang="fr-FR" b="0" i="0" smtClean="0">
+                            <a:latin typeface="Cambria Math" panose="02040503050406030204" pitchFamily="18" charset="0"/>
+                            <a:ea typeface="Calibri" panose="020F0502020204030204" pitchFamily="34" charset="0"/>
+                            <a:cs typeface="Times New Roman" panose="02020603050405020304" pitchFamily="18" charset="0"/>
+                          </a:rPr>
+                          <m:t>2</m:t>
+                        </m:r>
+                      </m:sup>
+                    </m:sSup>
+                    <m:r>
+                      <a:rPr lang="fr-FR" b="0" i="0" smtClean="0">
+                        <a:latin typeface="Cambria Math" panose="02040503050406030204" pitchFamily="18" charset="0"/>
+                        <a:ea typeface="Calibri" panose="020F0502020204030204" pitchFamily="34" charset="0"/>
+                        <a:cs typeface="Times New Roman" panose="02020603050405020304" pitchFamily="18" charset="0"/>
+                      </a:rPr>
+                      <m:t>+</m:t>
+                    </m:r>
+                    <m:sSup>
+                      <m:sSupPr>
+                        <m:ctrlPr>
+                          <a:rPr lang="fr-FR" b="0" i="0" smtClean="0">
+                            <a:latin typeface="Cambria Math" panose="02040503050406030204" pitchFamily="18" charset="0"/>
+                            <a:ea typeface="Calibri" panose="020F0502020204030204" pitchFamily="34" charset="0"/>
+                            <a:cs typeface="Times New Roman" panose="02020603050405020304" pitchFamily="18" charset="0"/>
+                          </a:rPr>
+                        </m:ctrlPr>
+                      </m:sSupPr>
+                      <m:e>
+                        <m:acc>
+                          <m:accPr>
+                            <m:chr m:val="̇"/>
+                            <m:ctrlPr>
+                              <a:rPr lang="fr-FR" b="0" i="1" smtClean="0">
+                                <a:latin typeface="Cambria Math" panose="02040503050406030204" pitchFamily="18" charset="0"/>
+                                <a:ea typeface="Calibri" panose="020F0502020204030204" pitchFamily="34" charset="0"/>
+                                <a:cs typeface="Times New Roman" panose="02020603050405020304" pitchFamily="18" charset="0"/>
+                              </a:rPr>
+                            </m:ctrlPr>
+                          </m:accPr>
+                          <m:e>
+                            <m:r>
+                              <m:rPr>
+                                <m:sty m:val="p"/>
+                              </m:rPr>
+                              <a:rPr lang="fr-FR" b="0" i="0" smtClean="0">
+                                <a:latin typeface="Cambria Math" panose="02040503050406030204" pitchFamily="18" charset="0"/>
+                                <a:ea typeface="Calibri" panose="020F0502020204030204" pitchFamily="34" charset="0"/>
+                                <a:cs typeface="Times New Roman" panose="02020603050405020304" pitchFamily="18" charset="0"/>
+                              </a:rPr>
+                              <m:t>z</m:t>
+                            </m:r>
+                          </m:e>
+                        </m:acc>
+                      </m:e>
+                      <m:sup>
+                        <m:r>
+                          <a:rPr lang="fr-FR" b="0" i="0" smtClean="0">
+                            <a:latin typeface="Cambria Math" panose="02040503050406030204" pitchFamily="18" charset="0"/>
+                            <a:ea typeface="Calibri" panose="020F0502020204030204" pitchFamily="34" charset="0"/>
+                            <a:cs typeface="Times New Roman" panose="02020603050405020304" pitchFamily="18" charset="0"/>
+                          </a:rPr>
+                          <m:t>2</m:t>
+                        </m:r>
+                      </m:sup>
+                    </m:sSup>
+                    <m:r>
+                      <a:rPr lang="fr-FR" b="0" i="0" smtClean="0">
+                        <a:latin typeface="Cambria Math" panose="02040503050406030204" pitchFamily="18" charset="0"/>
+                        <a:ea typeface="Calibri" panose="020F0502020204030204" pitchFamily="34" charset="0"/>
+                        <a:cs typeface="Times New Roman" panose="02020603050405020304" pitchFamily="18" charset="0"/>
+                      </a:rPr>
+                      <m:t>)</m:t>
+                    </m:r>
+                  </m:oMath>
+                </a14:m>
+                <a:r>
+                  <a:rPr lang="fr-FR" dirty="0">
+                    <a:latin typeface="Calibri" panose="020F0502020204030204" pitchFamily="34" charset="0"/>
+                    <a:ea typeface="Times New Roman" panose="02020603050405020304" pitchFamily="18" charset="0"/>
+                    <a:cs typeface="Times New Roman" panose="02020603050405020304" pitchFamily="18" charset="0"/>
+                  </a:rPr>
+                  <a:t>. </a:t>
+                </a:r>
+              </a:p>
+              <a:p>
+                <a:endParaRPr lang="fr-FR" dirty="0">
+                  <a:latin typeface="Calibri" panose="020F0502020204030204" pitchFamily="34" charset="0"/>
+                  <a:ea typeface="Times New Roman" panose="02020603050405020304" pitchFamily="18" charset="0"/>
+                  <a:cs typeface="Times New Roman" panose="02020603050405020304" pitchFamily="18" charset="0"/>
+                </a:endParaRPr>
+              </a:p>
+              <a:p>
+                <a:r>
+                  <a:rPr lang="fr-FR" dirty="0">
+                    <a:latin typeface="Calibri" panose="020F0502020204030204" pitchFamily="34" charset="0"/>
+                    <a:ea typeface="Times New Roman" panose="02020603050405020304" pitchFamily="18" charset="0"/>
+                    <a:cs typeface="Times New Roman" panose="02020603050405020304" pitchFamily="18" charset="0"/>
+                  </a:rPr>
+                  <a:t>Il est symétrique par transformation translation (définie ci-dessous pour tout vecteur </a:t>
+                </a:r>
+                <a14:m>
+                  <m:oMath xmlns:m="http://schemas.openxmlformats.org/officeDocument/2006/math">
+                    <m:acc>
+                      <m:accPr>
+                        <m:chr m:val="⃗"/>
+                        <m:ctrlPr>
+                          <a:rPr lang="fr-FR" i="1">
+                            <a:effectLst/>
+                            <a:latin typeface="Cambria Math" panose="02040503050406030204" pitchFamily="18" charset="0"/>
+                            <a:ea typeface="Times New Roman" panose="02020603050405020304" pitchFamily="18" charset="0"/>
+                          </a:rPr>
+                        </m:ctrlPr>
+                      </m:accPr>
+                      <m:e>
+                        <m:r>
+                          <a:rPr lang="fr-FR" i="1">
+                            <a:latin typeface="Cambria Math" panose="02040503050406030204" pitchFamily="18" charset="0"/>
+                            <a:ea typeface="Times New Roman" panose="02020603050405020304" pitchFamily="18" charset="0"/>
+                            <a:cs typeface="Times New Roman" panose="02020603050405020304" pitchFamily="18" charset="0"/>
+                          </a:rPr>
+                          <m:t>𝑎</m:t>
+                        </m:r>
+                      </m:e>
+                    </m:acc>
+                  </m:oMath>
+                </a14:m>
+                <a:r>
+                  <a:rPr lang="fr-FR" dirty="0">
+                    <a:latin typeface="Calibri" panose="020F0502020204030204" pitchFamily="34" charset="0"/>
+                    <a:ea typeface="Times New Roman" panose="02020603050405020304" pitchFamily="18" charset="0"/>
+                    <a:cs typeface="Times New Roman" panose="02020603050405020304" pitchFamily="18" charset="0"/>
+                  </a:rPr>
+                  <a:t>). </a:t>
+                </a:r>
+              </a:p>
+              <a:p>
+                <a:r>
+                  <a:rPr lang="fr-FR" dirty="0">
+                    <a:latin typeface="Calibri" panose="020F0502020204030204" pitchFamily="34" charset="0"/>
+                    <a:ea typeface="Calibri" panose="020F0502020204030204" pitchFamily="34" charset="0"/>
+                    <a:cs typeface="Times New Roman" panose="02020603050405020304" pitchFamily="18" charset="0"/>
+                  </a:rPr>
+                  <a:t>Translation :  </a:t>
+                </a:r>
+                <a14:m>
+                  <m:oMath xmlns:m="http://schemas.openxmlformats.org/officeDocument/2006/math">
+                    <m:acc>
+                      <m:accPr>
+                        <m:chr m:val="⃗"/>
+                        <m:ctrlPr>
+                          <a:rPr lang="fr-FR" i="1">
+                            <a:latin typeface="Cambria Math" panose="02040503050406030204" pitchFamily="18" charset="0"/>
+                            <a:ea typeface="Calibri" panose="020F0502020204030204" pitchFamily="34" charset="0"/>
+                            <a:cs typeface="Times New Roman" panose="02020603050405020304" pitchFamily="18" charset="0"/>
+                          </a:rPr>
+                        </m:ctrlPr>
+                      </m:accPr>
+                      <m:e>
+                        <m:r>
+                          <a:rPr lang="fr-FR" i="1">
+                            <a:latin typeface="Cambria Math" panose="02040503050406030204" pitchFamily="18" charset="0"/>
+                            <a:ea typeface="Calibri" panose="020F0502020204030204" pitchFamily="34" charset="0"/>
+                            <a:cs typeface="Times New Roman" panose="02020603050405020304" pitchFamily="18" charset="0"/>
+                          </a:rPr>
+                          <m:t>𝑟</m:t>
+                        </m:r>
+                      </m:e>
+                    </m:acc>
+                    <m:r>
+                      <a:rPr lang="fr-FR" i="1">
+                        <a:latin typeface="Cambria Math" panose="02040503050406030204" pitchFamily="18" charset="0"/>
+                        <a:ea typeface="Calibri" panose="020F0502020204030204" pitchFamily="34" charset="0"/>
+                        <a:cs typeface="Times New Roman" panose="02020603050405020304" pitchFamily="18" charset="0"/>
+                      </a:rPr>
+                      <m:t>→</m:t>
+                    </m:r>
+                    <m:acc>
+                      <m:accPr>
+                        <m:chr m:val="⃗"/>
+                        <m:ctrlPr>
+                          <a:rPr lang="fr-FR" i="1">
+                            <a:latin typeface="Cambria Math" panose="02040503050406030204" pitchFamily="18" charset="0"/>
+                            <a:ea typeface="Calibri" panose="020F0502020204030204" pitchFamily="34" charset="0"/>
+                            <a:cs typeface="Times New Roman" panose="02020603050405020304" pitchFamily="18" charset="0"/>
+                          </a:rPr>
+                        </m:ctrlPr>
+                      </m:accPr>
+                      <m:e>
+                        <m:r>
+                          <a:rPr lang="fr-FR" i="1">
+                            <a:latin typeface="Cambria Math" panose="02040503050406030204" pitchFamily="18" charset="0"/>
+                            <a:ea typeface="Calibri" panose="020F0502020204030204" pitchFamily="34" charset="0"/>
+                            <a:cs typeface="Times New Roman" panose="02020603050405020304" pitchFamily="18" charset="0"/>
+                          </a:rPr>
+                          <m:t>𝑟</m:t>
+                        </m:r>
+                        <m:r>
+                          <a:rPr lang="fr-FR" i="1">
+                            <a:latin typeface="Cambria Math" panose="02040503050406030204" pitchFamily="18" charset="0"/>
+                            <a:ea typeface="Calibri" panose="020F0502020204030204" pitchFamily="34" charset="0"/>
+                            <a:cs typeface="Times New Roman" panose="02020603050405020304" pitchFamily="18" charset="0"/>
+                          </a:rPr>
+                          <m:t>′</m:t>
+                        </m:r>
+                      </m:e>
+                    </m:acc>
+                    <m:r>
+                      <a:rPr lang="fr-FR" i="1">
+                        <a:latin typeface="Cambria Math" panose="02040503050406030204" pitchFamily="18" charset="0"/>
+                        <a:ea typeface="Calibri" panose="020F0502020204030204" pitchFamily="34" charset="0"/>
+                        <a:cs typeface="Times New Roman" panose="02020603050405020304" pitchFamily="18" charset="0"/>
+                      </a:rPr>
+                      <m:t>=</m:t>
+                    </m:r>
+                    <m:acc>
+                      <m:accPr>
+                        <m:chr m:val="⃗"/>
+                        <m:ctrlPr>
+                          <a:rPr lang="fr-FR" i="1">
+                            <a:latin typeface="Cambria Math" panose="02040503050406030204" pitchFamily="18" charset="0"/>
+                            <a:ea typeface="Calibri" panose="020F0502020204030204" pitchFamily="34" charset="0"/>
+                            <a:cs typeface="Times New Roman" panose="02020603050405020304" pitchFamily="18" charset="0"/>
+                          </a:rPr>
+                        </m:ctrlPr>
+                      </m:accPr>
+                      <m:e>
+                        <m:r>
+                          <a:rPr lang="fr-FR" i="1">
+                            <a:latin typeface="Cambria Math" panose="02040503050406030204" pitchFamily="18" charset="0"/>
+                            <a:ea typeface="Calibri" panose="020F0502020204030204" pitchFamily="34" charset="0"/>
+                            <a:cs typeface="Times New Roman" panose="02020603050405020304" pitchFamily="18" charset="0"/>
+                          </a:rPr>
+                          <m:t>𝑟</m:t>
+                        </m:r>
+                      </m:e>
+                    </m:acc>
+                    <m:r>
+                      <a:rPr lang="fr-FR" i="1">
+                        <a:latin typeface="Cambria Math" panose="02040503050406030204" pitchFamily="18" charset="0"/>
+                        <a:ea typeface="Calibri" panose="020F0502020204030204" pitchFamily="34" charset="0"/>
+                        <a:cs typeface="Times New Roman" panose="02020603050405020304" pitchFamily="18" charset="0"/>
+                      </a:rPr>
+                      <m:t>+</m:t>
+                    </m:r>
+                    <m:r>
+                      <a:rPr lang="fr-FR" i="1">
+                        <a:latin typeface="Cambria Math" panose="02040503050406030204" pitchFamily="18" charset="0"/>
+                        <a:ea typeface="Calibri" panose="020F0502020204030204" pitchFamily="34" charset="0"/>
+                        <a:cs typeface="Times New Roman" panose="02020603050405020304" pitchFamily="18" charset="0"/>
+                      </a:rPr>
+                      <m:t>𝛼</m:t>
+                    </m:r>
+                    <m:acc>
+                      <m:accPr>
+                        <m:chr m:val="⃗"/>
+                        <m:ctrlPr>
+                          <a:rPr lang="fr-FR" i="1">
+                            <a:latin typeface="Cambria Math" panose="02040503050406030204" pitchFamily="18" charset="0"/>
+                            <a:ea typeface="Calibri" panose="020F0502020204030204" pitchFamily="34" charset="0"/>
+                            <a:cs typeface="Times New Roman" panose="02020603050405020304" pitchFamily="18" charset="0"/>
+                          </a:rPr>
+                        </m:ctrlPr>
+                      </m:accPr>
+                      <m:e>
+                        <m:r>
+                          <a:rPr lang="fr-FR" i="1">
+                            <a:latin typeface="Cambria Math" panose="02040503050406030204" pitchFamily="18" charset="0"/>
+                            <a:ea typeface="Calibri" panose="020F0502020204030204" pitchFamily="34" charset="0"/>
+                            <a:cs typeface="Times New Roman" panose="02020603050405020304" pitchFamily="18" charset="0"/>
+                          </a:rPr>
+                          <m:t>𝑎</m:t>
+                        </m:r>
+                      </m:e>
+                    </m:acc>
+                  </m:oMath>
+                </a14:m>
+                <a:r>
+                  <a:rPr lang="fr-FR" dirty="0">
+                    <a:latin typeface="Calibri" panose="020F0502020204030204" pitchFamily="34" charset="0"/>
+                    <a:ea typeface="Calibri" panose="020F0502020204030204" pitchFamily="34" charset="0"/>
+                    <a:cs typeface="Times New Roman" panose="02020603050405020304" pitchFamily="18" charset="0"/>
+                  </a:rPr>
+                  <a:t>  </a:t>
+                </a:r>
+              </a:p>
+              <a:p>
+                <a:endParaRPr lang="fr-FR" dirty="0">
+                  <a:latin typeface="Calibri" panose="020F0502020204030204" pitchFamily="34" charset="0"/>
+                  <a:ea typeface="Times New Roman" panose="02020603050405020304" pitchFamily="18" charset="0"/>
+                  <a:cs typeface="Times New Roman" panose="02020603050405020304" pitchFamily="18" charset="0"/>
+                </a:endParaRPr>
+              </a:p>
+              <a:p>
+                <a:endParaRPr lang="fr-FR" dirty="0">
+                  <a:latin typeface="Calibri" panose="020F0502020204030204" pitchFamily="34" charset="0"/>
+                  <a:ea typeface="Times New Roman" panose="02020603050405020304" pitchFamily="18" charset="0"/>
+                  <a:cs typeface="Times New Roman" panose="02020603050405020304" pitchFamily="18" charset="0"/>
+                </a:endParaRPr>
+              </a:p>
+              <a:p>
+                <a:endParaRPr lang="fr-FR" dirty="0">
+                  <a:latin typeface="Calibri" panose="020F0502020204030204" pitchFamily="34" charset="0"/>
+                  <a:ea typeface="Times New Roman" panose="02020603050405020304" pitchFamily="18" charset="0"/>
+                  <a:cs typeface="Times New Roman" panose="02020603050405020304" pitchFamily="18" charset="0"/>
+                </a:endParaRPr>
+              </a:p>
+              <a:p>
+                <a:endParaRPr lang="fr-FR" dirty="0">
+                  <a:latin typeface="Calibri" panose="020F0502020204030204" pitchFamily="34" charset="0"/>
+                  <a:ea typeface="Times New Roman" panose="02020603050405020304" pitchFamily="18" charset="0"/>
+                  <a:cs typeface="Times New Roman" panose="02020603050405020304" pitchFamily="18" charset="0"/>
+                </a:endParaRPr>
+              </a:p>
+              <a:p>
+                <a:r>
+                  <a:rPr lang="fr-FR" dirty="0">
+                    <a:latin typeface="Calibri" panose="020F0502020204030204" pitchFamily="34" charset="0"/>
+                    <a:ea typeface="Times New Roman" panose="02020603050405020304" pitchFamily="18" charset="0"/>
+                    <a:cs typeface="Times New Roman" panose="02020603050405020304" pitchFamily="18" charset="0"/>
+                  </a:rPr>
+                  <a:t>D’après le théorème de </a:t>
+                </a:r>
+                <a:r>
+                  <a:rPr lang="fr-FR" dirty="0" err="1">
+                    <a:latin typeface="Calibri" panose="020F0502020204030204" pitchFamily="34" charset="0"/>
+                    <a:ea typeface="Times New Roman" panose="02020603050405020304" pitchFamily="18" charset="0"/>
+                    <a:cs typeface="Times New Roman" panose="02020603050405020304" pitchFamily="18" charset="0"/>
+                  </a:rPr>
+                  <a:t>Nœther</a:t>
+                </a:r>
+                <a:r>
+                  <a:rPr lang="fr-FR" dirty="0">
+                    <a:latin typeface="Calibri" panose="020F0502020204030204" pitchFamily="34" charset="0"/>
+                    <a:ea typeface="Times New Roman" panose="02020603050405020304" pitchFamily="18" charset="0"/>
+                    <a:cs typeface="Times New Roman" panose="02020603050405020304" pitchFamily="18" charset="0"/>
+                  </a:rPr>
+                  <a:t>,  </a:t>
+                </a:r>
+                <a14:m>
+                  <m:oMath xmlns:m="http://schemas.openxmlformats.org/officeDocument/2006/math">
+                    <m:acc>
+                      <m:accPr>
+                        <m:chr m:val="⃗"/>
+                        <m:ctrlPr>
+                          <a:rPr lang="fr-FR" i="1">
+                            <a:effectLst/>
+                            <a:latin typeface="Cambria Math" panose="02040503050406030204" pitchFamily="18" charset="0"/>
+                            <a:ea typeface="Times New Roman" panose="02020603050405020304" pitchFamily="18" charset="0"/>
+                          </a:rPr>
+                        </m:ctrlPr>
+                      </m:accPr>
+                      <m:e>
+                        <m:r>
+                          <a:rPr lang="fr-FR" i="1">
+                            <a:latin typeface="Cambria Math" panose="02040503050406030204" pitchFamily="18" charset="0"/>
+                            <a:ea typeface="Times New Roman" panose="02020603050405020304" pitchFamily="18" charset="0"/>
+                            <a:cs typeface="Times New Roman" panose="02020603050405020304" pitchFamily="18" charset="0"/>
+                          </a:rPr>
+                          <m:t>𝑃</m:t>
+                        </m:r>
+                      </m:e>
+                    </m:acc>
+                    <m:r>
+                      <a:rPr lang="fr-FR" i="1">
+                        <a:latin typeface="Cambria Math" panose="02040503050406030204" pitchFamily="18" charset="0"/>
+                        <a:ea typeface="Times New Roman" panose="02020603050405020304" pitchFamily="18" charset="0"/>
+                        <a:cs typeface="Times New Roman" panose="02020603050405020304" pitchFamily="18" charset="0"/>
+                      </a:rPr>
+                      <m:t>=</m:t>
+                    </m:r>
+                    <m:r>
+                      <a:rPr lang="fr-FR" i="1">
+                        <a:latin typeface="Cambria Math" panose="02040503050406030204" pitchFamily="18" charset="0"/>
+                        <a:ea typeface="Times New Roman" panose="02020603050405020304" pitchFamily="18" charset="0"/>
+                        <a:cs typeface="Times New Roman" panose="02020603050405020304" pitchFamily="18" charset="0"/>
+                      </a:rPr>
+                      <m:t>𝑚</m:t>
+                    </m:r>
+                    <m:acc>
+                      <m:accPr>
+                        <m:chr m:val="⃗"/>
+                        <m:ctrlPr>
+                          <a:rPr lang="fr-FR" i="1">
+                            <a:effectLst/>
+                            <a:latin typeface="Cambria Math" panose="02040503050406030204" pitchFamily="18" charset="0"/>
+                            <a:ea typeface="Times New Roman" panose="02020603050405020304" pitchFamily="18" charset="0"/>
+                          </a:rPr>
+                        </m:ctrlPr>
+                      </m:accPr>
+                      <m:e>
+                        <m:r>
+                          <a:rPr lang="fr-FR" i="1">
+                            <a:latin typeface="Cambria Math" panose="02040503050406030204" pitchFamily="18" charset="0"/>
+                            <a:ea typeface="Times New Roman" panose="02020603050405020304" pitchFamily="18" charset="0"/>
+                            <a:cs typeface="Times New Roman" panose="02020603050405020304" pitchFamily="18" charset="0"/>
+                          </a:rPr>
+                          <m:t>𝑣</m:t>
+                        </m:r>
+                      </m:e>
+                    </m:acc>
+                    <m:r>
+                      <a:rPr lang="fr-FR" i="1">
+                        <a:latin typeface="Cambria Math" panose="02040503050406030204" pitchFamily="18" charset="0"/>
+                        <a:ea typeface="Times New Roman" panose="02020603050405020304" pitchFamily="18" charset="0"/>
+                        <a:cs typeface="Times New Roman" panose="02020603050405020304" pitchFamily="18" charset="0"/>
+                      </a:rPr>
+                      <m:t> </m:t>
+                    </m:r>
+                  </m:oMath>
+                </a14:m>
+                <a:r>
+                  <a:rPr lang="fr-FR" dirty="0">
+                    <a:latin typeface="Calibri" panose="020F0502020204030204" pitchFamily="34" charset="0"/>
+                    <a:ea typeface="Times New Roman" panose="02020603050405020304" pitchFamily="18" charset="0"/>
+                    <a:cs typeface="Times New Roman" panose="02020603050405020304" pitchFamily="18" charset="0"/>
+                  </a:rPr>
+                  <a:t>est une grandeur conservée. On retrouve </a:t>
+                </a:r>
+                <a:r>
+                  <a:rPr lang="fr-FR" b="1" dirty="0">
+                    <a:latin typeface="Calibri" panose="020F0502020204030204" pitchFamily="34" charset="0"/>
+                    <a:ea typeface="Times New Roman" panose="02020603050405020304" pitchFamily="18" charset="0"/>
+                    <a:cs typeface="Times New Roman" panose="02020603050405020304" pitchFamily="18" charset="0"/>
+                  </a:rPr>
+                  <a:t>le principe d’inertie</a:t>
+                </a:r>
+                <a:r>
+                  <a:rPr lang="fr-FR" dirty="0">
+                    <a:latin typeface="Calibri" panose="020F0502020204030204" pitchFamily="34" charset="0"/>
+                    <a:ea typeface="Times New Roman" panose="02020603050405020304" pitchFamily="18" charset="0"/>
+                    <a:cs typeface="Times New Roman" panose="02020603050405020304" pitchFamily="18" charset="0"/>
+                  </a:rPr>
+                  <a:t>. C’est la première fois que des considérations sur les symétries nous permettent de déduire des lois.</a:t>
+                </a:r>
+                <a:endParaRPr lang="fr-FR" dirty="0"/>
+              </a:p>
+            </p:txBody>
+          </p:sp>
+        </mc:Choice>
+        <mc:Fallback>
+          <p:sp>
+            <p:nvSpPr>
+              <p:cNvPr id="2" name="Rectangle 1">
+                <a:extLst>
+                  <a:ext uri="{FF2B5EF4-FFF2-40B4-BE49-F238E27FC236}">
+                    <a16:creationId xmlns:a16="http://schemas.microsoft.com/office/drawing/2014/main" id="{E0C0CCFB-BF4D-45DC-A8C4-DC9DE467DC2F}"/>
+                  </a:ext>
+                </a:extLst>
+              </p:cNvPr>
+              <p:cNvSpPr>
+                <a:spLocks noRot="1" noChangeAspect="1" noMove="1" noResize="1" noEditPoints="1" noAdjustHandles="1" noChangeArrowheads="1" noChangeShapeType="1" noTextEdit="1"/>
+              </p:cNvSpPr>
+              <p:nvPr/>
+            </p:nvSpPr>
+            <p:spPr>
+              <a:xfrm>
+                <a:off x="538480" y="1181231"/>
+                <a:ext cx="11277600" cy="3620543"/>
               </a:xfrm>
               <a:prstGeom prst="rect">
                 <a:avLst/>
@@ -4124,7 +8079,433 @@
               <a:blipFill>
                 <a:blip r:embed="rId2"/>
                 <a:stretch>
-                  <a:fillRect l="-600" t="-2609"/>
+                  <a:fillRect l="-432" t="-1010" b="-1684"/>
+                </a:stretch>
+              </a:blipFill>
+            </p:spPr>
+            <p:txBody>
+              <a:bodyPr/>
+              <a:lstStyle/>
+              <a:p>
+                <a:r>
+                  <a:rPr lang="fr-FR">
+                    <a:noFill/>
+                  </a:rPr>
+                  <a:t> </a:t>
+                </a:r>
+              </a:p>
+            </p:txBody>
+          </p:sp>
+        </mc:Fallback>
+      </mc:AlternateContent>
+      <p:sp>
+        <p:nvSpPr>
+          <p:cNvPr id="3" name="Rectangle 2">
+            <a:extLst>
+              <a:ext uri="{FF2B5EF4-FFF2-40B4-BE49-F238E27FC236}">
+                <a16:creationId xmlns:a16="http://schemas.microsoft.com/office/drawing/2014/main" id="{8D477720-A480-48B4-885A-ED51718F997F}"/>
+              </a:ext>
+            </a:extLst>
+          </p:cNvPr>
+          <p:cNvSpPr/>
+          <p:nvPr/>
+        </p:nvSpPr>
+        <p:spPr>
+          <a:xfrm>
+            <a:off x="538480" y="409694"/>
+            <a:ext cx="6383735" cy="553998"/>
+          </a:xfrm>
+          <a:prstGeom prst="rect">
+            <a:avLst/>
+          </a:prstGeom>
+        </p:spPr>
+        <p:txBody>
+          <a:bodyPr wrap="none">
+            <a:spAutoFit/>
+          </a:bodyPr>
+          <a:lstStyle/>
+          <a:p>
+            <a:r>
+              <a:rPr lang="fr-FR" sz="3000" b="1" dirty="0">
+                <a:latin typeface="Calibri" panose="020F0502020204030204" pitchFamily="34" charset="0"/>
+                <a:ea typeface="Calibri" panose="020F0502020204030204" pitchFamily="34" charset="0"/>
+                <a:cs typeface="Times New Roman" panose="02020603050405020304" pitchFamily="18" charset="0"/>
+              </a:rPr>
+              <a:t>Symétrie du lagrangien par translation </a:t>
+            </a:r>
+            <a:endParaRPr lang="fr-FR" sz="3000" dirty="0"/>
+          </a:p>
+        </p:txBody>
+      </p:sp>
+      <mc:AlternateContent xmlns:mc="http://schemas.openxmlformats.org/markup-compatibility/2006">
+        <mc:Choice xmlns:a14="http://schemas.microsoft.com/office/drawing/2010/main" Requires="a14">
+          <p:sp>
+            <p:nvSpPr>
+              <p:cNvPr id="4" name="Rectangle 3">
+                <a:extLst>
+                  <a:ext uri="{FF2B5EF4-FFF2-40B4-BE49-F238E27FC236}">
+                    <a16:creationId xmlns:a16="http://schemas.microsoft.com/office/drawing/2014/main" id="{33FFD762-297E-4F14-8C90-C35A85978F73}"/>
+                  </a:ext>
+                </a:extLst>
+              </p:cNvPr>
+              <p:cNvSpPr/>
+              <p:nvPr/>
+            </p:nvSpPr>
+            <p:spPr>
+              <a:xfrm>
+                <a:off x="538480" y="3130002"/>
+                <a:ext cx="5191934" cy="848566"/>
+              </a:xfrm>
+              <a:prstGeom prst="rect">
+                <a:avLst/>
+              </a:prstGeom>
+            </p:spPr>
+            <p:txBody>
+              <a:bodyPr wrap="none">
+                <a:spAutoFit/>
+              </a:bodyPr>
+              <a:lstStyle/>
+              <a:p>
+                <a14:m>
+                  <m:oMathPara xmlns:m="http://schemas.openxmlformats.org/officeDocument/2006/math">
+                    <m:oMathParaPr>
+                      <m:jc m:val="centerGroup"/>
+                    </m:oMathParaPr>
+                    <m:oMath xmlns:m="http://schemas.openxmlformats.org/officeDocument/2006/math">
+                      <m:eqArr>
+                        <m:eqArrPr>
+                          <m:ctrlPr>
+                            <a:rPr lang="fr-FR" smtClean="0">
+                              <a:latin typeface="Cambria Math" panose="02040503050406030204" pitchFamily="18" charset="0"/>
+                            </a:rPr>
+                          </m:ctrlPr>
+                        </m:eqArrPr>
+                        <m:e>
+                          <m:r>
+                            <m:rPr>
+                              <m:sty m:val="p"/>
+                            </m:rPr>
+                            <a:rPr lang="fr-FR" b="0" i="0" smtClean="0">
+                              <a:latin typeface="Cambria Math" panose="02040503050406030204" pitchFamily="18" charset="0"/>
+                            </a:rPr>
+                            <m:t>La</m:t>
+                          </m:r>
+                          <m:r>
+                            <a:rPr lang="fr-FR" b="0" i="0" smtClean="0">
+                              <a:latin typeface="Cambria Math" panose="02040503050406030204" pitchFamily="18" charset="0"/>
+                            </a:rPr>
+                            <m:t> </m:t>
+                          </m:r>
+                          <m:r>
+                            <m:rPr>
+                              <m:sty m:val="p"/>
+                            </m:rPr>
+                            <a:rPr lang="fr-FR" b="0" i="0" smtClean="0">
+                              <a:latin typeface="Cambria Math" panose="02040503050406030204" pitchFamily="18" charset="0"/>
+                            </a:rPr>
+                            <m:t>Grandeur</m:t>
+                          </m:r>
+                          <m:r>
+                            <a:rPr lang="fr-FR" b="0" i="0" smtClean="0">
+                              <a:latin typeface="Cambria Math" panose="02040503050406030204" pitchFamily="18" charset="0"/>
+                            </a:rPr>
+                            <m:t> </m:t>
+                          </m:r>
+                          <m:r>
+                            <m:rPr>
+                              <m:sty m:val="p"/>
+                            </m:rPr>
+                            <a:rPr lang="fr-FR" b="0" i="0" smtClean="0">
+                              <a:latin typeface="Cambria Math" panose="02040503050406030204" pitchFamily="18" charset="0"/>
+                            </a:rPr>
+                            <m:t>inchang</m:t>
+                          </m:r>
+                          <m:r>
+                            <a:rPr lang="fr-FR" b="0" i="0" smtClean="0">
+                              <a:latin typeface="Cambria Math" panose="02040503050406030204" pitchFamily="18" charset="0"/>
+                            </a:rPr>
+                            <m:t>é</m:t>
+                          </m:r>
+                          <m:r>
+                            <m:rPr>
+                              <m:sty m:val="p"/>
+                            </m:rPr>
+                            <a:rPr lang="fr-FR" b="0" i="0" smtClean="0">
+                              <a:latin typeface="Cambria Math" panose="02040503050406030204" pitchFamily="18" charset="0"/>
+                            </a:rPr>
+                            <m:t>e</m:t>
+                          </m:r>
+                          <m:r>
+                            <a:rPr lang="fr-FR" b="0" i="0" smtClean="0">
+                              <a:latin typeface="Cambria Math" panose="02040503050406030204" pitchFamily="18" charset="0"/>
+                            </a:rPr>
+                            <m:t> </m:t>
+                          </m:r>
+                          <m:r>
+                            <m:rPr>
+                              <m:sty m:val="p"/>
+                            </m:rPr>
+                            <a:rPr lang="fr-FR" b="0" i="0" smtClean="0">
+                              <a:latin typeface="Cambria Math" panose="02040503050406030204" pitchFamily="18" charset="0"/>
+                            </a:rPr>
+                            <m:t>est</m:t>
+                          </m:r>
+                          <m:r>
+                            <a:rPr lang="fr-FR" b="0" i="0" smtClean="0">
+                              <a:latin typeface="Cambria Math" panose="02040503050406030204" pitchFamily="18" charset="0"/>
+                            </a:rPr>
+                            <m:t> : &amp;</m:t>
+                          </m:r>
+                          <m:r>
+                            <a:rPr lang="fr-FR" i="1">
+                              <a:latin typeface="Cambria Math" panose="02040503050406030204" pitchFamily="18" charset="0"/>
+                            </a:rPr>
+                            <m:t>𝐼</m:t>
+                          </m:r>
+                          <m:r>
+                            <a:rPr lang="fr-FR" i="0">
+                              <a:latin typeface="Cambria Math" panose="02040503050406030204" pitchFamily="18" charset="0"/>
+                            </a:rPr>
+                            <m:t>= </m:t>
+                          </m:r>
+                          <m:nary>
+                            <m:naryPr>
+                              <m:chr m:val="∑"/>
+                              <m:limLoc m:val="undOvr"/>
+                              <m:ctrlPr>
+                                <a:rPr lang="fr-FR" i="1">
+                                  <a:latin typeface="Cambria Math" panose="02040503050406030204" pitchFamily="18" charset="0"/>
+                                </a:rPr>
+                              </m:ctrlPr>
+                            </m:naryPr>
+                            <m:sub>
+                              <m:r>
+                                <a:rPr lang="fr-FR" i="1">
+                                  <a:latin typeface="Cambria Math" panose="02040503050406030204" pitchFamily="18" charset="0"/>
+                                </a:rPr>
+                                <m:t>𝑖</m:t>
+                              </m:r>
+                              <m:r>
+                                <a:rPr lang="fr-FR" i="0">
+                                  <a:latin typeface="Cambria Math" panose="02040503050406030204" pitchFamily="18" charset="0"/>
+                                </a:rPr>
+                                <m:t>=1</m:t>
+                              </m:r>
+                            </m:sub>
+                            <m:sup>
+                              <m:r>
+                                <a:rPr lang="fr-FR" i="1">
+                                  <a:latin typeface="Cambria Math" panose="02040503050406030204" pitchFamily="18" charset="0"/>
+                                </a:rPr>
+                                <m:t>𝑛</m:t>
+                              </m:r>
+                            </m:sup>
+                            <m:e>
+                              <m:f>
+                                <m:fPr>
+                                  <m:ctrlPr>
+                                    <a:rPr lang="fr-FR" i="1">
+                                      <a:latin typeface="Cambria Math" panose="02040503050406030204" pitchFamily="18" charset="0"/>
+                                    </a:rPr>
+                                  </m:ctrlPr>
+                                </m:fPr>
+                                <m:num>
+                                  <m:r>
+                                    <a:rPr lang="fr-FR" i="0">
+                                      <a:latin typeface="Cambria Math" panose="02040503050406030204" pitchFamily="18" charset="0"/>
+                                    </a:rPr>
+                                    <m:t>∂</m:t>
+                                  </m:r>
+                                  <m:r>
+                                    <a:rPr lang="fr-FR" i="1">
+                                      <a:latin typeface="Cambria Math" panose="02040503050406030204" pitchFamily="18" charset="0"/>
+                                    </a:rPr>
+                                    <m:t>𝐿</m:t>
+                                  </m:r>
+                                </m:num>
+                                <m:den>
+                                  <m:r>
+                                    <a:rPr lang="fr-FR" i="0">
+                                      <a:latin typeface="Cambria Math" panose="02040503050406030204" pitchFamily="18" charset="0"/>
+                                    </a:rPr>
+                                    <m:t>∂</m:t>
+                                  </m:r>
+                                  <m:acc>
+                                    <m:accPr>
+                                      <m:chr m:val="̇"/>
+                                      <m:ctrlPr>
+                                        <a:rPr lang="fr-FR" i="1">
+                                          <a:latin typeface="Cambria Math" panose="02040503050406030204" pitchFamily="18" charset="0"/>
+                                        </a:rPr>
+                                      </m:ctrlPr>
+                                    </m:accPr>
+                                    <m:e>
+                                      <m:sSub>
+                                        <m:sSubPr>
+                                          <m:ctrlPr>
+                                            <a:rPr lang="fr-FR" b="0" i="1" smtClean="0">
+                                              <a:latin typeface="Cambria Math" panose="02040503050406030204" pitchFamily="18" charset="0"/>
+                                            </a:rPr>
+                                          </m:ctrlPr>
+                                        </m:sSubPr>
+                                        <m:e>
+                                          <m:r>
+                                            <a:rPr lang="fr-FR" b="0" i="1" smtClean="0">
+                                              <a:latin typeface="Cambria Math" panose="02040503050406030204" pitchFamily="18" charset="0"/>
+                                            </a:rPr>
+                                            <m:t>𝑥</m:t>
+                                          </m:r>
+                                        </m:e>
+                                        <m:sub>
+                                          <m:r>
+                                            <a:rPr lang="fr-FR" b="0" i="1" smtClean="0">
+                                              <a:latin typeface="Cambria Math" panose="02040503050406030204" pitchFamily="18" charset="0"/>
+                                            </a:rPr>
+                                            <m:t>𝑖</m:t>
+                                          </m:r>
+                                        </m:sub>
+                                      </m:sSub>
+                                    </m:e>
+                                  </m:acc>
+                                </m:den>
+                              </m:f>
+                              <m:sSub>
+                                <m:sSubPr>
+                                  <m:ctrlPr>
+                                    <a:rPr lang="fr-FR" i="1">
+                                      <a:latin typeface="Cambria Math" panose="02040503050406030204" pitchFamily="18" charset="0"/>
+                                    </a:rPr>
+                                  </m:ctrlPr>
+                                </m:sSubPr>
+                                <m:e>
+                                  <m:d>
+                                    <m:dPr>
+                                      <m:ctrlPr>
+                                        <a:rPr lang="fr-FR" i="1">
+                                          <a:latin typeface="Cambria Math" panose="02040503050406030204" pitchFamily="18" charset="0"/>
+                                        </a:rPr>
+                                      </m:ctrlPr>
+                                    </m:dPr>
+                                    <m:e>
+                                      <m:f>
+                                        <m:fPr>
+                                          <m:ctrlPr>
+                                            <a:rPr lang="fr-FR" i="1">
+                                              <a:latin typeface="Cambria Math" panose="02040503050406030204" pitchFamily="18" charset="0"/>
+                                            </a:rPr>
+                                          </m:ctrlPr>
+                                        </m:fPr>
+                                        <m:num>
+                                          <m:r>
+                                            <a:rPr lang="fr-FR" i="0">
+                                              <a:latin typeface="Cambria Math" panose="02040503050406030204" pitchFamily="18" charset="0"/>
+                                            </a:rPr>
+                                            <m:t>∂</m:t>
+                                          </m:r>
+                                          <m:sSub>
+                                            <m:sSubPr>
+                                              <m:ctrlPr>
+                                                <a:rPr lang="fr-FR" i="1">
+                                                  <a:latin typeface="Cambria Math" panose="02040503050406030204" pitchFamily="18" charset="0"/>
+                                                </a:rPr>
+                                              </m:ctrlPr>
+                                            </m:sSubPr>
+                                            <m:e>
+                                              <m:r>
+                                                <a:rPr lang="fr-FR" i="1">
+                                                  <a:latin typeface="Cambria Math" panose="02040503050406030204" pitchFamily="18" charset="0"/>
+                                                </a:rPr>
+                                                <m:t>𝑞</m:t>
+                                              </m:r>
+                                            </m:e>
+                                            <m:sub>
+                                              <m:r>
+                                                <a:rPr lang="fr-FR" i="1">
+                                                  <a:latin typeface="Cambria Math" panose="02040503050406030204" pitchFamily="18" charset="0"/>
+                                                </a:rPr>
+                                                <m:t>𝑖</m:t>
+                                              </m:r>
+                                            </m:sub>
+                                          </m:sSub>
+                                        </m:num>
+                                        <m:den>
+                                          <m:r>
+                                            <a:rPr lang="fr-FR" i="0">
+                                              <a:latin typeface="Cambria Math" panose="02040503050406030204" pitchFamily="18" charset="0"/>
+                                            </a:rPr>
+                                            <m:t>∂</m:t>
+                                          </m:r>
+                                          <m:r>
+                                            <a:rPr lang="fr-FR" i="1">
+                                              <a:latin typeface="Cambria Math" panose="02040503050406030204" pitchFamily="18" charset="0"/>
+                                            </a:rPr>
+                                            <m:t>𝛼</m:t>
+                                          </m:r>
+                                        </m:den>
+                                      </m:f>
+                                    </m:e>
+                                  </m:d>
+                                </m:e>
+                                <m:sub>
+                                  <m:r>
+                                    <a:rPr lang="fr-FR" i="1">
+                                      <a:latin typeface="Cambria Math" panose="02040503050406030204" pitchFamily="18" charset="0"/>
+                                    </a:rPr>
+                                    <m:t>𝛼</m:t>
+                                  </m:r>
+                                  <m:r>
+                                    <a:rPr lang="fr-FR" i="0">
+                                      <a:latin typeface="Cambria Math" panose="02040503050406030204" pitchFamily="18" charset="0"/>
+                                    </a:rPr>
+                                    <m:t>=0</m:t>
+                                  </m:r>
+                                </m:sub>
+                              </m:sSub>
+                            </m:e>
+                          </m:nary>
+                          <m:r>
+                            <a:rPr lang="fr-FR" i="0">
+                              <a:latin typeface="Cambria Math" panose="02040503050406030204" pitchFamily="18" charset="0"/>
+                            </a:rPr>
+                            <m:t>#</m:t>
+                          </m:r>
+                        </m:e>
+                      </m:eqArr>
+                    </m:oMath>
+                  </m:oMathPara>
+                </a14:m>
+                <a:endParaRPr lang="fr-FR" dirty="0"/>
+              </a:p>
+            </p:txBody>
+          </p:sp>
+        </mc:Choice>
+        <mc:Fallback>
+          <p:sp>
+            <p:nvSpPr>
+              <p:cNvPr id="4" name="Rectangle 3">
+                <a:extLst>
+                  <a:ext uri="{FF2B5EF4-FFF2-40B4-BE49-F238E27FC236}">
+                    <a16:creationId xmlns:a16="http://schemas.microsoft.com/office/drawing/2014/main" id="{33FFD762-297E-4F14-8C90-C35A85978F73}"/>
+                  </a:ext>
+                </a:extLst>
+              </p:cNvPr>
+              <p:cNvSpPr>
+                <a:spLocks noRot="1" noChangeAspect="1" noMove="1" noResize="1" noEditPoints="1" noAdjustHandles="1" noChangeArrowheads="1" noChangeShapeType="1" noTextEdit="1"/>
+              </p:cNvSpPr>
+              <p:nvPr/>
+            </p:nvSpPr>
+            <p:spPr>
+              <a:xfrm>
+                <a:off x="538480" y="3130002"/>
+                <a:ext cx="5191934" cy="848566"/>
+              </a:xfrm>
+              <a:prstGeom prst="rect">
+                <a:avLst/>
+              </a:prstGeom>
+              <a:blipFill>
+                <a:blip r:embed="rId3"/>
+                <a:stretch>
+                  <a:fillRect/>
                 </a:stretch>
               </a:blipFill>
             </p:spPr>
@@ -4146,7 +8527,7 @@
     </p:spTree>
     <p:extLst>
       <p:ext uri="{BB962C8B-B14F-4D97-AF65-F5344CB8AC3E}">
-        <p14:creationId xmlns:p14="http://schemas.microsoft.com/office/powerpoint/2010/main" val="378289273"/>
+        <p14:creationId xmlns:p14="http://schemas.microsoft.com/office/powerpoint/2010/main" val="1746451525"/>
       </p:ext>
     </p:extLst>
   </p:cSld>
